--- a/Hands-on Machine Learning.pptx
+++ b/Hands-on Machine Learning.pptx
@@ -3833,8 +3833,20 @@
           </a:p>
           <a:p>
             <a:r>
+              <a:rPr lang="en-US"/>
+              <a:t>No Mathematic</a:t>
+            </a:r>
+            <a:r>
               <a:rPr lang="en-US" dirty="0"/>
-              <a:t>No Mathematic involved</a:t>
+              <a:t>s</a:t>
+            </a:r>
+            <a:r>
+              <a:rPr lang="en-US"/>
+              <a:t> </a:t>
+            </a:r>
+            <a:r>
+              <a:rPr lang="en-US" dirty="0"/>
+              <a:t>involved</a:t>
             </a:r>
             <a:endParaRPr lang="en-IN" dirty="0"/>
           </a:p>

--- a/Hands-on Machine Learning.pptx
+++ b/Hands-on Machine Learning.pptx
@@ -2,7 +2,7 @@
 <file path=ppt/presentation.xml><?xml version="1.0" encoding="utf-8"?>
 <p:presentation xmlns:a="http://schemas.openxmlformats.org/drawingml/2006/main" xmlns:r="http://schemas.openxmlformats.org/officeDocument/2006/relationships" xmlns:p="http://schemas.openxmlformats.org/presentationml/2006/main" saveSubsetFonts="1">
   <p:sldMasterIdLst>
-    <p:sldMasterId id="2147483648" r:id="rId1"/>
+    <p:sldMasterId id="2147483660" r:id="rId1"/>
   </p:sldMasterIdLst>
   <p:sldIdLst>
     <p:sldId id="256" r:id="rId2"/>
@@ -24,7 +24,7 @@
     <a:defPPr>
       <a:defRPr lang="en-US"/>
     </a:defPPr>
-    <a:lvl1pPr marL="0" algn="l" defTabSz="914400" rtl="0" eaLnBrk="1" latinLnBrk="0" hangingPunct="1">
+    <a:lvl1pPr marL="0" algn="l" defTabSz="457200" rtl="0" eaLnBrk="1" latinLnBrk="0" hangingPunct="1">
       <a:defRPr sz="1800" kern="1200">
         <a:solidFill>
           <a:schemeClr val="tx1"/>
@@ -34,7 +34,7 @@
         <a:cs typeface="+mn-cs"/>
       </a:defRPr>
     </a:lvl1pPr>
-    <a:lvl2pPr marL="457200" algn="l" defTabSz="914400" rtl="0" eaLnBrk="1" latinLnBrk="0" hangingPunct="1">
+    <a:lvl2pPr marL="457200" algn="l" defTabSz="457200" rtl="0" eaLnBrk="1" latinLnBrk="0" hangingPunct="1">
       <a:defRPr sz="1800" kern="1200">
         <a:solidFill>
           <a:schemeClr val="tx1"/>
@@ -44,7 +44,7 @@
         <a:cs typeface="+mn-cs"/>
       </a:defRPr>
     </a:lvl2pPr>
-    <a:lvl3pPr marL="914400" algn="l" defTabSz="914400" rtl="0" eaLnBrk="1" latinLnBrk="0" hangingPunct="1">
+    <a:lvl3pPr marL="914400" algn="l" defTabSz="457200" rtl="0" eaLnBrk="1" latinLnBrk="0" hangingPunct="1">
       <a:defRPr sz="1800" kern="1200">
         <a:solidFill>
           <a:schemeClr val="tx1"/>
@@ -54,7 +54,7 @@
         <a:cs typeface="+mn-cs"/>
       </a:defRPr>
     </a:lvl3pPr>
-    <a:lvl4pPr marL="1371600" algn="l" defTabSz="914400" rtl="0" eaLnBrk="1" latinLnBrk="0" hangingPunct="1">
+    <a:lvl4pPr marL="1371600" algn="l" defTabSz="457200" rtl="0" eaLnBrk="1" latinLnBrk="0" hangingPunct="1">
       <a:defRPr sz="1800" kern="1200">
         <a:solidFill>
           <a:schemeClr val="tx1"/>
@@ -64,7 +64,7 @@
         <a:cs typeface="+mn-cs"/>
       </a:defRPr>
     </a:lvl4pPr>
-    <a:lvl5pPr marL="1828800" algn="l" defTabSz="914400" rtl="0" eaLnBrk="1" latinLnBrk="0" hangingPunct="1">
+    <a:lvl5pPr marL="1828800" algn="l" defTabSz="457200" rtl="0" eaLnBrk="1" latinLnBrk="0" hangingPunct="1">
       <a:defRPr sz="1800" kern="1200">
         <a:solidFill>
           <a:schemeClr val="tx1"/>
@@ -74,7 +74,7 @@
         <a:cs typeface="+mn-cs"/>
       </a:defRPr>
     </a:lvl5pPr>
-    <a:lvl6pPr marL="2286000" algn="l" defTabSz="914400" rtl="0" eaLnBrk="1" latinLnBrk="0" hangingPunct="1">
+    <a:lvl6pPr marL="2286000" algn="l" defTabSz="457200" rtl="0" eaLnBrk="1" latinLnBrk="0" hangingPunct="1">
       <a:defRPr sz="1800" kern="1200">
         <a:solidFill>
           <a:schemeClr val="tx1"/>
@@ -84,7 +84,7 @@
         <a:cs typeface="+mn-cs"/>
       </a:defRPr>
     </a:lvl6pPr>
-    <a:lvl7pPr marL="2743200" algn="l" defTabSz="914400" rtl="0" eaLnBrk="1" latinLnBrk="0" hangingPunct="1">
+    <a:lvl7pPr marL="2743200" algn="l" defTabSz="457200" rtl="0" eaLnBrk="1" latinLnBrk="0" hangingPunct="1">
       <a:defRPr sz="1800" kern="1200">
         <a:solidFill>
           <a:schemeClr val="tx1"/>
@@ -94,7 +94,7 @@
         <a:cs typeface="+mn-cs"/>
       </a:defRPr>
     </a:lvl7pPr>
-    <a:lvl8pPr marL="3200400" algn="l" defTabSz="914400" rtl="0" eaLnBrk="1" latinLnBrk="0" hangingPunct="1">
+    <a:lvl8pPr marL="3200400" algn="l" defTabSz="457200" rtl="0" eaLnBrk="1" latinLnBrk="0" hangingPunct="1">
       <a:defRPr sz="1800" kern="1200">
         <a:solidFill>
           <a:schemeClr val="tx1"/>
@@ -104,7 +104,7 @@
         <a:cs typeface="+mn-cs"/>
       </a:defRPr>
     </a:lvl8pPr>
-    <a:lvl9pPr marL="3657600" algn="l" defTabSz="914400" rtl="0" eaLnBrk="1" latinLnBrk="0" hangingPunct="1">
+    <a:lvl9pPr marL="3657600" algn="l" defTabSz="457200" rtl="0" eaLnBrk="1" latinLnBrk="0" hangingPunct="1">
       <a:defRPr sz="1800" kern="1200">
         <a:solidFill>
           <a:schemeClr val="tx1"/>
@@ -124,7 +124,7 @@
 </file>
 
 <file path=ppt/slideLayouts/slideLayout1.xml><?xml version="1.0" encoding="utf-8"?>
-<p:sldLayout xmlns:a="http://schemas.openxmlformats.org/drawingml/2006/main" xmlns:r="http://schemas.openxmlformats.org/officeDocument/2006/relationships" xmlns:p="http://schemas.openxmlformats.org/presentationml/2006/main" type="title" preserve="1">
+<p:sldLayout xmlns:a="http://schemas.openxmlformats.org/drawingml/2006/main" xmlns:r="http://schemas.openxmlformats.org/officeDocument/2006/relationships" xmlns:p="http://schemas.openxmlformats.org/presentationml/2006/main" showMasterSp="0" type="title" preserve="1">
   <p:cSld name="Title Slide">
     <p:spTree>
       <p:nvGrpSpPr>
@@ -140,15 +140,539 @@
           <a:chExt cx="0" cy="0"/>
         </a:xfrm>
       </p:grpSpPr>
-      <p:sp>
-        <p:nvSpPr>
-          <p:cNvPr id="2" name="Title 1">
-            <a:extLst>
-              <a:ext uri="{FF2B5EF4-FFF2-40B4-BE49-F238E27FC236}">
-                <a16:creationId xmlns:a16="http://schemas.microsoft.com/office/drawing/2014/main" id="{4373A406-C837-E661-0D1A-1DA994505DBE}"/>
-              </a:ext>
-            </a:extLst>
-          </p:cNvPr>
+      <p:grpSp>
+        <p:nvGrpSpPr>
+          <p:cNvPr id="7" name="Group 6"/>
+          <p:cNvGrpSpPr/>
+          <p:nvPr/>
+        </p:nvGrpSpPr>
+        <p:grpSpPr>
+          <a:xfrm>
+            <a:off x="0" y="-8467"/>
+            <a:ext cx="12192000" cy="6866467"/>
+            <a:chOff x="0" y="-8467"/>
+            <a:chExt cx="12192000" cy="6866467"/>
+          </a:xfrm>
+        </p:grpSpPr>
+        <p:cxnSp>
+          <p:nvCxnSpPr>
+            <p:cNvPr id="32" name="Straight Connector 31"/>
+            <p:cNvCxnSpPr/>
+            <p:nvPr/>
+          </p:nvCxnSpPr>
+          <p:spPr>
+            <a:xfrm>
+              <a:off x="9371012" y="0"/>
+              <a:ext cx="1219200" cy="6858000"/>
+            </a:xfrm>
+            <a:prstGeom prst="line">
+              <a:avLst/>
+            </a:prstGeom>
+            <a:ln w="9525">
+              <a:solidFill>
+                <a:schemeClr val="bg1">
+                  <a:lumMod val="75000"/>
+                </a:schemeClr>
+              </a:solidFill>
+            </a:ln>
+          </p:spPr>
+          <p:style>
+            <a:lnRef idx="2">
+              <a:schemeClr val="accent1"/>
+            </a:lnRef>
+            <a:fillRef idx="0">
+              <a:schemeClr val="accent1"/>
+            </a:fillRef>
+            <a:effectRef idx="1">
+              <a:schemeClr val="accent1"/>
+            </a:effectRef>
+            <a:fontRef idx="minor">
+              <a:schemeClr val="tx1"/>
+            </a:fontRef>
+          </p:style>
+        </p:cxnSp>
+        <p:cxnSp>
+          <p:nvCxnSpPr>
+            <p:cNvPr id="21" name="Straight Connector 20"/>
+            <p:cNvCxnSpPr/>
+            <p:nvPr/>
+          </p:nvCxnSpPr>
+          <p:spPr>
+            <a:xfrm flipH="1">
+              <a:off x="7425267" y="3681413"/>
+              <a:ext cx="4763558" cy="3176587"/>
+            </a:xfrm>
+            <a:prstGeom prst="line">
+              <a:avLst/>
+            </a:prstGeom>
+            <a:ln w="9525">
+              <a:solidFill>
+                <a:schemeClr val="bg1">
+                  <a:lumMod val="85000"/>
+                </a:schemeClr>
+              </a:solidFill>
+            </a:ln>
+          </p:spPr>
+          <p:style>
+            <a:lnRef idx="2">
+              <a:schemeClr val="accent1"/>
+            </a:lnRef>
+            <a:fillRef idx="0">
+              <a:schemeClr val="accent1"/>
+            </a:fillRef>
+            <a:effectRef idx="1">
+              <a:schemeClr val="accent1"/>
+            </a:effectRef>
+            <a:fontRef idx="minor">
+              <a:schemeClr val="tx1"/>
+            </a:fontRef>
+          </p:style>
+        </p:cxnSp>
+        <p:sp>
+          <p:nvSpPr>
+            <p:cNvPr id="24" name="Rectangle 23"/>
+            <p:cNvSpPr/>
+            <p:nvPr/>
+          </p:nvSpPr>
+          <p:spPr>
+            <a:xfrm>
+              <a:off x="9181476" y="-8467"/>
+              <a:ext cx="3007349" cy="6866467"/>
+            </a:xfrm>
+            <a:custGeom>
+              <a:avLst/>
+              <a:gdLst/>
+              <a:ahLst/>
+              <a:cxnLst/>
+              <a:rect l="l" t="t" r="r" b="b"/>
+              <a:pathLst>
+                <a:path w="3007349" h="6866467">
+                  <a:moveTo>
+                    <a:pt x="2045532" y="0"/>
+                  </a:moveTo>
+                  <a:lnTo>
+                    <a:pt x="3007349" y="0"/>
+                  </a:lnTo>
+                  <a:lnTo>
+                    <a:pt x="3007349" y="6866467"/>
+                  </a:lnTo>
+                  <a:lnTo>
+                    <a:pt x="0" y="6866467"/>
+                  </a:lnTo>
+                  <a:lnTo>
+                    <a:pt x="2045532" y="0"/>
+                  </a:lnTo>
+                  <a:close/>
+                </a:path>
+              </a:pathLst>
+            </a:custGeom>
+            <a:solidFill>
+              <a:schemeClr val="accent1">
+                <a:alpha val="30000"/>
+              </a:schemeClr>
+            </a:solidFill>
+            <a:ln>
+              <a:noFill/>
+            </a:ln>
+            <a:effectLst/>
+          </p:spPr>
+          <p:style>
+            <a:lnRef idx="1">
+              <a:schemeClr val="accent1"/>
+            </a:lnRef>
+            <a:fillRef idx="3">
+              <a:schemeClr val="accent1"/>
+            </a:fillRef>
+            <a:effectRef idx="2">
+              <a:schemeClr val="accent1"/>
+            </a:effectRef>
+            <a:fontRef idx="minor">
+              <a:schemeClr val="lt1"/>
+            </a:fontRef>
+          </p:style>
+        </p:sp>
+        <p:sp>
+          <p:nvSpPr>
+            <p:cNvPr id="26" name="Rectangle 25"/>
+            <p:cNvSpPr/>
+            <p:nvPr/>
+          </p:nvSpPr>
+          <p:spPr>
+            <a:xfrm>
+              <a:off x="9603442" y="-8467"/>
+              <a:ext cx="2588558" cy="6866467"/>
+            </a:xfrm>
+            <a:custGeom>
+              <a:avLst/>
+              <a:gdLst/>
+              <a:ahLst/>
+              <a:cxnLst/>
+              <a:rect l="l" t="t" r="r" b="b"/>
+              <a:pathLst>
+                <a:path w="2573311" h="6866467">
+                  <a:moveTo>
+                    <a:pt x="0" y="0"/>
+                  </a:moveTo>
+                  <a:lnTo>
+                    <a:pt x="2573311" y="0"/>
+                  </a:lnTo>
+                  <a:lnTo>
+                    <a:pt x="2573311" y="6866467"/>
+                  </a:lnTo>
+                  <a:lnTo>
+                    <a:pt x="1202336" y="6866467"/>
+                  </a:lnTo>
+                  <a:lnTo>
+                    <a:pt x="0" y="0"/>
+                  </a:lnTo>
+                  <a:close/>
+                </a:path>
+              </a:pathLst>
+            </a:custGeom>
+            <a:solidFill>
+              <a:schemeClr val="accent1">
+                <a:alpha val="20000"/>
+              </a:schemeClr>
+            </a:solidFill>
+            <a:ln>
+              <a:noFill/>
+            </a:ln>
+            <a:effectLst/>
+          </p:spPr>
+          <p:style>
+            <a:lnRef idx="1">
+              <a:schemeClr val="accent1"/>
+            </a:lnRef>
+            <a:fillRef idx="3">
+              <a:schemeClr val="accent1"/>
+            </a:fillRef>
+            <a:effectRef idx="2">
+              <a:schemeClr val="accent1"/>
+            </a:effectRef>
+            <a:fontRef idx="minor">
+              <a:schemeClr val="lt1"/>
+            </a:fontRef>
+          </p:style>
+        </p:sp>
+        <p:sp>
+          <p:nvSpPr>
+            <p:cNvPr id="27" name="Isosceles Triangle 26"/>
+            <p:cNvSpPr/>
+            <p:nvPr/>
+          </p:nvSpPr>
+          <p:spPr>
+            <a:xfrm>
+              <a:off x="8932333" y="3048000"/>
+              <a:ext cx="3259667" cy="3810000"/>
+            </a:xfrm>
+            <a:prstGeom prst="triangle">
+              <a:avLst>
+                <a:gd name="adj" fmla="val 100000"/>
+              </a:avLst>
+            </a:prstGeom>
+            <a:solidFill>
+              <a:schemeClr val="accent2">
+                <a:alpha val="72000"/>
+              </a:schemeClr>
+            </a:solidFill>
+            <a:ln>
+              <a:noFill/>
+            </a:ln>
+            <a:effectLst/>
+          </p:spPr>
+          <p:style>
+            <a:lnRef idx="1">
+              <a:schemeClr val="accent1"/>
+            </a:lnRef>
+            <a:fillRef idx="3">
+              <a:schemeClr val="accent1"/>
+            </a:fillRef>
+            <a:effectRef idx="2">
+              <a:schemeClr val="accent1"/>
+            </a:effectRef>
+            <a:fontRef idx="minor">
+              <a:schemeClr val="lt1"/>
+            </a:fontRef>
+          </p:style>
+        </p:sp>
+        <p:sp>
+          <p:nvSpPr>
+            <p:cNvPr id="28" name="Rectangle 27"/>
+            <p:cNvSpPr/>
+            <p:nvPr/>
+          </p:nvSpPr>
+          <p:spPr>
+            <a:xfrm>
+              <a:off x="9334500" y="-8467"/>
+              <a:ext cx="2854326" cy="6866467"/>
+            </a:xfrm>
+            <a:custGeom>
+              <a:avLst/>
+              <a:gdLst/>
+              <a:ahLst/>
+              <a:cxnLst/>
+              <a:rect l="l" t="t" r="r" b="b"/>
+              <a:pathLst>
+                <a:path w="2858013" h="6866467">
+                  <a:moveTo>
+                    <a:pt x="0" y="0"/>
+                  </a:moveTo>
+                  <a:lnTo>
+                    <a:pt x="2858013" y="0"/>
+                  </a:lnTo>
+                  <a:lnTo>
+                    <a:pt x="2858013" y="6866467"/>
+                  </a:lnTo>
+                  <a:lnTo>
+                    <a:pt x="2473942" y="6866467"/>
+                  </a:lnTo>
+                  <a:lnTo>
+                    <a:pt x="0" y="0"/>
+                  </a:lnTo>
+                  <a:close/>
+                </a:path>
+              </a:pathLst>
+            </a:custGeom>
+            <a:solidFill>
+              <a:schemeClr val="accent2">
+                <a:lumMod val="75000"/>
+                <a:alpha val="70000"/>
+              </a:schemeClr>
+            </a:solidFill>
+            <a:ln>
+              <a:noFill/>
+            </a:ln>
+            <a:effectLst/>
+          </p:spPr>
+          <p:style>
+            <a:lnRef idx="1">
+              <a:schemeClr val="accent1"/>
+            </a:lnRef>
+            <a:fillRef idx="3">
+              <a:schemeClr val="accent1"/>
+            </a:fillRef>
+            <a:effectRef idx="2">
+              <a:schemeClr val="accent1"/>
+            </a:effectRef>
+            <a:fontRef idx="minor">
+              <a:schemeClr val="lt1"/>
+            </a:fontRef>
+          </p:style>
+        </p:sp>
+        <p:sp>
+          <p:nvSpPr>
+            <p:cNvPr id="29" name="Rectangle 28"/>
+            <p:cNvSpPr/>
+            <p:nvPr/>
+          </p:nvSpPr>
+          <p:spPr>
+            <a:xfrm>
+              <a:off x="10898730" y="-8467"/>
+              <a:ext cx="1290094" cy="6866467"/>
+            </a:xfrm>
+            <a:custGeom>
+              <a:avLst/>
+              <a:gdLst/>
+              <a:ahLst/>
+              <a:cxnLst/>
+              <a:rect l="l" t="t" r="r" b="b"/>
+              <a:pathLst>
+                <a:path w="1290094" h="6858000">
+                  <a:moveTo>
+                    <a:pt x="1019735" y="0"/>
+                  </a:moveTo>
+                  <a:lnTo>
+                    <a:pt x="1290094" y="0"/>
+                  </a:lnTo>
+                  <a:lnTo>
+                    <a:pt x="1290094" y="6858000"/>
+                  </a:lnTo>
+                  <a:lnTo>
+                    <a:pt x="0" y="6858000"/>
+                  </a:lnTo>
+                  <a:lnTo>
+                    <a:pt x="1019735" y="0"/>
+                  </a:lnTo>
+                  <a:close/>
+                </a:path>
+              </a:pathLst>
+            </a:custGeom>
+            <a:solidFill>
+              <a:schemeClr val="accent1">
+                <a:lumMod val="60000"/>
+                <a:lumOff val="40000"/>
+                <a:alpha val="70000"/>
+              </a:schemeClr>
+            </a:solidFill>
+            <a:ln>
+              <a:noFill/>
+            </a:ln>
+            <a:effectLst/>
+          </p:spPr>
+          <p:style>
+            <a:lnRef idx="1">
+              <a:schemeClr val="accent1"/>
+            </a:lnRef>
+            <a:fillRef idx="3">
+              <a:schemeClr val="accent1"/>
+            </a:fillRef>
+            <a:effectRef idx="2">
+              <a:schemeClr val="accent1"/>
+            </a:effectRef>
+            <a:fontRef idx="minor">
+              <a:schemeClr val="lt1"/>
+            </a:fontRef>
+          </p:style>
+        </p:sp>
+        <p:sp>
+          <p:nvSpPr>
+            <p:cNvPr id="30" name="Rectangle 29"/>
+            <p:cNvSpPr/>
+            <p:nvPr/>
+          </p:nvSpPr>
+          <p:spPr>
+            <a:xfrm>
+              <a:off x="10938999" y="-8467"/>
+              <a:ext cx="1249825" cy="6866467"/>
+            </a:xfrm>
+            <a:custGeom>
+              <a:avLst/>
+              <a:gdLst/>
+              <a:ahLst/>
+              <a:cxnLst/>
+              <a:rect l="l" t="t" r="r" b="b"/>
+              <a:pathLst>
+                <a:path w="1249825" h="6858000">
+                  <a:moveTo>
+                    <a:pt x="0" y="0"/>
+                  </a:moveTo>
+                  <a:lnTo>
+                    <a:pt x="1249825" y="0"/>
+                  </a:lnTo>
+                  <a:lnTo>
+                    <a:pt x="1249825" y="6858000"/>
+                  </a:lnTo>
+                  <a:lnTo>
+                    <a:pt x="1109382" y="6858000"/>
+                  </a:lnTo>
+                  <a:lnTo>
+                    <a:pt x="0" y="0"/>
+                  </a:lnTo>
+                  <a:close/>
+                </a:path>
+              </a:pathLst>
+            </a:custGeom>
+            <a:solidFill>
+              <a:schemeClr val="accent1">
+                <a:alpha val="65000"/>
+              </a:schemeClr>
+            </a:solidFill>
+            <a:ln>
+              <a:noFill/>
+            </a:ln>
+            <a:effectLst/>
+          </p:spPr>
+          <p:style>
+            <a:lnRef idx="1">
+              <a:schemeClr val="accent1"/>
+            </a:lnRef>
+            <a:fillRef idx="3">
+              <a:schemeClr val="accent1"/>
+            </a:fillRef>
+            <a:effectRef idx="2">
+              <a:schemeClr val="accent1"/>
+            </a:effectRef>
+            <a:fontRef idx="minor">
+              <a:schemeClr val="lt1"/>
+            </a:fontRef>
+          </p:style>
+        </p:sp>
+        <p:sp>
+          <p:nvSpPr>
+            <p:cNvPr id="31" name="Isosceles Triangle 30"/>
+            <p:cNvSpPr/>
+            <p:nvPr/>
+          </p:nvSpPr>
+          <p:spPr>
+            <a:xfrm>
+              <a:off x="10371666" y="3589867"/>
+              <a:ext cx="1817159" cy="3268133"/>
+            </a:xfrm>
+            <a:prstGeom prst="triangle">
+              <a:avLst>
+                <a:gd name="adj" fmla="val 100000"/>
+              </a:avLst>
+            </a:prstGeom>
+            <a:solidFill>
+              <a:schemeClr val="accent1">
+                <a:alpha val="80000"/>
+              </a:schemeClr>
+            </a:solidFill>
+            <a:ln>
+              <a:noFill/>
+            </a:ln>
+            <a:effectLst/>
+          </p:spPr>
+          <p:style>
+            <a:lnRef idx="1">
+              <a:schemeClr val="accent1"/>
+            </a:lnRef>
+            <a:fillRef idx="3">
+              <a:schemeClr val="accent1"/>
+            </a:fillRef>
+            <a:effectRef idx="2">
+              <a:schemeClr val="accent1"/>
+            </a:effectRef>
+            <a:fontRef idx="minor">
+              <a:schemeClr val="lt1"/>
+            </a:fontRef>
+          </p:style>
+        </p:sp>
+        <p:sp>
+          <p:nvSpPr>
+            <p:cNvPr id="19" name="Isosceles Triangle 18"/>
+            <p:cNvSpPr/>
+            <p:nvPr/>
+          </p:nvSpPr>
+          <p:spPr>
+            <a:xfrm rot="10800000">
+              <a:off x="0" y="0"/>
+              <a:ext cx="842596" cy="5666154"/>
+            </a:xfrm>
+            <a:prstGeom prst="triangle">
+              <a:avLst>
+                <a:gd name="adj" fmla="val 100000"/>
+              </a:avLst>
+            </a:prstGeom>
+            <a:solidFill>
+              <a:schemeClr val="accent1">
+                <a:alpha val="85000"/>
+              </a:schemeClr>
+            </a:solidFill>
+            <a:ln>
+              <a:noFill/>
+            </a:ln>
+            <a:effectLst/>
+          </p:spPr>
+          <p:style>
+            <a:lnRef idx="1">
+              <a:schemeClr val="accent1"/>
+            </a:lnRef>
+            <a:fillRef idx="3">
+              <a:schemeClr val="accent1"/>
+            </a:fillRef>
+            <a:effectRef idx="2">
+              <a:schemeClr val="accent1"/>
+            </a:effectRef>
+            <a:fontRef idx="minor">
+              <a:schemeClr val="lt1"/>
+            </a:fontRef>
+          </p:style>
+        </p:sp>
+      </p:grpSp>
+      <p:sp>
+        <p:nvSpPr>
+          <p:cNvPr id="2" name="Title 1"/>
           <p:cNvSpPr>
             <a:spLocks noGrp="1"/>
           </p:cNvSpPr>
@@ -158,15 +682,21 @@
         </p:nvSpPr>
         <p:spPr>
           <a:xfrm>
-            <a:off x="1524000" y="1122363"/>
-            <a:ext cx="9144000" cy="2387600"/>
+            <a:off x="1507067" y="2404534"/>
+            <a:ext cx="7766936" cy="1646302"/>
           </a:xfrm>
         </p:spPr>
         <p:txBody>
-          <a:bodyPr anchor="b"/>
+          <a:bodyPr anchor="b">
+            <a:noAutofit/>
+          </a:bodyPr>
           <a:lstStyle>
-            <a:lvl1pPr algn="ctr">
-              <a:defRPr sz="6000"/>
+            <a:lvl1pPr algn="r">
+              <a:defRPr sz="5400">
+                <a:solidFill>
+                  <a:schemeClr val="accent1"/>
+                </a:solidFill>
+              </a:defRPr>
             </a:lvl1pPr>
           </a:lstStyle>
           <a:p>
@@ -174,19 +704,13 @@
               <a:rPr lang="en-US"/>
               <a:t>Click to edit Master title style</a:t>
             </a:r>
-            <a:endParaRPr lang="en-IN"/>
-          </a:p>
-        </p:txBody>
-      </p:sp>
-      <p:sp>
-        <p:nvSpPr>
-          <p:cNvPr id="3" name="Subtitle 2">
-            <a:extLst>
-              <a:ext uri="{FF2B5EF4-FFF2-40B4-BE49-F238E27FC236}">
-                <a16:creationId xmlns:a16="http://schemas.microsoft.com/office/drawing/2014/main" id="{8D74BEE6-5162-A2C7-53B4-88615D42F384}"/>
-              </a:ext>
-            </a:extLst>
-          </p:cNvPr>
+            <a:endParaRPr lang="en-US" dirty="0"/>
+          </a:p>
+        </p:txBody>
+      </p:sp>
+      <p:sp>
+        <p:nvSpPr>
+          <p:cNvPr id="3" name="Subtitle 2"/>
           <p:cNvSpPr>
             <a:spLocks noGrp="1"/>
           </p:cNvSpPr>
@@ -196,48 +720,103 @@
         </p:nvSpPr>
         <p:spPr>
           <a:xfrm>
-            <a:off x="1524000" y="3602038"/>
-            <a:ext cx="9144000" cy="1655762"/>
+            <a:off x="1507067" y="4050833"/>
+            <a:ext cx="7766936" cy="1096899"/>
           </a:xfrm>
         </p:spPr>
         <p:txBody>
-          <a:bodyPr/>
+          <a:bodyPr anchor="t"/>
           <a:lstStyle>
-            <a:lvl1pPr marL="0" indent="0" algn="ctr">
-              <a:buNone/>
-              <a:defRPr sz="2400"/>
+            <a:lvl1pPr marL="0" indent="0" algn="r">
+              <a:buNone/>
+              <a:defRPr>
+                <a:solidFill>
+                  <a:schemeClr val="tx1">
+                    <a:lumMod val="50000"/>
+                    <a:lumOff val="50000"/>
+                  </a:schemeClr>
+                </a:solidFill>
+              </a:defRPr>
             </a:lvl1pPr>
             <a:lvl2pPr marL="457200" indent="0" algn="ctr">
               <a:buNone/>
-              <a:defRPr sz="2000"/>
+              <a:defRPr>
+                <a:solidFill>
+                  <a:schemeClr val="tx1">
+                    <a:tint val="75000"/>
+                  </a:schemeClr>
+                </a:solidFill>
+              </a:defRPr>
             </a:lvl2pPr>
             <a:lvl3pPr marL="914400" indent="0" algn="ctr">
               <a:buNone/>
-              <a:defRPr sz="1800"/>
+              <a:defRPr>
+                <a:solidFill>
+                  <a:schemeClr val="tx1">
+                    <a:tint val="75000"/>
+                  </a:schemeClr>
+                </a:solidFill>
+              </a:defRPr>
             </a:lvl3pPr>
             <a:lvl4pPr marL="1371600" indent="0" algn="ctr">
               <a:buNone/>
-              <a:defRPr sz="1600"/>
+              <a:defRPr>
+                <a:solidFill>
+                  <a:schemeClr val="tx1">
+                    <a:tint val="75000"/>
+                  </a:schemeClr>
+                </a:solidFill>
+              </a:defRPr>
             </a:lvl4pPr>
             <a:lvl5pPr marL="1828800" indent="0" algn="ctr">
               <a:buNone/>
-              <a:defRPr sz="1600"/>
+              <a:defRPr>
+                <a:solidFill>
+                  <a:schemeClr val="tx1">
+                    <a:tint val="75000"/>
+                  </a:schemeClr>
+                </a:solidFill>
+              </a:defRPr>
             </a:lvl5pPr>
             <a:lvl6pPr marL="2286000" indent="0" algn="ctr">
               <a:buNone/>
-              <a:defRPr sz="1600"/>
+              <a:defRPr>
+                <a:solidFill>
+                  <a:schemeClr val="tx1">
+                    <a:tint val="75000"/>
+                  </a:schemeClr>
+                </a:solidFill>
+              </a:defRPr>
             </a:lvl6pPr>
             <a:lvl7pPr marL="2743200" indent="0" algn="ctr">
               <a:buNone/>
-              <a:defRPr sz="1600"/>
+              <a:defRPr>
+                <a:solidFill>
+                  <a:schemeClr val="tx1">
+                    <a:tint val="75000"/>
+                  </a:schemeClr>
+                </a:solidFill>
+              </a:defRPr>
             </a:lvl7pPr>
             <a:lvl8pPr marL="3200400" indent="0" algn="ctr">
               <a:buNone/>
-              <a:defRPr sz="1600"/>
+              <a:defRPr>
+                <a:solidFill>
+                  <a:schemeClr val="tx1">
+                    <a:tint val="75000"/>
+                  </a:schemeClr>
+                </a:solidFill>
+              </a:defRPr>
             </a:lvl8pPr>
             <a:lvl9pPr marL="3657600" indent="0" algn="ctr">
               <a:buNone/>
-              <a:defRPr sz="1600"/>
+              <a:defRPr>
+                <a:solidFill>
+                  <a:schemeClr val="tx1">
+                    <a:tint val="75000"/>
+                  </a:schemeClr>
+                </a:solidFill>
+              </a:defRPr>
             </a:lvl9pPr>
           </a:lstStyle>
           <a:p>
@@ -245,19 +824,13 @@
               <a:rPr lang="en-US"/>
               <a:t>Click to edit Master subtitle style</a:t>
             </a:r>
-            <a:endParaRPr lang="en-IN"/>
-          </a:p>
-        </p:txBody>
-      </p:sp>
-      <p:sp>
-        <p:nvSpPr>
-          <p:cNvPr id="4" name="Date Placeholder 3">
-            <a:extLst>
-              <a:ext uri="{FF2B5EF4-FFF2-40B4-BE49-F238E27FC236}">
-                <a16:creationId xmlns:a16="http://schemas.microsoft.com/office/drawing/2014/main" id="{34BE0C79-5349-1F1C-4F59-B79FE6B1BE53}"/>
-              </a:ext>
-            </a:extLst>
-          </p:cNvPr>
+            <a:endParaRPr lang="en-US" dirty="0"/>
+          </a:p>
+        </p:txBody>
+      </p:sp>
+      <p:sp>
+        <p:nvSpPr>
+          <p:cNvPr id="4" name="Date Placeholder 3"/>
           <p:cNvSpPr>
             <a:spLocks noGrp="1"/>
           </p:cNvSpPr>
@@ -272,7 +845,7 @@
           <a:p>
             <a:fld id="{57F8BF0D-203D-4113-AFD7-E05C3DB2532E}" type="datetimeFigureOut">
               <a:rPr lang="en-IN" smtClean="0"/>
-              <a:t>10-04-2024</a:t>
+              <a:t>12-04-2024</a:t>
             </a:fld>
             <a:endParaRPr lang="en-IN"/>
           </a:p>
@@ -280,13 +853,7 @@
       </p:sp>
       <p:sp>
         <p:nvSpPr>
-          <p:cNvPr id="5" name="Footer Placeholder 4">
-            <a:extLst>
-              <a:ext uri="{FF2B5EF4-FFF2-40B4-BE49-F238E27FC236}">
-                <a16:creationId xmlns:a16="http://schemas.microsoft.com/office/drawing/2014/main" id="{7F6BBEAC-66C0-3E33-7AC2-B2B947086AF5}"/>
-              </a:ext>
-            </a:extLst>
-          </p:cNvPr>
+          <p:cNvPr id="5" name="Footer Placeholder 4"/>
           <p:cNvSpPr>
             <a:spLocks noGrp="1"/>
           </p:cNvSpPr>
@@ -305,13 +872,7 @@
       </p:sp>
       <p:sp>
         <p:nvSpPr>
-          <p:cNvPr id="6" name="Slide Number Placeholder 5">
-            <a:extLst>
-              <a:ext uri="{FF2B5EF4-FFF2-40B4-BE49-F238E27FC236}">
-                <a16:creationId xmlns:a16="http://schemas.microsoft.com/office/drawing/2014/main" id="{A2782D90-DFA1-B09B-9982-7119426E1E6D}"/>
-              </a:ext>
-            </a:extLst>
-          </p:cNvPr>
+          <p:cNvPr id="6" name="Slide Number Placeholder 5"/>
           <p:cNvSpPr>
             <a:spLocks noGrp="1"/>
           </p:cNvSpPr>
@@ -335,7 +896,7 @@
     </p:spTree>
     <p:extLst>
       <p:ext uri="{BB962C8B-B14F-4D97-AF65-F5344CB8AC3E}">
-        <p14:creationId xmlns:p14="http://schemas.microsoft.com/office/powerpoint/2010/main" val="3702678705"/>
+        <p14:creationId xmlns:p14="http://schemas.microsoft.com/office/powerpoint/2010/main" val="4190677903"/>
       </p:ext>
     </p:extLst>
   </p:cSld>
@@ -346,6 +907,1619 @@
 </file>
 
 <file path=ppt/slideLayouts/slideLayout10.xml><?xml version="1.0" encoding="utf-8"?>
+<p:sldLayout xmlns:a="http://schemas.openxmlformats.org/drawingml/2006/main" xmlns:r="http://schemas.openxmlformats.org/officeDocument/2006/relationships" xmlns:p="http://schemas.openxmlformats.org/presentationml/2006/main" preserve="1">
+  <p:cSld name="Title and Caption">
+    <p:spTree>
+      <p:nvGrpSpPr>
+        <p:cNvPr id="1" name=""/>
+        <p:cNvGrpSpPr/>
+        <p:nvPr/>
+      </p:nvGrpSpPr>
+      <p:grpSpPr>
+        <a:xfrm>
+          <a:off x="0" y="0"/>
+          <a:ext cx="0" cy="0"/>
+          <a:chOff x="0" y="0"/>
+          <a:chExt cx="0" cy="0"/>
+        </a:xfrm>
+      </p:grpSpPr>
+      <p:sp>
+        <p:nvSpPr>
+          <p:cNvPr id="2" name="Title 1"/>
+          <p:cNvSpPr>
+            <a:spLocks noGrp="1"/>
+          </p:cNvSpPr>
+          <p:nvPr>
+            <p:ph type="title"/>
+          </p:nvPr>
+        </p:nvSpPr>
+        <p:spPr>
+          <a:xfrm>
+            <a:off x="677335" y="609600"/>
+            <a:ext cx="8596668" cy="3403600"/>
+          </a:xfrm>
+        </p:spPr>
+        <p:txBody>
+          <a:bodyPr anchor="ctr">
+            <a:normAutofit/>
+          </a:bodyPr>
+          <a:lstStyle>
+            <a:lvl1pPr algn="l">
+              <a:defRPr sz="4400" b="0" cap="none"/>
+            </a:lvl1pPr>
+          </a:lstStyle>
+          <a:p>
+            <a:r>
+              <a:rPr lang="en-US"/>
+              <a:t>Click to edit Master title style</a:t>
+            </a:r>
+            <a:endParaRPr lang="en-US" dirty="0"/>
+          </a:p>
+        </p:txBody>
+      </p:sp>
+      <p:sp>
+        <p:nvSpPr>
+          <p:cNvPr id="3" name="Text Placeholder 2"/>
+          <p:cNvSpPr>
+            <a:spLocks noGrp="1"/>
+          </p:cNvSpPr>
+          <p:nvPr>
+            <p:ph type="body" idx="1"/>
+          </p:nvPr>
+        </p:nvSpPr>
+        <p:spPr>
+          <a:xfrm>
+            <a:off x="677335" y="4470400"/>
+            <a:ext cx="8596668" cy="1570962"/>
+          </a:xfrm>
+        </p:spPr>
+        <p:txBody>
+          <a:bodyPr anchor="ctr">
+            <a:normAutofit/>
+          </a:bodyPr>
+          <a:lstStyle>
+            <a:lvl1pPr marL="0" indent="0" algn="l">
+              <a:buNone/>
+              <a:defRPr sz="1800">
+                <a:solidFill>
+                  <a:schemeClr val="tx1">
+                    <a:lumMod val="75000"/>
+                    <a:lumOff val="25000"/>
+                  </a:schemeClr>
+                </a:solidFill>
+              </a:defRPr>
+            </a:lvl1pPr>
+            <a:lvl2pPr marL="457200" indent="0">
+              <a:buNone/>
+              <a:defRPr sz="1800">
+                <a:solidFill>
+                  <a:schemeClr val="tx1">
+                    <a:tint val="75000"/>
+                  </a:schemeClr>
+                </a:solidFill>
+              </a:defRPr>
+            </a:lvl2pPr>
+            <a:lvl3pPr marL="914400" indent="0">
+              <a:buNone/>
+              <a:defRPr sz="1600">
+                <a:solidFill>
+                  <a:schemeClr val="tx1">
+                    <a:tint val="75000"/>
+                  </a:schemeClr>
+                </a:solidFill>
+              </a:defRPr>
+            </a:lvl3pPr>
+            <a:lvl4pPr marL="1371600" indent="0">
+              <a:buNone/>
+              <a:defRPr sz="1400">
+                <a:solidFill>
+                  <a:schemeClr val="tx1">
+                    <a:tint val="75000"/>
+                  </a:schemeClr>
+                </a:solidFill>
+              </a:defRPr>
+            </a:lvl4pPr>
+            <a:lvl5pPr marL="1828800" indent="0">
+              <a:buNone/>
+              <a:defRPr sz="1400">
+                <a:solidFill>
+                  <a:schemeClr val="tx1">
+                    <a:tint val="75000"/>
+                  </a:schemeClr>
+                </a:solidFill>
+              </a:defRPr>
+            </a:lvl5pPr>
+            <a:lvl6pPr marL="2286000" indent="0">
+              <a:buNone/>
+              <a:defRPr sz="1400">
+                <a:solidFill>
+                  <a:schemeClr val="tx1">
+                    <a:tint val="75000"/>
+                  </a:schemeClr>
+                </a:solidFill>
+              </a:defRPr>
+            </a:lvl6pPr>
+            <a:lvl7pPr marL="2743200" indent="0">
+              <a:buNone/>
+              <a:defRPr sz="1400">
+                <a:solidFill>
+                  <a:schemeClr val="tx1">
+                    <a:tint val="75000"/>
+                  </a:schemeClr>
+                </a:solidFill>
+              </a:defRPr>
+            </a:lvl7pPr>
+            <a:lvl8pPr marL="3200400" indent="0">
+              <a:buNone/>
+              <a:defRPr sz="1400">
+                <a:solidFill>
+                  <a:schemeClr val="tx1">
+                    <a:tint val="75000"/>
+                  </a:schemeClr>
+                </a:solidFill>
+              </a:defRPr>
+            </a:lvl8pPr>
+            <a:lvl9pPr marL="3657600" indent="0">
+              <a:buNone/>
+              <a:defRPr sz="1400">
+                <a:solidFill>
+                  <a:schemeClr val="tx1">
+                    <a:tint val="75000"/>
+                  </a:schemeClr>
+                </a:solidFill>
+              </a:defRPr>
+            </a:lvl9pPr>
+          </a:lstStyle>
+          <a:p>
+            <a:pPr lvl="0"/>
+            <a:r>
+              <a:rPr lang="en-US"/>
+              <a:t>Click to edit Master text styles</a:t>
+            </a:r>
+          </a:p>
+        </p:txBody>
+      </p:sp>
+      <p:sp>
+        <p:nvSpPr>
+          <p:cNvPr id="4" name="Date Placeholder 3"/>
+          <p:cNvSpPr>
+            <a:spLocks noGrp="1"/>
+          </p:cNvSpPr>
+          <p:nvPr>
+            <p:ph type="dt" sz="half" idx="10"/>
+          </p:nvPr>
+        </p:nvSpPr>
+        <p:spPr/>
+        <p:txBody>
+          <a:bodyPr/>
+          <a:lstStyle/>
+          <a:p>
+            <a:fld id="{57F8BF0D-203D-4113-AFD7-E05C3DB2532E}" type="datetimeFigureOut">
+              <a:rPr lang="en-IN" smtClean="0"/>
+              <a:t>12-04-2024</a:t>
+            </a:fld>
+            <a:endParaRPr lang="en-IN"/>
+          </a:p>
+        </p:txBody>
+      </p:sp>
+      <p:sp>
+        <p:nvSpPr>
+          <p:cNvPr id="5" name="Footer Placeholder 4"/>
+          <p:cNvSpPr>
+            <a:spLocks noGrp="1"/>
+          </p:cNvSpPr>
+          <p:nvPr>
+            <p:ph type="ftr" sz="quarter" idx="11"/>
+          </p:nvPr>
+        </p:nvSpPr>
+        <p:spPr/>
+        <p:txBody>
+          <a:bodyPr/>
+          <a:lstStyle/>
+          <a:p>
+            <a:endParaRPr lang="en-IN"/>
+          </a:p>
+        </p:txBody>
+      </p:sp>
+      <p:sp>
+        <p:nvSpPr>
+          <p:cNvPr id="6" name="Slide Number Placeholder 5"/>
+          <p:cNvSpPr>
+            <a:spLocks noGrp="1"/>
+          </p:cNvSpPr>
+          <p:nvPr>
+            <p:ph type="sldNum" sz="quarter" idx="12"/>
+          </p:nvPr>
+        </p:nvSpPr>
+        <p:spPr/>
+        <p:txBody>
+          <a:bodyPr/>
+          <a:lstStyle/>
+          <a:p>
+            <a:fld id="{6F6BDF19-0874-45D7-B0A8-18DAB6ECE574}" type="slidenum">
+              <a:rPr lang="en-IN" smtClean="0"/>
+              <a:t>‹#›</a:t>
+            </a:fld>
+            <a:endParaRPr lang="en-IN"/>
+          </a:p>
+        </p:txBody>
+      </p:sp>
+    </p:spTree>
+    <p:extLst>
+      <p:ext uri="{BB962C8B-B14F-4D97-AF65-F5344CB8AC3E}">
+        <p14:creationId xmlns:p14="http://schemas.microsoft.com/office/powerpoint/2010/main" val="2213253334"/>
+      </p:ext>
+    </p:extLst>
+  </p:cSld>
+  <p:clrMapOvr>
+    <a:masterClrMapping/>
+  </p:clrMapOvr>
+</p:sldLayout>
+</file>
+
+<file path=ppt/slideLayouts/slideLayout11.xml><?xml version="1.0" encoding="utf-8"?>
+<p:sldLayout xmlns:a="http://schemas.openxmlformats.org/drawingml/2006/main" xmlns:r="http://schemas.openxmlformats.org/officeDocument/2006/relationships" xmlns:p="http://schemas.openxmlformats.org/presentationml/2006/main" preserve="1">
+  <p:cSld name="Quote with Caption">
+    <p:spTree>
+      <p:nvGrpSpPr>
+        <p:cNvPr id="1" name=""/>
+        <p:cNvGrpSpPr/>
+        <p:nvPr/>
+      </p:nvGrpSpPr>
+      <p:grpSpPr>
+        <a:xfrm>
+          <a:off x="0" y="0"/>
+          <a:ext cx="0" cy="0"/>
+          <a:chOff x="0" y="0"/>
+          <a:chExt cx="0" cy="0"/>
+        </a:xfrm>
+      </p:grpSpPr>
+      <p:sp>
+        <p:nvSpPr>
+          <p:cNvPr id="2" name="Title 1"/>
+          <p:cNvSpPr>
+            <a:spLocks noGrp="1"/>
+          </p:cNvSpPr>
+          <p:nvPr>
+            <p:ph type="title"/>
+          </p:nvPr>
+        </p:nvSpPr>
+        <p:spPr>
+          <a:xfrm>
+            <a:off x="931334" y="609600"/>
+            <a:ext cx="8094134" cy="3022600"/>
+          </a:xfrm>
+        </p:spPr>
+        <p:txBody>
+          <a:bodyPr anchor="ctr">
+            <a:normAutofit/>
+          </a:bodyPr>
+          <a:lstStyle>
+            <a:lvl1pPr algn="l">
+              <a:defRPr sz="4400" b="0" cap="none"/>
+            </a:lvl1pPr>
+          </a:lstStyle>
+          <a:p>
+            <a:r>
+              <a:rPr lang="en-US"/>
+              <a:t>Click to edit Master title style</a:t>
+            </a:r>
+            <a:endParaRPr lang="en-US" dirty="0"/>
+          </a:p>
+        </p:txBody>
+      </p:sp>
+      <p:sp>
+        <p:nvSpPr>
+          <p:cNvPr id="23" name="Text Placeholder 9"/>
+          <p:cNvSpPr>
+            <a:spLocks noGrp="1"/>
+          </p:cNvSpPr>
+          <p:nvPr>
+            <p:ph type="body" sz="quarter" idx="13"/>
+          </p:nvPr>
+        </p:nvSpPr>
+        <p:spPr>
+          <a:xfrm>
+            <a:off x="1366139" y="3632200"/>
+            <a:ext cx="7224524" cy="381000"/>
+          </a:xfrm>
+        </p:spPr>
+        <p:txBody>
+          <a:bodyPr anchor="ctr">
+            <a:noAutofit/>
+          </a:bodyPr>
+          <a:lstStyle>
+            <a:lvl1pPr marL="0" indent="0">
+              <a:buFontTx/>
+              <a:buNone/>
+              <a:defRPr sz="1600">
+                <a:solidFill>
+                  <a:schemeClr val="tx1">
+                    <a:lumMod val="50000"/>
+                    <a:lumOff val="50000"/>
+                  </a:schemeClr>
+                </a:solidFill>
+              </a:defRPr>
+            </a:lvl1pPr>
+            <a:lvl2pPr marL="457200" indent="0">
+              <a:buFontTx/>
+              <a:buNone/>
+              <a:defRPr/>
+            </a:lvl2pPr>
+            <a:lvl3pPr marL="914400" indent="0">
+              <a:buFontTx/>
+              <a:buNone/>
+              <a:defRPr/>
+            </a:lvl3pPr>
+            <a:lvl4pPr marL="1371600" indent="0">
+              <a:buFontTx/>
+              <a:buNone/>
+              <a:defRPr/>
+            </a:lvl4pPr>
+            <a:lvl5pPr marL="1828800" indent="0">
+              <a:buFontTx/>
+              <a:buNone/>
+              <a:defRPr/>
+            </a:lvl5pPr>
+          </a:lstStyle>
+          <a:p>
+            <a:pPr lvl="0"/>
+            <a:r>
+              <a:rPr lang="en-US"/>
+              <a:t>Click to edit Master text styles</a:t>
+            </a:r>
+          </a:p>
+        </p:txBody>
+      </p:sp>
+      <p:sp>
+        <p:nvSpPr>
+          <p:cNvPr id="3" name="Text Placeholder 2"/>
+          <p:cNvSpPr>
+            <a:spLocks noGrp="1"/>
+          </p:cNvSpPr>
+          <p:nvPr>
+            <p:ph type="body" idx="1"/>
+          </p:nvPr>
+        </p:nvSpPr>
+        <p:spPr>
+          <a:xfrm>
+            <a:off x="677335" y="4470400"/>
+            <a:ext cx="8596668" cy="1570962"/>
+          </a:xfrm>
+        </p:spPr>
+        <p:txBody>
+          <a:bodyPr anchor="ctr">
+            <a:normAutofit/>
+          </a:bodyPr>
+          <a:lstStyle>
+            <a:lvl1pPr marL="0" indent="0" algn="l">
+              <a:buNone/>
+              <a:defRPr sz="1800">
+                <a:solidFill>
+                  <a:schemeClr val="tx1">
+                    <a:lumMod val="75000"/>
+                    <a:lumOff val="25000"/>
+                  </a:schemeClr>
+                </a:solidFill>
+              </a:defRPr>
+            </a:lvl1pPr>
+            <a:lvl2pPr marL="457200" indent="0">
+              <a:buNone/>
+              <a:defRPr sz="1800">
+                <a:solidFill>
+                  <a:schemeClr val="tx1">
+                    <a:tint val="75000"/>
+                  </a:schemeClr>
+                </a:solidFill>
+              </a:defRPr>
+            </a:lvl2pPr>
+            <a:lvl3pPr marL="914400" indent="0">
+              <a:buNone/>
+              <a:defRPr sz="1600">
+                <a:solidFill>
+                  <a:schemeClr val="tx1">
+                    <a:tint val="75000"/>
+                  </a:schemeClr>
+                </a:solidFill>
+              </a:defRPr>
+            </a:lvl3pPr>
+            <a:lvl4pPr marL="1371600" indent="0">
+              <a:buNone/>
+              <a:defRPr sz="1400">
+                <a:solidFill>
+                  <a:schemeClr val="tx1">
+                    <a:tint val="75000"/>
+                  </a:schemeClr>
+                </a:solidFill>
+              </a:defRPr>
+            </a:lvl4pPr>
+            <a:lvl5pPr marL="1828800" indent="0">
+              <a:buNone/>
+              <a:defRPr sz="1400">
+                <a:solidFill>
+                  <a:schemeClr val="tx1">
+                    <a:tint val="75000"/>
+                  </a:schemeClr>
+                </a:solidFill>
+              </a:defRPr>
+            </a:lvl5pPr>
+            <a:lvl6pPr marL="2286000" indent="0">
+              <a:buNone/>
+              <a:defRPr sz="1400">
+                <a:solidFill>
+                  <a:schemeClr val="tx1">
+                    <a:tint val="75000"/>
+                  </a:schemeClr>
+                </a:solidFill>
+              </a:defRPr>
+            </a:lvl6pPr>
+            <a:lvl7pPr marL="2743200" indent="0">
+              <a:buNone/>
+              <a:defRPr sz="1400">
+                <a:solidFill>
+                  <a:schemeClr val="tx1">
+                    <a:tint val="75000"/>
+                  </a:schemeClr>
+                </a:solidFill>
+              </a:defRPr>
+            </a:lvl7pPr>
+            <a:lvl8pPr marL="3200400" indent="0">
+              <a:buNone/>
+              <a:defRPr sz="1400">
+                <a:solidFill>
+                  <a:schemeClr val="tx1">
+                    <a:tint val="75000"/>
+                  </a:schemeClr>
+                </a:solidFill>
+              </a:defRPr>
+            </a:lvl8pPr>
+            <a:lvl9pPr marL="3657600" indent="0">
+              <a:buNone/>
+              <a:defRPr sz="1400">
+                <a:solidFill>
+                  <a:schemeClr val="tx1">
+                    <a:tint val="75000"/>
+                  </a:schemeClr>
+                </a:solidFill>
+              </a:defRPr>
+            </a:lvl9pPr>
+          </a:lstStyle>
+          <a:p>
+            <a:pPr lvl="0"/>
+            <a:r>
+              <a:rPr lang="en-US"/>
+              <a:t>Click to edit Master text styles</a:t>
+            </a:r>
+          </a:p>
+        </p:txBody>
+      </p:sp>
+      <p:sp>
+        <p:nvSpPr>
+          <p:cNvPr id="4" name="Date Placeholder 3"/>
+          <p:cNvSpPr>
+            <a:spLocks noGrp="1"/>
+          </p:cNvSpPr>
+          <p:nvPr>
+            <p:ph type="dt" sz="half" idx="10"/>
+          </p:nvPr>
+        </p:nvSpPr>
+        <p:spPr/>
+        <p:txBody>
+          <a:bodyPr/>
+          <a:lstStyle/>
+          <a:p>
+            <a:fld id="{57F8BF0D-203D-4113-AFD7-E05C3DB2532E}" type="datetimeFigureOut">
+              <a:rPr lang="en-IN" smtClean="0"/>
+              <a:t>12-04-2024</a:t>
+            </a:fld>
+            <a:endParaRPr lang="en-IN"/>
+          </a:p>
+        </p:txBody>
+      </p:sp>
+      <p:sp>
+        <p:nvSpPr>
+          <p:cNvPr id="5" name="Footer Placeholder 4"/>
+          <p:cNvSpPr>
+            <a:spLocks noGrp="1"/>
+          </p:cNvSpPr>
+          <p:nvPr>
+            <p:ph type="ftr" sz="quarter" idx="11"/>
+          </p:nvPr>
+        </p:nvSpPr>
+        <p:spPr/>
+        <p:txBody>
+          <a:bodyPr/>
+          <a:lstStyle/>
+          <a:p>
+            <a:endParaRPr lang="en-IN"/>
+          </a:p>
+        </p:txBody>
+      </p:sp>
+      <p:sp>
+        <p:nvSpPr>
+          <p:cNvPr id="6" name="Slide Number Placeholder 5"/>
+          <p:cNvSpPr>
+            <a:spLocks noGrp="1"/>
+          </p:cNvSpPr>
+          <p:nvPr>
+            <p:ph type="sldNum" sz="quarter" idx="12"/>
+          </p:nvPr>
+        </p:nvSpPr>
+        <p:spPr/>
+        <p:txBody>
+          <a:bodyPr/>
+          <a:lstStyle/>
+          <a:p>
+            <a:fld id="{6F6BDF19-0874-45D7-B0A8-18DAB6ECE574}" type="slidenum">
+              <a:rPr lang="en-IN" smtClean="0"/>
+              <a:t>‹#›</a:t>
+            </a:fld>
+            <a:endParaRPr lang="en-IN"/>
+          </a:p>
+        </p:txBody>
+      </p:sp>
+      <p:sp>
+        <p:nvSpPr>
+          <p:cNvPr id="20" name="TextBox 19"/>
+          <p:cNvSpPr txBox="1"/>
+          <p:nvPr/>
+        </p:nvSpPr>
+        <p:spPr>
+          <a:xfrm>
+            <a:off x="541870" y="790378"/>
+            <a:ext cx="609600" cy="584776"/>
+          </a:xfrm>
+          <a:prstGeom prst="rect">
+            <a:avLst/>
+          </a:prstGeom>
+        </p:spPr>
+        <p:txBody>
+          <a:bodyPr vert="horz" lIns="91440" tIns="45720" rIns="91440" bIns="45720" rtlCol="0" anchor="ctr">
+            <a:noAutofit/>
+          </a:bodyPr>
+          <a:lstStyle/>
+          <a:p>
+            <a:pPr lvl="0"/>
+            <a:r>
+              <a:rPr lang="en-US" sz="8000" baseline="0" dirty="0">
+                <a:ln w="3175" cmpd="sng">
+                  <a:noFill/>
+                </a:ln>
+                <a:solidFill>
+                  <a:schemeClr val="accent1">
+                    <a:lumMod val="60000"/>
+                    <a:lumOff val="40000"/>
+                  </a:schemeClr>
+                </a:solidFill>
+                <a:effectLst/>
+                <a:latin typeface="Arial"/>
+              </a:rPr>
+              <a:t>“</a:t>
+            </a:r>
+          </a:p>
+        </p:txBody>
+      </p:sp>
+      <p:sp>
+        <p:nvSpPr>
+          <p:cNvPr id="22" name="TextBox 21"/>
+          <p:cNvSpPr txBox="1"/>
+          <p:nvPr/>
+        </p:nvSpPr>
+        <p:spPr>
+          <a:xfrm>
+            <a:off x="8893011" y="2886556"/>
+            <a:ext cx="609600" cy="584776"/>
+          </a:xfrm>
+          <a:prstGeom prst="rect">
+            <a:avLst/>
+          </a:prstGeom>
+        </p:spPr>
+        <p:txBody>
+          <a:bodyPr vert="horz" lIns="91440" tIns="45720" rIns="91440" bIns="45720" rtlCol="0" anchor="ctr">
+            <a:noAutofit/>
+          </a:bodyPr>
+          <a:lstStyle/>
+          <a:p>
+            <a:pPr lvl="0"/>
+            <a:r>
+              <a:rPr lang="en-US" sz="8000" baseline="0" dirty="0">
+                <a:ln w="3175" cmpd="sng">
+                  <a:noFill/>
+                </a:ln>
+                <a:solidFill>
+                  <a:schemeClr val="accent1">
+                    <a:lumMod val="60000"/>
+                    <a:lumOff val="40000"/>
+                  </a:schemeClr>
+                </a:solidFill>
+                <a:latin typeface="Arial"/>
+              </a:rPr>
+              <a:t>”</a:t>
+            </a:r>
+            <a:endParaRPr lang="en-US" dirty="0">
+              <a:solidFill>
+                <a:schemeClr val="accent1">
+                  <a:lumMod val="60000"/>
+                  <a:lumOff val="40000"/>
+                </a:schemeClr>
+              </a:solidFill>
+              <a:latin typeface="Arial"/>
+            </a:endParaRPr>
+          </a:p>
+        </p:txBody>
+      </p:sp>
+    </p:spTree>
+    <p:extLst>
+      <p:ext uri="{BB962C8B-B14F-4D97-AF65-F5344CB8AC3E}">
+        <p14:creationId xmlns:p14="http://schemas.microsoft.com/office/powerpoint/2010/main" val="3141080866"/>
+      </p:ext>
+    </p:extLst>
+  </p:cSld>
+  <p:clrMapOvr>
+    <a:masterClrMapping/>
+  </p:clrMapOvr>
+</p:sldLayout>
+</file>
+
+<file path=ppt/slideLayouts/slideLayout12.xml><?xml version="1.0" encoding="utf-8"?>
+<p:sldLayout xmlns:a="http://schemas.openxmlformats.org/drawingml/2006/main" xmlns:r="http://schemas.openxmlformats.org/officeDocument/2006/relationships" xmlns:p="http://schemas.openxmlformats.org/presentationml/2006/main" preserve="1">
+  <p:cSld name="Name Card">
+    <p:spTree>
+      <p:nvGrpSpPr>
+        <p:cNvPr id="1" name=""/>
+        <p:cNvGrpSpPr/>
+        <p:nvPr/>
+      </p:nvGrpSpPr>
+      <p:grpSpPr>
+        <a:xfrm>
+          <a:off x="0" y="0"/>
+          <a:ext cx="0" cy="0"/>
+          <a:chOff x="0" y="0"/>
+          <a:chExt cx="0" cy="0"/>
+        </a:xfrm>
+      </p:grpSpPr>
+      <p:sp>
+        <p:nvSpPr>
+          <p:cNvPr id="2" name="Title 1"/>
+          <p:cNvSpPr>
+            <a:spLocks noGrp="1"/>
+          </p:cNvSpPr>
+          <p:nvPr>
+            <p:ph type="title"/>
+          </p:nvPr>
+        </p:nvSpPr>
+        <p:spPr>
+          <a:xfrm>
+            <a:off x="677335" y="1931988"/>
+            <a:ext cx="8596668" cy="2595460"/>
+          </a:xfrm>
+        </p:spPr>
+        <p:txBody>
+          <a:bodyPr anchor="b">
+            <a:normAutofit/>
+          </a:bodyPr>
+          <a:lstStyle>
+            <a:lvl1pPr algn="l">
+              <a:defRPr sz="4400" b="0" cap="none"/>
+            </a:lvl1pPr>
+          </a:lstStyle>
+          <a:p>
+            <a:r>
+              <a:rPr lang="en-US"/>
+              <a:t>Click to edit Master title style</a:t>
+            </a:r>
+            <a:endParaRPr lang="en-US" dirty="0"/>
+          </a:p>
+        </p:txBody>
+      </p:sp>
+      <p:sp>
+        <p:nvSpPr>
+          <p:cNvPr id="3" name="Text Placeholder 2"/>
+          <p:cNvSpPr>
+            <a:spLocks noGrp="1"/>
+          </p:cNvSpPr>
+          <p:nvPr>
+            <p:ph type="body" idx="1"/>
+          </p:nvPr>
+        </p:nvSpPr>
+        <p:spPr>
+          <a:xfrm>
+            <a:off x="677335" y="4527448"/>
+            <a:ext cx="8596668" cy="1513914"/>
+          </a:xfrm>
+        </p:spPr>
+        <p:txBody>
+          <a:bodyPr anchor="t">
+            <a:normAutofit/>
+          </a:bodyPr>
+          <a:lstStyle>
+            <a:lvl1pPr marL="0" indent="0" algn="l">
+              <a:buNone/>
+              <a:defRPr sz="1800">
+                <a:solidFill>
+                  <a:schemeClr val="tx1">
+                    <a:lumMod val="75000"/>
+                    <a:lumOff val="25000"/>
+                  </a:schemeClr>
+                </a:solidFill>
+              </a:defRPr>
+            </a:lvl1pPr>
+            <a:lvl2pPr marL="457200" indent="0">
+              <a:buNone/>
+              <a:defRPr sz="1800">
+                <a:solidFill>
+                  <a:schemeClr val="tx1">
+                    <a:tint val="75000"/>
+                  </a:schemeClr>
+                </a:solidFill>
+              </a:defRPr>
+            </a:lvl2pPr>
+            <a:lvl3pPr marL="914400" indent="0">
+              <a:buNone/>
+              <a:defRPr sz="1600">
+                <a:solidFill>
+                  <a:schemeClr val="tx1">
+                    <a:tint val="75000"/>
+                  </a:schemeClr>
+                </a:solidFill>
+              </a:defRPr>
+            </a:lvl3pPr>
+            <a:lvl4pPr marL="1371600" indent="0">
+              <a:buNone/>
+              <a:defRPr sz="1400">
+                <a:solidFill>
+                  <a:schemeClr val="tx1">
+                    <a:tint val="75000"/>
+                  </a:schemeClr>
+                </a:solidFill>
+              </a:defRPr>
+            </a:lvl4pPr>
+            <a:lvl5pPr marL="1828800" indent="0">
+              <a:buNone/>
+              <a:defRPr sz="1400">
+                <a:solidFill>
+                  <a:schemeClr val="tx1">
+                    <a:tint val="75000"/>
+                  </a:schemeClr>
+                </a:solidFill>
+              </a:defRPr>
+            </a:lvl5pPr>
+            <a:lvl6pPr marL="2286000" indent="0">
+              <a:buNone/>
+              <a:defRPr sz="1400">
+                <a:solidFill>
+                  <a:schemeClr val="tx1">
+                    <a:tint val="75000"/>
+                  </a:schemeClr>
+                </a:solidFill>
+              </a:defRPr>
+            </a:lvl6pPr>
+            <a:lvl7pPr marL="2743200" indent="0">
+              <a:buNone/>
+              <a:defRPr sz="1400">
+                <a:solidFill>
+                  <a:schemeClr val="tx1">
+                    <a:tint val="75000"/>
+                  </a:schemeClr>
+                </a:solidFill>
+              </a:defRPr>
+            </a:lvl7pPr>
+            <a:lvl8pPr marL="3200400" indent="0">
+              <a:buNone/>
+              <a:defRPr sz="1400">
+                <a:solidFill>
+                  <a:schemeClr val="tx1">
+                    <a:tint val="75000"/>
+                  </a:schemeClr>
+                </a:solidFill>
+              </a:defRPr>
+            </a:lvl8pPr>
+            <a:lvl9pPr marL="3657600" indent="0">
+              <a:buNone/>
+              <a:defRPr sz="1400">
+                <a:solidFill>
+                  <a:schemeClr val="tx1">
+                    <a:tint val="75000"/>
+                  </a:schemeClr>
+                </a:solidFill>
+              </a:defRPr>
+            </a:lvl9pPr>
+          </a:lstStyle>
+          <a:p>
+            <a:pPr lvl="0"/>
+            <a:r>
+              <a:rPr lang="en-US"/>
+              <a:t>Click to edit Master text styles</a:t>
+            </a:r>
+          </a:p>
+        </p:txBody>
+      </p:sp>
+      <p:sp>
+        <p:nvSpPr>
+          <p:cNvPr id="4" name="Date Placeholder 3"/>
+          <p:cNvSpPr>
+            <a:spLocks noGrp="1"/>
+          </p:cNvSpPr>
+          <p:nvPr>
+            <p:ph type="dt" sz="half" idx="10"/>
+          </p:nvPr>
+        </p:nvSpPr>
+        <p:spPr/>
+        <p:txBody>
+          <a:bodyPr/>
+          <a:lstStyle/>
+          <a:p>
+            <a:fld id="{57F8BF0D-203D-4113-AFD7-E05C3DB2532E}" type="datetimeFigureOut">
+              <a:rPr lang="en-IN" smtClean="0"/>
+              <a:t>12-04-2024</a:t>
+            </a:fld>
+            <a:endParaRPr lang="en-IN"/>
+          </a:p>
+        </p:txBody>
+      </p:sp>
+      <p:sp>
+        <p:nvSpPr>
+          <p:cNvPr id="5" name="Footer Placeholder 4"/>
+          <p:cNvSpPr>
+            <a:spLocks noGrp="1"/>
+          </p:cNvSpPr>
+          <p:nvPr>
+            <p:ph type="ftr" sz="quarter" idx="11"/>
+          </p:nvPr>
+        </p:nvSpPr>
+        <p:spPr/>
+        <p:txBody>
+          <a:bodyPr/>
+          <a:lstStyle/>
+          <a:p>
+            <a:endParaRPr lang="en-IN"/>
+          </a:p>
+        </p:txBody>
+      </p:sp>
+      <p:sp>
+        <p:nvSpPr>
+          <p:cNvPr id="6" name="Slide Number Placeholder 5"/>
+          <p:cNvSpPr>
+            <a:spLocks noGrp="1"/>
+          </p:cNvSpPr>
+          <p:nvPr>
+            <p:ph type="sldNum" sz="quarter" idx="12"/>
+          </p:nvPr>
+        </p:nvSpPr>
+        <p:spPr/>
+        <p:txBody>
+          <a:bodyPr/>
+          <a:lstStyle/>
+          <a:p>
+            <a:fld id="{6F6BDF19-0874-45D7-B0A8-18DAB6ECE574}" type="slidenum">
+              <a:rPr lang="en-IN" smtClean="0"/>
+              <a:t>‹#›</a:t>
+            </a:fld>
+            <a:endParaRPr lang="en-IN"/>
+          </a:p>
+        </p:txBody>
+      </p:sp>
+    </p:spTree>
+    <p:extLst>
+      <p:ext uri="{BB962C8B-B14F-4D97-AF65-F5344CB8AC3E}">
+        <p14:creationId xmlns:p14="http://schemas.microsoft.com/office/powerpoint/2010/main" val="1747035958"/>
+      </p:ext>
+    </p:extLst>
+  </p:cSld>
+  <p:clrMapOvr>
+    <a:masterClrMapping/>
+  </p:clrMapOvr>
+</p:sldLayout>
+</file>
+
+<file path=ppt/slideLayouts/slideLayout13.xml><?xml version="1.0" encoding="utf-8"?>
+<p:sldLayout xmlns:a="http://schemas.openxmlformats.org/drawingml/2006/main" xmlns:r="http://schemas.openxmlformats.org/officeDocument/2006/relationships" xmlns:p="http://schemas.openxmlformats.org/presentationml/2006/main" preserve="1">
+  <p:cSld name="Quote Name Card">
+    <p:spTree>
+      <p:nvGrpSpPr>
+        <p:cNvPr id="1" name=""/>
+        <p:cNvGrpSpPr/>
+        <p:nvPr/>
+      </p:nvGrpSpPr>
+      <p:grpSpPr>
+        <a:xfrm>
+          <a:off x="0" y="0"/>
+          <a:ext cx="0" cy="0"/>
+          <a:chOff x="0" y="0"/>
+          <a:chExt cx="0" cy="0"/>
+        </a:xfrm>
+      </p:grpSpPr>
+      <p:sp>
+        <p:nvSpPr>
+          <p:cNvPr id="2" name="Title 1"/>
+          <p:cNvSpPr>
+            <a:spLocks noGrp="1"/>
+          </p:cNvSpPr>
+          <p:nvPr>
+            <p:ph type="title"/>
+          </p:nvPr>
+        </p:nvSpPr>
+        <p:spPr>
+          <a:xfrm>
+            <a:off x="931334" y="609600"/>
+            <a:ext cx="8094134" cy="3022600"/>
+          </a:xfrm>
+        </p:spPr>
+        <p:txBody>
+          <a:bodyPr anchor="ctr">
+            <a:normAutofit/>
+          </a:bodyPr>
+          <a:lstStyle>
+            <a:lvl1pPr algn="l">
+              <a:defRPr sz="4400" b="0" cap="none"/>
+            </a:lvl1pPr>
+          </a:lstStyle>
+          <a:p>
+            <a:r>
+              <a:rPr lang="en-US"/>
+              <a:t>Click to edit Master title style</a:t>
+            </a:r>
+            <a:endParaRPr lang="en-US" dirty="0"/>
+          </a:p>
+        </p:txBody>
+      </p:sp>
+      <p:sp>
+        <p:nvSpPr>
+          <p:cNvPr id="23" name="Text Placeholder 9"/>
+          <p:cNvSpPr>
+            <a:spLocks noGrp="1"/>
+          </p:cNvSpPr>
+          <p:nvPr>
+            <p:ph type="body" sz="quarter" idx="13"/>
+          </p:nvPr>
+        </p:nvSpPr>
+        <p:spPr>
+          <a:xfrm>
+            <a:off x="677332" y="4013200"/>
+            <a:ext cx="8596669" cy="514248"/>
+          </a:xfrm>
+        </p:spPr>
+        <p:txBody>
+          <a:bodyPr anchor="b">
+            <a:noAutofit/>
+          </a:bodyPr>
+          <a:lstStyle>
+            <a:lvl1pPr marL="0" indent="0">
+              <a:buFontTx/>
+              <a:buNone/>
+              <a:defRPr sz="2400">
+                <a:solidFill>
+                  <a:schemeClr val="tx1">
+                    <a:lumMod val="75000"/>
+                    <a:lumOff val="25000"/>
+                  </a:schemeClr>
+                </a:solidFill>
+              </a:defRPr>
+            </a:lvl1pPr>
+            <a:lvl2pPr marL="457200" indent="0">
+              <a:buFontTx/>
+              <a:buNone/>
+              <a:defRPr/>
+            </a:lvl2pPr>
+            <a:lvl3pPr marL="914400" indent="0">
+              <a:buFontTx/>
+              <a:buNone/>
+              <a:defRPr/>
+            </a:lvl3pPr>
+            <a:lvl4pPr marL="1371600" indent="0">
+              <a:buFontTx/>
+              <a:buNone/>
+              <a:defRPr/>
+            </a:lvl4pPr>
+            <a:lvl5pPr marL="1828800" indent="0">
+              <a:buFontTx/>
+              <a:buNone/>
+              <a:defRPr/>
+            </a:lvl5pPr>
+          </a:lstStyle>
+          <a:p>
+            <a:pPr lvl="0"/>
+            <a:r>
+              <a:rPr lang="en-US"/>
+              <a:t>Click to edit Master text styles</a:t>
+            </a:r>
+          </a:p>
+        </p:txBody>
+      </p:sp>
+      <p:sp>
+        <p:nvSpPr>
+          <p:cNvPr id="3" name="Text Placeholder 2"/>
+          <p:cNvSpPr>
+            <a:spLocks noGrp="1"/>
+          </p:cNvSpPr>
+          <p:nvPr>
+            <p:ph type="body" idx="1"/>
+          </p:nvPr>
+        </p:nvSpPr>
+        <p:spPr>
+          <a:xfrm>
+            <a:off x="677335" y="4527448"/>
+            <a:ext cx="8596668" cy="1513914"/>
+          </a:xfrm>
+        </p:spPr>
+        <p:txBody>
+          <a:bodyPr anchor="t">
+            <a:normAutofit/>
+          </a:bodyPr>
+          <a:lstStyle>
+            <a:lvl1pPr marL="0" indent="0" algn="l">
+              <a:buNone/>
+              <a:defRPr sz="1800">
+                <a:solidFill>
+                  <a:schemeClr val="tx1">
+                    <a:lumMod val="50000"/>
+                    <a:lumOff val="50000"/>
+                  </a:schemeClr>
+                </a:solidFill>
+              </a:defRPr>
+            </a:lvl1pPr>
+            <a:lvl2pPr marL="457200" indent="0">
+              <a:buNone/>
+              <a:defRPr sz="1800">
+                <a:solidFill>
+                  <a:schemeClr val="tx1">
+                    <a:tint val="75000"/>
+                  </a:schemeClr>
+                </a:solidFill>
+              </a:defRPr>
+            </a:lvl2pPr>
+            <a:lvl3pPr marL="914400" indent="0">
+              <a:buNone/>
+              <a:defRPr sz="1600">
+                <a:solidFill>
+                  <a:schemeClr val="tx1">
+                    <a:tint val="75000"/>
+                  </a:schemeClr>
+                </a:solidFill>
+              </a:defRPr>
+            </a:lvl3pPr>
+            <a:lvl4pPr marL="1371600" indent="0">
+              <a:buNone/>
+              <a:defRPr sz="1400">
+                <a:solidFill>
+                  <a:schemeClr val="tx1">
+                    <a:tint val="75000"/>
+                  </a:schemeClr>
+                </a:solidFill>
+              </a:defRPr>
+            </a:lvl4pPr>
+            <a:lvl5pPr marL="1828800" indent="0">
+              <a:buNone/>
+              <a:defRPr sz="1400">
+                <a:solidFill>
+                  <a:schemeClr val="tx1">
+                    <a:tint val="75000"/>
+                  </a:schemeClr>
+                </a:solidFill>
+              </a:defRPr>
+            </a:lvl5pPr>
+            <a:lvl6pPr marL="2286000" indent="0">
+              <a:buNone/>
+              <a:defRPr sz="1400">
+                <a:solidFill>
+                  <a:schemeClr val="tx1">
+                    <a:tint val="75000"/>
+                  </a:schemeClr>
+                </a:solidFill>
+              </a:defRPr>
+            </a:lvl6pPr>
+            <a:lvl7pPr marL="2743200" indent="0">
+              <a:buNone/>
+              <a:defRPr sz="1400">
+                <a:solidFill>
+                  <a:schemeClr val="tx1">
+                    <a:tint val="75000"/>
+                  </a:schemeClr>
+                </a:solidFill>
+              </a:defRPr>
+            </a:lvl7pPr>
+            <a:lvl8pPr marL="3200400" indent="0">
+              <a:buNone/>
+              <a:defRPr sz="1400">
+                <a:solidFill>
+                  <a:schemeClr val="tx1">
+                    <a:tint val="75000"/>
+                  </a:schemeClr>
+                </a:solidFill>
+              </a:defRPr>
+            </a:lvl8pPr>
+            <a:lvl9pPr marL="3657600" indent="0">
+              <a:buNone/>
+              <a:defRPr sz="1400">
+                <a:solidFill>
+                  <a:schemeClr val="tx1">
+                    <a:tint val="75000"/>
+                  </a:schemeClr>
+                </a:solidFill>
+              </a:defRPr>
+            </a:lvl9pPr>
+          </a:lstStyle>
+          <a:p>
+            <a:pPr lvl="0"/>
+            <a:r>
+              <a:rPr lang="en-US"/>
+              <a:t>Click to edit Master text styles</a:t>
+            </a:r>
+          </a:p>
+        </p:txBody>
+      </p:sp>
+      <p:sp>
+        <p:nvSpPr>
+          <p:cNvPr id="4" name="Date Placeholder 3"/>
+          <p:cNvSpPr>
+            <a:spLocks noGrp="1"/>
+          </p:cNvSpPr>
+          <p:nvPr>
+            <p:ph type="dt" sz="half" idx="10"/>
+          </p:nvPr>
+        </p:nvSpPr>
+        <p:spPr/>
+        <p:txBody>
+          <a:bodyPr/>
+          <a:lstStyle/>
+          <a:p>
+            <a:fld id="{57F8BF0D-203D-4113-AFD7-E05C3DB2532E}" type="datetimeFigureOut">
+              <a:rPr lang="en-IN" smtClean="0"/>
+              <a:t>12-04-2024</a:t>
+            </a:fld>
+            <a:endParaRPr lang="en-IN"/>
+          </a:p>
+        </p:txBody>
+      </p:sp>
+      <p:sp>
+        <p:nvSpPr>
+          <p:cNvPr id="5" name="Footer Placeholder 4"/>
+          <p:cNvSpPr>
+            <a:spLocks noGrp="1"/>
+          </p:cNvSpPr>
+          <p:nvPr>
+            <p:ph type="ftr" sz="quarter" idx="11"/>
+          </p:nvPr>
+        </p:nvSpPr>
+        <p:spPr/>
+        <p:txBody>
+          <a:bodyPr/>
+          <a:lstStyle/>
+          <a:p>
+            <a:endParaRPr lang="en-IN"/>
+          </a:p>
+        </p:txBody>
+      </p:sp>
+      <p:sp>
+        <p:nvSpPr>
+          <p:cNvPr id="6" name="Slide Number Placeholder 5"/>
+          <p:cNvSpPr>
+            <a:spLocks noGrp="1"/>
+          </p:cNvSpPr>
+          <p:nvPr>
+            <p:ph type="sldNum" sz="quarter" idx="12"/>
+          </p:nvPr>
+        </p:nvSpPr>
+        <p:spPr/>
+        <p:txBody>
+          <a:bodyPr/>
+          <a:lstStyle/>
+          <a:p>
+            <a:fld id="{6F6BDF19-0874-45D7-B0A8-18DAB6ECE574}" type="slidenum">
+              <a:rPr lang="en-IN" smtClean="0"/>
+              <a:t>‹#›</a:t>
+            </a:fld>
+            <a:endParaRPr lang="en-IN"/>
+          </a:p>
+        </p:txBody>
+      </p:sp>
+      <p:sp>
+        <p:nvSpPr>
+          <p:cNvPr id="24" name="TextBox 23"/>
+          <p:cNvSpPr txBox="1"/>
+          <p:nvPr/>
+        </p:nvSpPr>
+        <p:spPr>
+          <a:xfrm>
+            <a:off x="541870" y="790378"/>
+            <a:ext cx="609600" cy="584776"/>
+          </a:xfrm>
+          <a:prstGeom prst="rect">
+            <a:avLst/>
+          </a:prstGeom>
+        </p:spPr>
+        <p:txBody>
+          <a:bodyPr vert="horz" lIns="91440" tIns="45720" rIns="91440" bIns="45720" rtlCol="0" anchor="ctr">
+            <a:noAutofit/>
+          </a:bodyPr>
+          <a:lstStyle/>
+          <a:p>
+            <a:pPr lvl="0"/>
+            <a:r>
+              <a:rPr lang="en-US" sz="8000" baseline="0" dirty="0">
+                <a:ln w="3175" cmpd="sng">
+                  <a:noFill/>
+                </a:ln>
+                <a:solidFill>
+                  <a:schemeClr val="accent1">
+                    <a:lumMod val="60000"/>
+                    <a:lumOff val="40000"/>
+                  </a:schemeClr>
+                </a:solidFill>
+                <a:effectLst/>
+                <a:latin typeface="Arial"/>
+              </a:rPr>
+              <a:t>“</a:t>
+            </a:r>
+          </a:p>
+        </p:txBody>
+      </p:sp>
+      <p:sp>
+        <p:nvSpPr>
+          <p:cNvPr id="25" name="TextBox 24"/>
+          <p:cNvSpPr txBox="1"/>
+          <p:nvPr/>
+        </p:nvSpPr>
+        <p:spPr>
+          <a:xfrm>
+            <a:off x="8893011" y="2886556"/>
+            <a:ext cx="609600" cy="584776"/>
+          </a:xfrm>
+          <a:prstGeom prst="rect">
+            <a:avLst/>
+          </a:prstGeom>
+        </p:spPr>
+        <p:txBody>
+          <a:bodyPr vert="horz" lIns="91440" tIns="45720" rIns="91440" bIns="45720" rtlCol="0" anchor="ctr">
+            <a:noAutofit/>
+          </a:bodyPr>
+          <a:lstStyle/>
+          <a:p>
+            <a:pPr lvl="0"/>
+            <a:r>
+              <a:rPr lang="en-US" sz="8000" baseline="0" dirty="0">
+                <a:ln w="3175" cmpd="sng">
+                  <a:noFill/>
+                </a:ln>
+                <a:solidFill>
+                  <a:schemeClr val="accent1">
+                    <a:lumMod val="60000"/>
+                    <a:lumOff val="40000"/>
+                  </a:schemeClr>
+                </a:solidFill>
+                <a:effectLst/>
+                <a:latin typeface="Arial"/>
+              </a:rPr>
+              <a:t>”</a:t>
+            </a:r>
+          </a:p>
+        </p:txBody>
+      </p:sp>
+    </p:spTree>
+    <p:extLst>
+      <p:ext uri="{BB962C8B-B14F-4D97-AF65-F5344CB8AC3E}">
+        <p14:creationId xmlns:p14="http://schemas.microsoft.com/office/powerpoint/2010/main" val="2409645825"/>
+      </p:ext>
+    </p:extLst>
+  </p:cSld>
+  <p:clrMapOvr>
+    <a:masterClrMapping/>
+  </p:clrMapOvr>
+</p:sldLayout>
+</file>
+
+<file path=ppt/slideLayouts/slideLayout14.xml><?xml version="1.0" encoding="utf-8"?>
+<p:sldLayout xmlns:a="http://schemas.openxmlformats.org/drawingml/2006/main" xmlns:r="http://schemas.openxmlformats.org/officeDocument/2006/relationships" xmlns:p="http://schemas.openxmlformats.org/presentationml/2006/main" preserve="1">
+  <p:cSld name="True or False">
+    <p:spTree>
+      <p:nvGrpSpPr>
+        <p:cNvPr id="1" name=""/>
+        <p:cNvGrpSpPr/>
+        <p:nvPr/>
+      </p:nvGrpSpPr>
+      <p:grpSpPr>
+        <a:xfrm>
+          <a:off x="0" y="0"/>
+          <a:ext cx="0" cy="0"/>
+          <a:chOff x="0" y="0"/>
+          <a:chExt cx="0" cy="0"/>
+        </a:xfrm>
+      </p:grpSpPr>
+      <p:sp>
+        <p:nvSpPr>
+          <p:cNvPr id="2" name="Title 1"/>
+          <p:cNvSpPr>
+            <a:spLocks noGrp="1"/>
+          </p:cNvSpPr>
+          <p:nvPr>
+            <p:ph type="title"/>
+          </p:nvPr>
+        </p:nvSpPr>
+        <p:spPr>
+          <a:xfrm>
+            <a:off x="685799" y="609600"/>
+            <a:ext cx="8588203" cy="3022600"/>
+          </a:xfrm>
+        </p:spPr>
+        <p:txBody>
+          <a:bodyPr anchor="ctr">
+            <a:normAutofit/>
+          </a:bodyPr>
+          <a:lstStyle>
+            <a:lvl1pPr algn="l">
+              <a:defRPr sz="4400" b="0" cap="none"/>
+            </a:lvl1pPr>
+          </a:lstStyle>
+          <a:p>
+            <a:r>
+              <a:rPr lang="en-US"/>
+              <a:t>Click to edit Master title style</a:t>
+            </a:r>
+            <a:endParaRPr lang="en-US" dirty="0"/>
+          </a:p>
+        </p:txBody>
+      </p:sp>
+      <p:sp>
+        <p:nvSpPr>
+          <p:cNvPr id="23" name="Text Placeholder 9"/>
+          <p:cNvSpPr>
+            <a:spLocks noGrp="1"/>
+          </p:cNvSpPr>
+          <p:nvPr>
+            <p:ph type="body" sz="quarter" idx="13"/>
+          </p:nvPr>
+        </p:nvSpPr>
+        <p:spPr>
+          <a:xfrm>
+            <a:off x="677332" y="4013200"/>
+            <a:ext cx="8596669" cy="514248"/>
+          </a:xfrm>
+        </p:spPr>
+        <p:txBody>
+          <a:bodyPr anchor="b">
+            <a:noAutofit/>
+          </a:bodyPr>
+          <a:lstStyle>
+            <a:lvl1pPr marL="0" indent="0">
+              <a:buFontTx/>
+              <a:buNone/>
+              <a:defRPr sz="2400">
+                <a:solidFill>
+                  <a:schemeClr val="accent1"/>
+                </a:solidFill>
+              </a:defRPr>
+            </a:lvl1pPr>
+            <a:lvl2pPr marL="457200" indent="0">
+              <a:buFontTx/>
+              <a:buNone/>
+              <a:defRPr/>
+            </a:lvl2pPr>
+            <a:lvl3pPr marL="914400" indent="0">
+              <a:buFontTx/>
+              <a:buNone/>
+              <a:defRPr/>
+            </a:lvl3pPr>
+            <a:lvl4pPr marL="1371600" indent="0">
+              <a:buFontTx/>
+              <a:buNone/>
+              <a:defRPr/>
+            </a:lvl4pPr>
+            <a:lvl5pPr marL="1828800" indent="0">
+              <a:buFontTx/>
+              <a:buNone/>
+              <a:defRPr/>
+            </a:lvl5pPr>
+          </a:lstStyle>
+          <a:p>
+            <a:pPr lvl="0"/>
+            <a:r>
+              <a:rPr lang="en-US"/>
+              <a:t>Click to edit Master text styles</a:t>
+            </a:r>
+          </a:p>
+        </p:txBody>
+      </p:sp>
+      <p:sp>
+        <p:nvSpPr>
+          <p:cNvPr id="3" name="Text Placeholder 2"/>
+          <p:cNvSpPr>
+            <a:spLocks noGrp="1"/>
+          </p:cNvSpPr>
+          <p:nvPr>
+            <p:ph type="body" idx="1"/>
+          </p:nvPr>
+        </p:nvSpPr>
+        <p:spPr>
+          <a:xfrm>
+            <a:off x="677335" y="4527448"/>
+            <a:ext cx="8596668" cy="1513914"/>
+          </a:xfrm>
+        </p:spPr>
+        <p:txBody>
+          <a:bodyPr anchor="t">
+            <a:normAutofit/>
+          </a:bodyPr>
+          <a:lstStyle>
+            <a:lvl1pPr marL="0" indent="0" algn="l">
+              <a:buNone/>
+              <a:defRPr sz="1800">
+                <a:solidFill>
+                  <a:schemeClr val="tx1">
+                    <a:lumMod val="50000"/>
+                    <a:lumOff val="50000"/>
+                  </a:schemeClr>
+                </a:solidFill>
+              </a:defRPr>
+            </a:lvl1pPr>
+            <a:lvl2pPr marL="457200" indent="0">
+              <a:buNone/>
+              <a:defRPr sz="1800">
+                <a:solidFill>
+                  <a:schemeClr val="tx1">
+                    <a:tint val="75000"/>
+                  </a:schemeClr>
+                </a:solidFill>
+              </a:defRPr>
+            </a:lvl2pPr>
+            <a:lvl3pPr marL="914400" indent="0">
+              <a:buNone/>
+              <a:defRPr sz="1600">
+                <a:solidFill>
+                  <a:schemeClr val="tx1">
+                    <a:tint val="75000"/>
+                  </a:schemeClr>
+                </a:solidFill>
+              </a:defRPr>
+            </a:lvl3pPr>
+            <a:lvl4pPr marL="1371600" indent="0">
+              <a:buNone/>
+              <a:defRPr sz="1400">
+                <a:solidFill>
+                  <a:schemeClr val="tx1">
+                    <a:tint val="75000"/>
+                  </a:schemeClr>
+                </a:solidFill>
+              </a:defRPr>
+            </a:lvl4pPr>
+            <a:lvl5pPr marL="1828800" indent="0">
+              <a:buNone/>
+              <a:defRPr sz="1400">
+                <a:solidFill>
+                  <a:schemeClr val="tx1">
+                    <a:tint val="75000"/>
+                  </a:schemeClr>
+                </a:solidFill>
+              </a:defRPr>
+            </a:lvl5pPr>
+            <a:lvl6pPr marL="2286000" indent="0">
+              <a:buNone/>
+              <a:defRPr sz="1400">
+                <a:solidFill>
+                  <a:schemeClr val="tx1">
+                    <a:tint val="75000"/>
+                  </a:schemeClr>
+                </a:solidFill>
+              </a:defRPr>
+            </a:lvl6pPr>
+            <a:lvl7pPr marL="2743200" indent="0">
+              <a:buNone/>
+              <a:defRPr sz="1400">
+                <a:solidFill>
+                  <a:schemeClr val="tx1">
+                    <a:tint val="75000"/>
+                  </a:schemeClr>
+                </a:solidFill>
+              </a:defRPr>
+            </a:lvl7pPr>
+            <a:lvl8pPr marL="3200400" indent="0">
+              <a:buNone/>
+              <a:defRPr sz="1400">
+                <a:solidFill>
+                  <a:schemeClr val="tx1">
+                    <a:tint val="75000"/>
+                  </a:schemeClr>
+                </a:solidFill>
+              </a:defRPr>
+            </a:lvl8pPr>
+            <a:lvl9pPr marL="3657600" indent="0">
+              <a:buNone/>
+              <a:defRPr sz="1400">
+                <a:solidFill>
+                  <a:schemeClr val="tx1">
+                    <a:tint val="75000"/>
+                  </a:schemeClr>
+                </a:solidFill>
+              </a:defRPr>
+            </a:lvl9pPr>
+          </a:lstStyle>
+          <a:p>
+            <a:pPr lvl="0"/>
+            <a:r>
+              <a:rPr lang="en-US"/>
+              <a:t>Click to edit Master text styles</a:t>
+            </a:r>
+          </a:p>
+        </p:txBody>
+      </p:sp>
+      <p:sp>
+        <p:nvSpPr>
+          <p:cNvPr id="4" name="Date Placeholder 3"/>
+          <p:cNvSpPr>
+            <a:spLocks noGrp="1"/>
+          </p:cNvSpPr>
+          <p:nvPr>
+            <p:ph type="dt" sz="half" idx="10"/>
+          </p:nvPr>
+        </p:nvSpPr>
+        <p:spPr/>
+        <p:txBody>
+          <a:bodyPr/>
+          <a:lstStyle/>
+          <a:p>
+            <a:fld id="{57F8BF0D-203D-4113-AFD7-E05C3DB2532E}" type="datetimeFigureOut">
+              <a:rPr lang="en-IN" smtClean="0"/>
+              <a:t>12-04-2024</a:t>
+            </a:fld>
+            <a:endParaRPr lang="en-IN"/>
+          </a:p>
+        </p:txBody>
+      </p:sp>
+      <p:sp>
+        <p:nvSpPr>
+          <p:cNvPr id="5" name="Footer Placeholder 4"/>
+          <p:cNvSpPr>
+            <a:spLocks noGrp="1"/>
+          </p:cNvSpPr>
+          <p:nvPr>
+            <p:ph type="ftr" sz="quarter" idx="11"/>
+          </p:nvPr>
+        </p:nvSpPr>
+        <p:spPr/>
+        <p:txBody>
+          <a:bodyPr/>
+          <a:lstStyle/>
+          <a:p>
+            <a:endParaRPr lang="en-IN"/>
+          </a:p>
+        </p:txBody>
+      </p:sp>
+      <p:sp>
+        <p:nvSpPr>
+          <p:cNvPr id="6" name="Slide Number Placeholder 5"/>
+          <p:cNvSpPr>
+            <a:spLocks noGrp="1"/>
+          </p:cNvSpPr>
+          <p:nvPr>
+            <p:ph type="sldNum" sz="quarter" idx="12"/>
+          </p:nvPr>
+        </p:nvSpPr>
+        <p:spPr/>
+        <p:txBody>
+          <a:bodyPr/>
+          <a:lstStyle/>
+          <a:p>
+            <a:fld id="{6F6BDF19-0874-45D7-B0A8-18DAB6ECE574}" type="slidenum">
+              <a:rPr lang="en-IN" smtClean="0"/>
+              <a:t>‹#›</a:t>
+            </a:fld>
+            <a:endParaRPr lang="en-IN"/>
+          </a:p>
+        </p:txBody>
+      </p:sp>
+    </p:spTree>
+    <p:extLst>
+      <p:ext uri="{BB962C8B-B14F-4D97-AF65-F5344CB8AC3E}">
+        <p14:creationId xmlns:p14="http://schemas.microsoft.com/office/powerpoint/2010/main" val="197567973"/>
+      </p:ext>
+    </p:extLst>
+  </p:cSld>
+  <p:clrMapOvr>
+    <a:masterClrMapping/>
+  </p:clrMapOvr>
+</p:sldLayout>
+</file>
+
+<file path=ppt/slideLayouts/slideLayout15.xml><?xml version="1.0" encoding="utf-8"?>
 <p:sldLayout xmlns:a="http://schemas.openxmlformats.org/drawingml/2006/main" xmlns:r="http://schemas.openxmlformats.org/officeDocument/2006/relationships" xmlns:p="http://schemas.openxmlformats.org/presentationml/2006/main" type="vertTx" preserve="1">
   <p:cSld name="Title and Vertical Text">
     <p:spTree>
@@ -364,13 +2538,7 @@
       </p:grpSpPr>
       <p:sp>
         <p:nvSpPr>
-          <p:cNvPr id="2" name="Title 1">
-            <a:extLst>
-              <a:ext uri="{FF2B5EF4-FFF2-40B4-BE49-F238E27FC236}">
-                <a16:creationId xmlns:a16="http://schemas.microsoft.com/office/drawing/2014/main" id="{E5CD28E6-875F-03D0-7B0A-08E1CAD4E6C9}"/>
-              </a:ext>
-            </a:extLst>
-          </p:cNvPr>
+          <p:cNvPr id="2" name="Title 1"/>
           <p:cNvSpPr>
             <a:spLocks noGrp="1"/>
           </p:cNvSpPr>
@@ -387,19 +2555,13 @@
               <a:rPr lang="en-US"/>
               <a:t>Click to edit Master title style</a:t>
             </a:r>
-            <a:endParaRPr lang="en-IN"/>
-          </a:p>
-        </p:txBody>
-      </p:sp>
-      <p:sp>
-        <p:nvSpPr>
-          <p:cNvPr id="3" name="Vertical Text Placeholder 2">
-            <a:extLst>
-              <a:ext uri="{FF2B5EF4-FFF2-40B4-BE49-F238E27FC236}">
-                <a16:creationId xmlns:a16="http://schemas.microsoft.com/office/drawing/2014/main" id="{806E9804-E818-E076-680A-F59C95CA3A12}"/>
-              </a:ext>
-            </a:extLst>
-          </p:cNvPr>
+            <a:endParaRPr lang="en-US" dirty="0"/>
+          </a:p>
+        </p:txBody>
+      </p:sp>
+      <p:sp>
+        <p:nvSpPr>
+          <p:cNvPr id="3" name="Vertical Text Placeholder 2"/>
           <p:cNvSpPr>
             <a:spLocks noGrp="1"/>
           </p:cNvSpPr>
@@ -445,19 +2607,13 @@
               <a:rPr lang="en-US"/>
               <a:t>Fifth level</a:t>
             </a:r>
-            <a:endParaRPr lang="en-IN"/>
-          </a:p>
-        </p:txBody>
-      </p:sp>
-      <p:sp>
-        <p:nvSpPr>
-          <p:cNvPr id="4" name="Date Placeholder 3">
-            <a:extLst>
-              <a:ext uri="{FF2B5EF4-FFF2-40B4-BE49-F238E27FC236}">
-                <a16:creationId xmlns:a16="http://schemas.microsoft.com/office/drawing/2014/main" id="{CBCB2919-49DF-ED7B-6A6A-0F62D13617E6}"/>
-              </a:ext>
-            </a:extLst>
-          </p:cNvPr>
+            <a:endParaRPr lang="en-US" dirty="0"/>
+          </a:p>
+        </p:txBody>
+      </p:sp>
+      <p:sp>
+        <p:nvSpPr>
+          <p:cNvPr id="4" name="Date Placeholder 3"/>
           <p:cNvSpPr>
             <a:spLocks noGrp="1"/>
           </p:cNvSpPr>
@@ -472,7 +2628,7 @@
           <a:p>
             <a:fld id="{57F8BF0D-203D-4113-AFD7-E05C3DB2532E}" type="datetimeFigureOut">
               <a:rPr lang="en-IN" smtClean="0"/>
-              <a:t>10-04-2024</a:t>
+              <a:t>12-04-2024</a:t>
             </a:fld>
             <a:endParaRPr lang="en-IN"/>
           </a:p>
@@ -480,13 +2636,7 @@
       </p:sp>
       <p:sp>
         <p:nvSpPr>
-          <p:cNvPr id="5" name="Footer Placeholder 4">
-            <a:extLst>
-              <a:ext uri="{FF2B5EF4-FFF2-40B4-BE49-F238E27FC236}">
-                <a16:creationId xmlns:a16="http://schemas.microsoft.com/office/drawing/2014/main" id="{3BB84720-12EE-8DE8-125D-74DE3B69B324}"/>
-              </a:ext>
-            </a:extLst>
-          </p:cNvPr>
+          <p:cNvPr id="5" name="Footer Placeholder 4"/>
           <p:cNvSpPr>
             <a:spLocks noGrp="1"/>
           </p:cNvSpPr>
@@ -505,13 +2655,7 @@
       </p:sp>
       <p:sp>
         <p:nvSpPr>
-          <p:cNvPr id="6" name="Slide Number Placeholder 5">
-            <a:extLst>
-              <a:ext uri="{FF2B5EF4-FFF2-40B4-BE49-F238E27FC236}">
-                <a16:creationId xmlns:a16="http://schemas.microsoft.com/office/drawing/2014/main" id="{A88C1087-C49D-B07F-59A6-9922B92C7E53}"/>
-              </a:ext>
-            </a:extLst>
-          </p:cNvPr>
+          <p:cNvPr id="6" name="Slide Number Placeholder 5"/>
           <p:cNvSpPr>
             <a:spLocks noGrp="1"/>
           </p:cNvSpPr>
@@ -535,7 +2679,7 @@
     </p:spTree>
     <p:extLst>
       <p:ext uri="{BB962C8B-B14F-4D97-AF65-F5344CB8AC3E}">
-        <p14:creationId xmlns:p14="http://schemas.microsoft.com/office/powerpoint/2010/main" val="3094719630"/>
+        <p14:creationId xmlns:p14="http://schemas.microsoft.com/office/powerpoint/2010/main" val="2601482979"/>
       </p:ext>
     </p:extLst>
   </p:cSld>
@@ -545,7 +2689,7 @@
 </p:sldLayout>
 </file>
 
-<file path=ppt/slideLayouts/slideLayout11.xml><?xml version="1.0" encoding="utf-8"?>
+<file path=ppt/slideLayouts/slideLayout16.xml><?xml version="1.0" encoding="utf-8"?>
 <p:sldLayout xmlns:a="http://schemas.openxmlformats.org/drawingml/2006/main" xmlns:r="http://schemas.openxmlformats.org/officeDocument/2006/relationships" xmlns:p="http://schemas.openxmlformats.org/presentationml/2006/main" type="vertTitleAndTx" preserve="1">
   <p:cSld name="Vertical Title and Text">
     <p:spTree>
@@ -564,13 +2708,7 @@
       </p:grpSpPr>
       <p:sp>
         <p:nvSpPr>
-          <p:cNvPr id="2" name="Vertical Title 1">
-            <a:extLst>
-              <a:ext uri="{FF2B5EF4-FFF2-40B4-BE49-F238E27FC236}">
-                <a16:creationId xmlns:a16="http://schemas.microsoft.com/office/drawing/2014/main" id="{B03CD385-35B1-3AE2-79F5-828438C3DF2E}"/>
-              </a:ext>
-            </a:extLst>
-          </p:cNvPr>
+          <p:cNvPr id="2" name="Vertical Title 1"/>
           <p:cNvSpPr>
             <a:spLocks noGrp="1"/>
           </p:cNvSpPr>
@@ -580,31 +2718,25 @@
         </p:nvSpPr>
         <p:spPr>
           <a:xfrm>
-            <a:off x="8724900" y="365125"/>
-            <a:ext cx="2628900" cy="5811838"/>
+            <a:off x="7967673" y="609599"/>
+            <a:ext cx="1304743" cy="5251451"/>
           </a:xfrm>
         </p:spPr>
         <p:txBody>
-          <a:bodyPr vert="eaVert"/>
+          <a:bodyPr vert="eaVert" anchor="ctr"/>
           <a:lstStyle/>
           <a:p>
             <a:r>
               <a:rPr lang="en-US"/>
               <a:t>Click to edit Master title style</a:t>
             </a:r>
-            <a:endParaRPr lang="en-IN"/>
-          </a:p>
-        </p:txBody>
-      </p:sp>
-      <p:sp>
-        <p:nvSpPr>
-          <p:cNvPr id="3" name="Vertical Text Placeholder 2">
-            <a:extLst>
-              <a:ext uri="{FF2B5EF4-FFF2-40B4-BE49-F238E27FC236}">
-                <a16:creationId xmlns:a16="http://schemas.microsoft.com/office/drawing/2014/main" id="{3C4FF080-6748-8508-891B-60CFE4D654BD}"/>
-              </a:ext>
-            </a:extLst>
-          </p:cNvPr>
+            <a:endParaRPr lang="en-US" dirty="0"/>
+          </a:p>
+        </p:txBody>
+      </p:sp>
+      <p:sp>
+        <p:nvSpPr>
+          <p:cNvPr id="3" name="Vertical Text Placeholder 2"/>
           <p:cNvSpPr>
             <a:spLocks noGrp="1"/>
           </p:cNvSpPr>
@@ -614,8 +2746,8 @@
         </p:nvSpPr>
         <p:spPr>
           <a:xfrm>
-            <a:off x="838200" y="365125"/>
-            <a:ext cx="7734300" cy="5811838"/>
+            <a:off x="677335" y="609600"/>
+            <a:ext cx="7060150" cy="5251450"/>
           </a:xfrm>
         </p:spPr>
         <p:txBody>
@@ -655,19 +2787,13 @@
               <a:rPr lang="en-US"/>
               <a:t>Fifth level</a:t>
             </a:r>
-            <a:endParaRPr lang="en-IN"/>
-          </a:p>
-        </p:txBody>
-      </p:sp>
-      <p:sp>
-        <p:nvSpPr>
-          <p:cNvPr id="4" name="Date Placeholder 3">
-            <a:extLst>
-              <a:ext uri="{FF2B5EF4-FFF2-40B4-BE49-F238E27FC236}">
-                <a16:creationId xmlns:a16="http://schemas.microsoft.com/office/drawing/2014/main" id="{67742840-20CA-C4AD-39D7-BB7BE5E80F21}"/>
-              </a:ext>
-            </a:extLst>
-          </p:cNvPr>
+            <a:endParaRPr lang="en-US" dirty="0"/>
+          </a:p>
+        </p:txBody>
+      </p:sp>
+      <p:sp>
+        <p:nvSpPr>
+          <p:cNvPr id="4" name="Date Placeholder 3"/>
           <p:cNvSpPr>
             <a:spLocks noGrp="1"/>
           </p:cNvSpPr>
@@ -682,7 +2808,7 @@
           <a:p>
             <a:fld id="{57F8BF0D-203D-4113-AFD7-E05C3DB2532E}" type="datetimeFigureOut">
               <a:rPr lang="en-IN" smtClean="0"/>
-              <a:t>10-04-2024</a:t>
+              <a:t>12-04-2024</a:t>
             </a:fld>
             <a:endParaRPr lang="en-IN"/>
           </a:p>
@@ -690,13 +2816,7 @@
       </p:sp>
       <p:sp>
         <p:nvSpPr>
-          <p:cNvPr id="5" name="Footer Placeholder 4">
-            <a:extLst>
-              <a:ext uri="{FF2B5EF4-FFF2-40B4-BE49-F238E27FC236}">
-                <a16:creationId xmlns:a16="http://schemas.microsoft.com/office/drawing/2014/main" id="{7BFB1C0C-F2B7-E7D7-4CF2-B0C3F622BCD6}"/>
-              </a:ext>
-            </a:extLst>
-          </p:cNvPr>
+          <p:cNvPr id="5" name="Footer Placeholder 4"/>
           <p:cNvSpPr>
             <a:spLocks noGrp="1"/>
           </p:cNvSpPr>
@@ -715,13 +2835,7 @@
       </p:sp>
       <p:sp>
         <p:nvSpPr>
-          <p:cNvPr id="6" name="Slide Number Placeholder 5">
-            <a:extLst>
-              <a:ext uri="{FF2B5EF4-FFF2-40B4-BE49-F238E27FC236}">
-                <a16:creationId xmlns:a16="http://schemas.microsoft.com/office/drawing/2014/main" id="{42773664-578D-A739-8662-1935549BEA4F}"/>
-              </a:ext>
-            </a:extLst>
-          </p:cNvPr>
+          <p:cNvPr id="6" name="Slide Number Placeholder 5"/>
           <p:cNvSpPr>
             <a:spLocks noGrp="1"/>
           </p:cNvSpPr>
@@ -745,7 +2859,7 @@
     </p:spTree>
     <p:extLst>
       <p:ext uri="{BB962C8B-B14F-4D97-AF65-F5344CB8AC3E}">
-        <p14:creationId xmlns:p14="http://schemas.microsoft.com/office/powerpoint/2010/main" val="873556429"/>
+        <p14:creationId xmlns:p14="http://schemas.microsoft.com/office/powerpoint/2010/main" val="1839433993"/>
       </p:ext>
     </p:extLst>
   </p:cSld>
@@ -774,13 +2888,7 @@
       </p:grpSpPr>
       <p:sp>
         <p:nvSpPr>
-          <p:cNvPr id="2" name="Title 1">
-            <a:extLst>
-              <a:ext uri="{FF2B5EF4-FFF2-40B4-BE49-F238E27FC236}">
-                <a16:creationId xmlns:a16="http://schemas.microsoft.com/office/drawing/2014/main" id="{F5667BD6-5FCC-E897-5358-731085EBF26B}"/>
-              </a:ext>
-            </a:extLst>
-          </p:cNvPr>
+          <p:cNvPr id="2" name="Title 1"/>
           <p:cNvSpPr>
             <a:spLocks noGrp="1"/>
           </p:cNvSpPr>
@@ -790,38 +2898,38 @@
         </p:nvSpPr>
         <p:spPr/>
         <p:txBody>
+          <a:bodyPr>
+            <a:normAutofit/>
+          </a:bodyPr>
+          <a:lstStyle>
+            <a:lvl1pPr>
+              <a:defRPr sz="3600"/>
+            </a:lvl1pPr>
+          </a:lstStyle>
+          <a:p>
+            <a:r>
+              <a:rPr lang="en-US"/>
+              <a:t>Click to edit Master title style</a:t>
+            </a:r>
+            <a:endParaRPr lang="en-US" dirty="0"/>
+          </a:p>
+        </p:txBody>
+      </p:sp>
+      <p:sp>
+        <p:nvSpPr>
+          <p:cNvPr id="3" name="Content Placeholder 2"/>
+          <p:cNvSpPr>
+            <a:spLocks noGrp="1"/>
+          </p:cNvSpPr>
+          <p:nvPr>
+            <p:ph idx="1"/>
+          </p:nvPr>
+        </p:nvSpPr>
+        <p:spPr/>
+        <p:txBody>
           <a:bodyPr/>
           <a:lstStyle/>
           <a:p>
-            <a:r>
-              <a:rPr lang="en-US"/>
-              <a:t>Click to edit Master title style</a:t>
-            </a:r>
-            <a:endParaRPr lang="en-IN"/>
-          </a:p>
-        </p:txBody>
-      </p:sp>
-      <p:sp>
-        <p:nvSpPr>
-          <p:cNvPr id="3" name="Content Placeholder 2">
-            <a:extLst>
-              <a:ext uri="{FF2B5EF4-FFF2-40B4-BE49-F238E27FC236}">
-                <a16:creationId xmlns:a16="http://schemas.microsoft.com/office/drawing/2014/main" id="{DECF9D69-1D21-3CD0-5755-652A59E01465}"/>
-              </a:ext>
-            </a:extLst>
-          </p:cNvPr>
-          <p:cNvSpPr>
-            <a:spLocks noGrp="1"/>
-          </p:cNvSpPr>
-          <p:nvPr>
-            <p:ph idx="1"/>
-          </p:nvPr>
-        </p:nvSpPr>
-        <p:spPr/>
-        <p:txBody>
-          <a:bodyPr/>
-          <a:lstStyle/>
-          <a:p>
             <a:pPr lvl="0"/>
             <a:r>
               <a:rPr lang="en-US"/>
@@ -855,19 +2963,13 @@
               <a:rPr lang="en-US"/>
               <a:t>Fifth level</a:t>
             </a:r>
-            <a:endParaRPr lang="en-IN"/>
-          </a:p>
-        </p:txBody>
-      </p:sp>
-      <p:sp>
-        <p:nvSpPr>
-          <p:cNvPr id="4" name="Date Placeholder 3">
-            <a:extLst>
-              <a:ext uri="{FF2B5EF4-FFF2-40B4-BE49-F238E27FC236}">
-                <a16:creationId xmlns:a16="http://schemas.microsoft.com/office/drawing/2014/main" id="{0EF9FBE1-37B9-D8F6-F492-07E651F08A48}"/>
-              </a:ext>
-            </a:extLst>
-          </p:cNvPr>
+            <a:endParaRPr lang="en-US" dirty="0"/>
+          </a:p>
+        </p:txBody>
+      </p:sp>
+      <p:sp>
+        <p:nvSpPr>
+          <p:cNvPr id="4" name="Date Placeholder 3"/>
           <p:cNvSpPr>
             <a:spLocks noGrp="1"/>
           </p:cNvSpPr>
@@ -882,7 +2984,7 @@
           <a:p>
             <a:fld id="{57F8BF0D-203D-4113-AFD7-E05C3DB2532E}" type="datetimeFigureOut">
               <a:rPr lang="en-IN" smtClean="0"/>
-              <a:t>10-04-2024</a:t>
+              <a:t>12-04-2024</a:t>
             </a:fld>
             <a:endParaRPr lang="en-IN"/>
           </a:p>
@@ -890,13 +2992,7 @@
       </p:sp>
       <p:sp>
         <p:nvSpPr>
-          <p:cNvPr id="5" name="Footer Placeholder 4">
-            <a:extLst>
-              <a:ext uri="{FF2B5EF4-FFF2-40B4-BE49-F238E27FC236}">
-                <a16:creationId xmlns:a16="http://schemas.microsoft.com/office/drawing/2014/main" id="{0826DB09-0D01-D044-5DE1-7F549ED879E2}"/>
-              </a:ext>
-            </a:extLst>
-          </p:cNvPr>
+          <p:cNvPr id="5" name="Footer Placeholder 4"/>
           <p:cNvSpPr>
             <a:spLocks noGrp="1"/>
           </p:cNvSpPr>
@@ -915,13 +3011,7 @@
       </p:sp>
       <p:sp>
         <p:nvSpPr>
-          <p:cNvPr id="6" name="Slide Number Placeholder 5">
-            <a:extLst>
-              <a:ext uri="{FF2B5EF4-FFF2-40B4-BE49-F238E27FC236}">
-                <a16:creationId xmlns:a16="http://schemas.microsoft.com/office/drawing/2014/main" id="{5EC3F0D4-3276-4C63-38DA-5F19E29A1211}"/>
-              </a:ext>
-            </a:extLst>
-          </p:cNvPr>
+          <p:cNvPr id="6" name="Slide Number Placeholder 5"/>
           <p:cNvSpPr>
             <a:spLocks noGrp="1"/>
           </p:cNvSpPr>
@@ -945,7 +3035,7 @@
     </p:spTree>
     <p:extLst>
       <p:ext uri="{BB962C8B-B14F-4D97-AF65-F5344CB8AC3E}">
-        <p14:creationId xmlns:p14="http://schemas.microsoft.com/office/powerpoint/2010/main" val="1009371761"/>
+        <p14:creationId xmlns:p14="http://schemas.microsoft.com/office/powerpoint/2010/main" val="1586863933"/>
       </p:ext>
     </p:extLst>
   </p:cSld>
@@ -974,13 +3064,7 @@
       </p:grpSpPr>
       <p:sp>
         <p:nvSpPr>
-          <p:cNvPr id="2" name="Title 1">
-            <a:extLst>
-              <a:ext uri="{FF2B5EF4-FFF2-40B4-BE49-F238E27FC236}">
-                <a16:creationId xmlns:a16="http://schemas.microsoft.com/office/drawing/2014/main" id="{43406032-0F41-EE1C-7D3E-FA3438DA72C6}"/>
-              </a:ext>
-            </a:extLst>
-          </p:cNvPr>
+          <p:cNvPr id="2" name="Title 1"/>
           <p:cNvSpPr>
             <a:spLocks noGrp="1"/>
           </p:cNvSpPr>
@@ -990,15 +3074,15 @@
         </p:nvSpPr>
         <p:spPr>
           <a:xfrm>
-            <a:off x="831850" y="1709738"/>
-            <a:ext cx="10515600" cy="2852737"/>
+            <a:off x="677335" y="2700867"/>
+            <a:ext cx="8596668" cy="1826581"/>
           </a:xfrm>
         </p:spPr>
         <p:txBody>
           <a:bodyPr anchor="b"/>
           <a:lstStyle>
-            <a:lvl1pPr>
-              <a:defRPr sz="6000"/>
+            <a:lvl1pPr algn="l">
+              <a:defRPr sz="4000" b="0" cap="none"/>
             </a:lvl1pPr>
           </a:lstStyle>
           <a:p>
@@ -1006,19 +3090,13 @@
               <a:rPr lang="en-US"/>
               <a:t>Click to edit Master title style</a:t>
             </a:r>
-            <a:endParaRPr lang="en-IN"/>
-          </a:p>
-        </p:txBody>
-      </p:sp>
-      <p:sp>
-        <p:nvSpPr>
-          <p:cNvPr id="3" name="Text Placeholder 2">
-            <a:extLst>
-              <a:ext uri="{FF2B5EF4-FFF2-40B4-BE49-F238E27FC236}">
-                <a16:creationId xmlns:a16="http://schemas.microsoft.com/office/drawing/2014/main" id="{06F53791-1A31-3D3E-AB1D-C227F701A6AB}"/>
-              </a:ext>
-            </a:extLst>
-          </p:cNvPr>
+            <a:endParaRPr lang="en-US" dirty="0"/>
+          </a:p>
+        </p:txBody>
+      </p:sp>
+      <p:sp>
+        <p:nvSpPr>
+          <p:cNvPr id="3" name="Text Placeholder 2"/>
           <p:cNvSpPr>
             <a:spLocks noGrp="1"/>
           </p:cNvSpPr>
@@ -1028,102 +3106,103 @@
         </p:nvSpPr>
         <p:spPr>
           <a:xfrm>
-            <a:off x="831850" y="4589463"/>
-            <a:ext cx="10515600" cy="1500187"/>
+            <a:off x="677335" y="4527448"/>
+            <a:ext cx="8596668" cy="860400"/>
           </a:xfrm>
         </p:spPr>
         <p:txBody>
-          <a:bodyPr/>
+          <a:bodyPr anchor="t"/>
           <a:lstStyle>
-            <a:lvl1pPr marL="0" indent="0">
-              <a:buNone/>
-              <a:defRPr sz="2400">
+            <a:lvl1pPr marL="0" indent="0" algn="l">
+              <a:buNone/>
+              <a:defRPr sz="2000">
+                <a:solidFill>
+                  <a:schemeClr val="tx1">
+                    <a:lumMod val="50000"/>
+                    <a:lumOff val="50000"/>
+                  </a:schemeClr>
+                </a:solidFill>
+              </a:defRPr>
+            </a:lvl1pPr>
+            <a:lvl2pPr marL="457200" indent="0">
+              <a:buNone/>
+              <a:defRPr sz="1800">
                 <a:solidFill>
                   <a:schemeClr val="tx1">
                     <a:tint val="75000"/>
                   </a:schemeClr>
                 </a:solidFill>
               </a:defRPr>
-            </a:lvl1pPr>
-            <a:lvl2pPr marL="457200" indent="0">
-              <a:buNone/>
-              <a:defRPr sz="2000">
+            </a:lvl2pPr>
+            <a:lvl3pPr marL="914400" indent="0">
+              <a:buNone/>
+              <a:defRPr sz="1600">
                 <a:solidFill>
                   <a:schemeClr val="tx1">
                     <a:tint val="75000"/>
                   </a:schemeClr>
                 </a:solidFill>
               </a:defRPr>
-            </a:lvl2pPr>
-            <a:lvl3pPr marL="914400" indent="0">
-              <a:buNone/>
-              <a:defRPr sz="1800">
+            </a:lvl3pPr>
+            <a:lvl4pPr marL="1371600" indent="0">
+              <a:buNone/>
+              <a:defRPr sz="1400">
                 <a:solidFill>
                   <a:schemeClr val="tx1">
                     <a:tint val="75000"/>
                   </a:schemeClr>
                 </a:solidFill>
               </a:defRPr>
-            </a:lvl3pPr>
-            <a:lvl4pPr marL="1371600" indent="0">
-              <a:buNone/>
-              <a:defRPr sz="1600">
+            </a:lvl4pPr>
+            <a:lvl5pPr marL="1828800" indent="0">
+              <a:buNone/>
+              <a:defRPr sz="1400">
                 <a:solidFill>
                   <a:schemeClr val="tx1">
                     <a:tint val="75000"/>
                   </a:schemeClr>
                 </a:solidFill>
               </a:defRPr>
-            </a:lvl4pPr>
-            <a:lvl5pPr marL="1828800" indent="0">
-              <a:buNone/>
-              <a:defRPr sz="1600">
+            </a:lvl5pPr>
+            <a:lvl6pPr marL="2286000" indent="0">
+              <a:buNone/>
+              <a:defRPr sz="1400">
                 <a:solidFill>
                   <a:schemeClr val="tx1">
                     <a:tint val="75000"/>
                   </a:schemeClr>
                 </a:solidFill>
               </a:defRPr>
-            </a:lvl5pPr>
-            <a:lvl6pPr marL="2286000" indent="0">
-              <a:buNone/>
-              <a:defRPr sz="1600">
+            </a:lvl6pPr>
+            <a:lvl7pPr marL="2743200" indent="0">
+              <a:buNone/>
+              <a:defRPr sz="1400">
                 <a:solidFill>
                   <a:schemeClr val="tx1">
                     <a:tint val="75000"/>
                   </a:schemeClr>
                 </a:solidFill>
               </a:defRPr>
-            </a:lvl6pPr>
-            <a:lvl7pPr marL="2743200" indent="0">
-              <a:buNone/>
-              <a:defRPr sz="1600">
+            </a:lvl7pPr>
+            <a:lvl8pPr marL="3200400" indent="0">
+              <a:buNone/>
+              <a:defRPr sz="1400">
                 <a:solidFill>
                   <a:schemeClr val="tx1">
                     <a:tint val="75000"/>
                   </a:schemeClr>
                 </a:solidFill>
               </a:defRPr>
-            </a:lvl7pPr>
-            <a:lvl8pPr marL="3200400" indent="0">
-              <a:buNone/>
-              <a:defRPr sz="1600">
+            </a:lvl8pPr>
+            <a:lvl9pPr marL="3657600" indent="0">
+              <a:buNone/>
+              <a:defRPr sz="1400">
                 <a:solidFill>
                   <a:schemeClr val="tx1">
                     <a:tint val="75000"/>
                   </a:schemeClr>
                 </a:solidFill>
               </a:defRPr>
-            </a:lvl8pPr>
-            <a:lvl9pPr marL="3657600" indent="0">
-              <a:buNone/>
-              <a:defRPr sz="1600">
-                <a:solidFill>
-                  <a:schemeClr val="tx1">
-                    <a:tint val="75000"/>
-                  </a:schemeClr>
-                </a:solidFill>
-              </a:defRPr>
             </a:lvl9pPr>
           </a:lstStyle>
           <a:p>
@@ -1137,13 +3216,7 @@
       </p:sp>
       <p:sp>
         <p:nvSpPr>
-          <p:cNvPr id="4" name="Date Placeholder 3">
-            <a:extLst>
-              <a:ext uri="{FF2B5EF4-FFF2-40B4-BE49-F238E27FC236}">
-                <a16:creationId xmlns:a16="http://schemas.microsoft.com/office/drawing/2014/main" id="{4981C9A8-6298-B37A-66AE-EB73E8647952}"/>
-              </a:ext>
-            </a:extLst>
-          </p:cNvPr>
+          <p:cNvPr id="4" name="Date Placeholder 3"/>
           <p:cNvSpPr>
             <a:spLocks noGrp="1"/>
           </p:cNvSpPr>
@@ -1158,7 +3231,7 @@
           <a:p>
             <a:fld id="{57F8BF0D-203D-4113-AFD7-E05C3DB2532E}" type="datetimeFigureOut">
               <a:rPr lang="en-IN" smtClean="0"/>
-              <a:t>10-04-2024</a:t>
+              <a:t>12-04-2024</a:t>
             </a:fld>
             <a:endParaRPr lang="en-IN"/>
           </a:p>
@@ -1166,13 +3239,7 @@
       </p:sp>
       <p:sp>
         <p:nvSpPr>
-          <p:cNvPr id="5" name="Footer Placeholder 4">
-            <a:extLst>
-              <a:ext uri="{FF2B5EF4-FFF2-40B4-BE49-F238E27FC236}">
-                <a16:creationId xmlns:a16="http://schemas.microsoft.com/office/drawing/2014/main" id="{42E9C4D1-D565-6034-5C61-FE4FFC0F59D7}"/>
-              </a:ext>
-            </a:extLst>
-          </p:cNvPr>
+          <p:cNvPr id="5" name="Footer Placeholder 4"/>
           <p:cNvSpPr>
             <a:spLocks noGrp="1"/>
           </p:cNvSpPr>
@@ -1191,13 +3258,7 @@
       </p:sp>
       <p:sp>
         <p:nvSpPr>
-          <p:cNvPr id="6" name="Slide Number Placeholder 5">
-            <a:extLst>
-              <a:ext uri="{FF2B5EF4-FFF2-40B4-BE49-F238E27FC236}">
-                <a16:creationId xmlns:a16="http://schemas.microsoft.com/office/drawing/2014/main" id="{F69C0654-87D7-FEA0-7E25-70D765E88624}"/>
-              </a:ext>
-            </a:extLst>
-          </p:cNvPr>
+          <p:cNvPr id="6" name="Slide Number Placeholder 5"/>
           <p:cNvSpPr>
             <a:spLocks noGrp="1"/>
           </p:cNvSpPr>
@@ -1221,7 +3282,7 @@
     </p:spTree>
     <p:extLst>
       <p:ext uri="{BB962C8B-B14F-4D97-AF65-F5344CB8AC3E}">
-        <p14:creationId xmlns:p14="http://schemas.microsoft.com/office/powerpoint/2010/main" val="3966464160"/>
+        <p14:creationId xmlns:p14="http://schemas.microsoft.com/office/powerpoint/2010/main" val="2569417061"/>
       </p:ext>
     </p:extLst>
   </p:cSld>
@@ -1250,13 +3311,7 @@
       </p:grpSpPr>
       <p:sp>
         <p:nvSpPr>
-          <p:cNvPr id="2" name="Title 1">
-            <a:extLst>
-              <a:ext uri="{FF2B5EF4-FFF2-40B4-BE49-F238E27FC236}">
-                <a16:creationId xmlns:a16="http://schemas.microsoft.com/office/drawing/2014/main" id="{8DB3F4EF-68BB-BCF3-F36F-5D44B3D0D631}"/>
-              </a:ext>
-            </a:extLst>
-          </p:cNvPr>
+          <p:cNvPr id="2" name="Title 1"/>
           <p:cNvSpPr>
             <a:spLocks noGrp="1"/>
           </p:cNvSpPr>
@@ -1273,19 +3328,13 @@
               <a:rPr lang="en-US"/>
               <a:t>Click to edit Master title style</a:t>
             </a:r>
-            <a:endParaRPr lang="en-IN"/>
-          </a:p>
-        </p:txBody>
-      </p:sp>
-      <p:sp>
-        <p:nvSpPr>
-          <p:cNvPr id="3" name="Content Placeholder 2">
-            <a:extLst>
-              <a:ext uri="{FF2B5EF4-FFF2-40B4-BE49-F238E27FC236}">
-                <a16:creationId xmlns:a16="http://schemas.microsoft.com/office/drawing/2014/main" id="{A35F94B3-F34E-AE1F-596E-508C32402FDC}"/>
-              </a:ext>
-            </a:extLst>
-          </p:cNvPr>
+            <a:endParaRPr lang="en-US" dirty="0"/>
+          </a:p>
+        </p:txBody>
+      </p:sp>
+      <p:sp>
+        <p:nvSpPr>
+          <p:cNvPr id="3" name="Content Placeholder 2"/>
           <p:cNvSpPr>
             <a:spLocks noGrp="1"/>
           </p:cNvSpPr>
@@ -1295,8 +3344,8 @@
         </p:nvSpPr>
         <p:spPr>
           <a:xfrm>
-            <a:off x="838200" y="1825625"/>
-            <a:ext cx="5181600" cy="4351338"/>
+            <a:off x="677334" y="2160589"/>
+            <a:ext cx="4184035" cy="3880772"/>
           </a:xfrm>
         </p:spPr>
         <p:txBody>
@@ -1336,19 +3385,13 @@
               <a:rPr lang="en-US"/>
               <a:t>Fifth level</a:t>
             </a:r>
-            <a:endParaRPr lang="en-IN"/>
-          </a:p>
-        </p:txBody>
-      </p:sp>
-      <p:sp>
-        <p:nvSpPr>
-          <p:cNvPr id="4" name="Content Placeholder 3">
-            <a:extLst>
-              <a:ext uri="{FF2B5EF4-FFF2-40B4-BE49-F238E27FC236}">
-                <a16:creationId xmlns:a16="http://schemas.microsoft.com/office/drawing/2014/main" id="{F5422F5C-582E-4690-B7A4-345634F96F68}"/>
-              </a:ext>
-            </a:extLst>
-          </p:cNvPr>
+            <a:endParaRPr lang="en-US" dirty="0"/>
+          </a:p>
+        </p:txBody>
+      </p:sp>
+      <p:sp>
+        <p:nvSpPr>
+          <p:cNvPr id="4" name="Content Placeholder 3"/>
           <p:cNvSpPr>
             <a:spLocks noGrp="1"/>
           </p:cNvSpPr>
@@ -1358,8 +3401,8 @@
         </p:nvSpPr>
         <p:spPr>
           <a:xfrm>
-            <a:off x="6172200" y="1825625"/>
-            <a:ext cx="5181600" cy="4351338"/>
+            <a:off x="5089970" y="2160589"/>
+            <a:ext cx="4184034" cy="3880773"/>
           </a:xfrm>
         </p:spPr>
         <p:txBody>
@@ -1399,19 +3442,13 @@
               <a:rPr lang="en-US"/>
               <a:t>Fifth level</a:t>
             </a:r>
-            <a:endParaRPr lang="en-IN"/>
-          </a:p>
-        </p:txBody>
-      </p:sp>
-      <p:sp>
-        <p:nvSpPr>
-          <p:cNvPr id="5" name="Date Placeholder 4">
-            <a:extLst>
-              <a:ext uri="{FF2B5EF4-FFF2-40B4-BE49-F238E27FC236}">
-                <a16:creationId xmlns:a16="http://schemas.microsoft.com/office/drawing/2014/main" id="{32AB5568-E582-4212-F25F-D0B6D6957BE4}"/>
-              </a:ext>
-            </a:extLst>
-          </p:cNvPr>
+            <a:endParaRPr lang="en-US" dirty="0"/>
+          </a:p>
+        </p:txBody>
+      </p:sp>
+      <p:sp>
+        <p:nvSpPr>
+          <p:cNvPr id="5" name="Date Placeholder 4"/>
           <p:cNvSpPr>
             <a:spLocks noGrp="1"/>
           </p:cNvSpPr>
@@ -1426,7 +3463,7 @@
           <a:p>
             <a:fld id="{57F8BF0D-203D-4113-AFD7-E05C3DB2532E}" type="datetimeFigureOut">
               <a:rPr lang="en-IN" smtClean="0"/>
-              <a:t>10-04-2024</a:t>
+              <a:t>12-04-2024</a:t>
             </a:fld>
             <a:endParaRPr lang="en-IN"/>
           </a:p>
@@ -1434,13 +3471,7 @@
       </p:sp>
       <p:sp>
         <p:nvSpPr>
-          <p:cNvPr id="6" name="Footer Placeholder 5">
-            <a:extLst>
-              <a:ext uri="{FF2B5EF4-FFF2-40B4-BE49-F238E27FC236}">
-                <a16:creationId xmlns:a16="http://schemas.microsoft.com/office/drawing/2014/main" id="{DFC466FD-4C01-741E-81AA-CFCFA1F7AC94}"/>
-              </a:ext>
-            </a:extLst>
-          </p:cNvPr>
+          <p:cNvPr id="6" name="Footer Placeholder 5"/>
           <p:cNvSpPr>
             <a:spLocks noGrp="1"/>
           </p:cNvSpPr>
@@ -1459,13 +3490,7 @@
       </p:sp>
       <p:sp>
         <p:nvSpPr>
-          <p:cNvPr id="7" name="Slide Number Placeholder 6">
-            <a:extLst>
-              <a:ext uri="{FF2B5EF4-FFF2-40B4-BE49-F238E27FC236}">
-                <a16:creationId xmlns:a16="http://schemas.microsoft.com/office/drawing/2014/main" id="{8F042074-4DC5-9BDC-C575-B65BA67D591D}"/>
-              </a:ext>
-            </a:extLst>
-          </p:cNvPr>
+          <p:cNvPr id="7" name="Slide Number Placeholder 6"/>
           <p:cNvSpPr>
             <a:spLocks noGrp="1"/>
           </p:cNvSpPr>
@@ -1489,7 +3514,7 @@
     </p:spTree>
     <p:extLst>
       <p:ext uri="{BB962C8B-B14F-4D97-AF65-F5344CB8AC3E}">
-        <p14:creationId xmlns:p14="http://schemas.microsoft.com/office/powerpoint/2010/main" val="3796385999"/>
+        <p14:creationId xmlns:p14="http://schemas.microsoft.com/office/powerpoint/2010/main" val="1773205457"/>
       </p:ext>
     </p:extLst>
   </p:cSld>
@@ -1518,66 +3543,55 @@
       </p:grpSpPr>
       <p:sp>
         <p:nvSpPr>
-          <p:cNvPr id="2" name="Title 1">
-            <a:extLst>
-              <a:ext uri="{FF2B5EF4-FFF2-40B4-BE49-F238E27FC236}">
-                <a16:creationId xmlns:a16="http://schemas.microsoft.com/office/drawing/2014/main" id="{85E6CB3D-E6D8-1A19-6FF6-A949B56F2699}"/>
-              </a:ext>
-            </a:extLst>
-          </p:cNvPr>
+          <p:cNvPr id="2" name="Title 1"/>
           <p:cNvSpPr>
             <a:spLocks noGrp="1"/>
           </p:cNvSpPr>
           <p:nvPr>
             <p:ph type="title"/>
+          </p:nvPr>
+        </p:nvSpPr>
+        <p:spPr/>
+        <p:txBody>
+          <a:bodyPr/>
+          <a:lstStyle>
+            <a:lvl1pPr>
+              <a:defRPr/>
+            </a:lvl1pPr>
+          </a:lstStyle>
+          <a:p>
+            <a:r>
+              <a:rPr lang="en-US"/>
+              <a:t>Click to edit Master title style</a:t>
+            </a:r>
+            <a:endParaRPr lang="en-US" dirty="0"/>
+          </a:p>
+        </p:txBody>
+      </p:sp>
+      <p:sp>
+        <p:nvSpPr>
+          <p:cNvPr id="3" name="Text Placeholder 2"/>
+          <p:cNvSpPr>
+            <a:spLocks noGrp="1"/>
+          </p:cNvSpPr>
+          <p:nvPr>
+            <p:ph type="body" idx="1"/>
           </p:nvPr>
         </p:nvSpPr>
         <p:spPr>
           <a:xfrm>
-            <a:off x="839788" y="365125"/>
-            <a:ext cx="10515600" cy="1325563"/>
+            <a:off x="675745" y="2160983"/>
+            <a:ext cx="4185623" cy="576262"/>
           </a:xfrm>
         </p:spPr>
         <p:txBody>
-          <a:bodyPr/>
-          <a:lstStyle/>
-          <a:p>
-            <a:r>
-              <a:rPr lang="en-US"/>
-              <a:t>Click to edit Master title style</a:t>
-            </a:r>
-            <a:endParaRPr lang="en-IN"/>
-          </a:p>
-        </p:txBody>
-      </p:sp>
-      <p:sp>
-        <p:nvSpPr>
-          <p:cNvPr id="3" name="Text Placeholder 2">
-            <a:extLst>
-              <a:ext uri="{FF2B5EF4-FFF2-40B4-BE49-F238E27FC236}">
-                <a16:creationId xmlns:a16="http://schemas.microsoft.com/office/drawing/2014/main" id="{DE5D73D1-5D68-15B7-7DDA-102ADD7FA753}"/>
-              </a:ext>
-            </a:extLst>
-          </p:cNvPr>
-          <p:cNvSpPr>
-            <a:spLocks noGrp="1"/>
-          </p:cNvSpPr>
-          <p:nvPr>
-            <p:ph type="body" idx="1"/>
-          </p:nvPr>
-        </p:nvSpPr>
-        <p:spPr>
-          <a:xfrm>
-            <a:off x="839788" y="1681163"/>
-            <a:ext cx="5157787" cy="823912"/>
-          </a:xfrm>
-        </p:spPr>
-        <p:txBody>
-          <a:bodyPr anchor="b"/>
+          <a:bodyPr anchor="b">
+            <a:noAutofit/>
+          </a:bodyPr>
           <a:lstStyle>
             <a:lvl1pPr marL="0" indent="0">
               <a:buNone/>
-              <a:defRPr sz="2400" b="1"/>
+              <a:defRPr sz="2400" b="0"/>
             </a:lvl1pPr>
             <a:lvl2pPr marL="457200" indent="0">
               <a:buNone/>
@@ -1623,13 +3637,7 @@
       </p:sp>
       <p:sp>
         <p:nvSpPr>
-          <p:cNvPr id="4" name="Content Placeholder 3">
-            <a:extLst>
-              <a:ext uri="{FF2B5EF4-FFF2-40B4-BE49-F238E27FC236}">
-                <a16:creationId xmlns:a16="http://schemas.microsoft.com/office/drawing/2014/main" id="{C0969C40-1C55-1C64-A4B0-250292F2C2DA}"/>
-              </a:ext>
-            </a:extLst>
-          </p:cNvPr>
+          <p:cNvPr id="4" name="Content Placeholder 3"/>
           <p:cNvSpPr>
             <a:spLocks noGrp="1"/>
           </p:cNvSpPr>
@@ -1639,12 +3647,14 @@
         </p:nvSpPr>
         <p:spPr>
           <a:xfrm>
-            <a:off x="839788" y="2505075"/>
-            <a:ext cx="5157787" cy="3684588"/>
+            <a:off x="675745" y="2737245"/>
+            <a:ext cx="4185623" cy="3304117"/>
           </a:xfrm>
         </p:spPr>
         <p:txBody>
-          <a:bodyPr/>
+          <a:bodyPr>
+            <a:normAutofit/>
+          </a:bodyPr>
           <a:lstStyle/>
           <a:p>
             <a:pPr lvl="0"/>
@@ -1680,19 +3690,13 @@
               <a:rPr lang="en-US"/>
               <a:t>Fifth level</a:t>
             </a:r>
-            <a:endParaRPr lang="en-IN"/>
-          </a:p>
-        </p:txBody>
-      </p:sp>
-      <p:sp>
-        <p:nvSpPr>
-          <p:cNvPr id="5" name="Text Placeholder 4">
-            <a:extLst>
-              <a:ext uri="{FF2B5EF4-FFF2-40B4-BE49-F238E27FC236}">
-                <a16:creationId xmlns:a16="http://schemas.microsoft.com/office/drawing/2014/main" id="{F51755A6-7D64-6C6D-89FB-A627ACC872EC}"/>
-              </a:ext>
-            </a:extLst>
-          </p:cNvPr>
+            <a:endParaRPr lang="en-US" dirty="0"/>
+          </a:p>
+        </p:txBody>
+      </p:sp>
+      <p:sp>
+        <p:nvSpPr>
+          <p:cNvPr id="5" name="Text Placeholder 4"/>
           <p:cNvSpPr>
             <a:spLocks noGrp="1"/>
           </p:cNvSpPr>
@@ -1702,16 +3706,18 @@
         </p:nvSpPr>
         <p:spPr>
           <a:xfrm>
-            <a:off x="6172200" y="1681163"/>
-            <a:ext cx="5183188" cy="823912"/>
+            <a:off x="5088383" y="2160983"/>
+            <a:ext cx="4185618" cy="576262"/>
           </a:xfrm>
         </p:spPr>
         <p:txBody>
-          <a:bodyPr anchor="b"/>
+          <a:bodyPr anchor="b">
+            <a:noAutofit/>
+          </a:bodyPr>
           <a:lstStyle>
             <a:lvl1pPr marL="0" indent="0">
               <a:buNone/>
-              <a:defRPr sz="2400" b="1"/>
+              <a:defRPr sz="2400" b="0"/>
             </a:lvl1pPr>
             <a:lvl2pPr marL="457200" indent="0">
               <a:buNone/>
@@ -1757,13 +3763,7 @@
       </p:sp>
       <p:sp>
         <p:nvSpPr>
-          <p:cNvPr id="6" name="Content Placeholder 5">
-            <a:extLst>
-              <a:ext uri="{FF2B5EF4-FFF2-40B4-BE49-F238E27FC236}">
-                <a16:creationId xmlns:a16="http://schemas.microsoft.com/office/drawing/2014/main" id="{8E1E98DB-DC5B-DAF2-DEC5-33AFC2168EAD}"/>
-              </a:ext>
-            </a:extLst>
-          </p:cNvPr>
+          <p:cNvPr id="6" name="Content Placeholder 5"/>
           <p:cNvSpPr>
             <a:spLocks noGrp="1"/>
           </p:cNvSpPr>
@@ -1773,12 +3773,14 @@
         </p:nvSpPr>
         <p:spPr>
           <a:xfrm>
-            <a:off x="6172200" y="2505075"/>
-            <a:ext cx="5183188" cy="3684588"/>
+            <a:off x="5088384" y="2737245"/>
+            <a:ext cx="4185617" cy="3304117"/>
           </a:xfrm>
         </p:spPr>
         <p:txBody>
-          <a:bodyPr/>
+          <a:bodyPr>
+            <a:normAutofit/>
+          </a:bodyPr>
           <a:lstStyle/>
           <a:p>
             <a:pPr lvl="0"/>
@@ -1814,19 +3816,13 @@
               <a:rPr lang="en-US"/>
               <a:t>Fifth level</a:t>
             </a:r>
-            <a:endParaRPr lang="en-IN"/>
-          </a:p>
-        </p:txBody>
-      </p:sp>
-      <p:sp>
-        <p:nvSpPr>
-          <p:cNvPr id="7" name="Date Placeholder 6">
-            <a:extLst>
-              <a:ext uri="{FF2B5EF4-FFF2-40B4-BE49-F238E27FC236}">
-                <a16:creationId xmlns:a16="http://schemas.microsoft.com/office/drawing/2014/main" id="{3FEB4021-E8D6-B03C-576F-2B7252F209C4}"/>
-              </a:ext>
-            </a:extLst>
-          </p:cNvPr>
+            <a:endParaRPr lang="en-US" dirty="0"/>
+          </a:p>
+        </p:txBody>
+      </p:sp>
+      <p:sp>
+        <p:nvSpPr>
+          <p:cNvPr id="7" name="Date Placeholder 6"/>
           <p:cNvSpPr>
             <a:spLocks noGrp="1"/>
           </p:cNvSpPr>
@@ -1841,7 +3837,7 @@
           <a:p>
             <a:fld id="{57F8BF0D-203D-4113-AFD7-E05C3DB2532E}" type="datetimeFigureOut">
               <a:rPr lang="en-IN" smtClean="0"/>
-              <a:t>10-04-2024</a:t>
+              <a:t>12-04-2024</a:t>
             </a:fld>
             <a:endParaRPr lang="en-IN"/>
           </a:p>
@@ -1849,13 +3845,7 @@
       </p:sp>
       <p:sp>
         <p:nvSpPr>
-          <p:cNvPr id="8" name="Footer Placeholder 7">
-            <a:extLst>
-              <a:ext uri="{FF2B5EF4-FFF2-40B4-BE49-F238E27FC236}">
-                <a16:creationId xmlns:a16="http://schemas.microsoft.com/office/drawing/2014/main" id="{B834AF47-FA3C-25E6-A774-0A15EB3E1380}"/>
-              </a:ext>
-            </a:extLst>
-          </p:cNvPr>
+          <p:cNvPr id="8" name="Footer Placeholder 7"/>
           <p:cNvSpPr>
             <a:spLocks noGrp="1"/>
           </p:cNvSpPr>
@@ -1874,13 +3864,7 @@
       </p:sp>
       <p:sp>
         <p:nvSpPr>
-          <p:cNvPr id="9" name="Slide Number Placeholder 8">
-            <a:extLst>
-              <a:ext uri="{FF2B5EF4-FFF2-40B4-BE49-F238E27FC236}">
-                <a16:creationId xmlns:a16="http://schemas.microsoft.com/office/drawing/2014/main" id="{69ED06A2-90D1-F91E-2EFE-9734C4741811}"/>
-              </a:ext>
-            </a:extLst>
-          </p:cNvPr>
+          <p:cNvPr id="9" name="Slide Number Placeholder 8"/>
           <p:cNvSpPr>
             <a:spLocks noGrp="1"/>
           </p:cNvSpPr>
@@ -1904,7 +3888,7 @@
     </p:spTree>
     <p:extLst>
       <p:ext uri="{BB962C8B-B14F-4D97-AF65-F5344CB8AC3E}">
-        <p14:creationId xmlns:p14="http://schemas.microsoft.com/office/powerpoint/2010/main" val="2259302708"/>
+        <p14:creationId xmlns:p14="http://schemas.microsoft.com/office/powerpoint/2010/main" val="1387022031"/>
       </p:ext>
     </p:extLst>
   </p:cSld>
@@ -1933,13 +3917,7 @@
       </p:grpSpPr>
       <p:sp>
         <p:nvSpPr>
-          <p:cNvPr id="2" name="Title 1">
-            <a:extLst>
-              <a:ext uri="{FF2B5EF4-FFF2-40B4-BE49-F238E27FC236}">
-                <a16:creationId xmlns:a16="http://schemas.microsoft.com/office/drawing/2014/main" id="{956036CA-1090-7822-45A2-ADFD60AB2F3A}"/>
-              </a:ext>
-            </a:extLst>
-          </p:cNvPr>
+          <p:cNvPr id="2" name="Title 1"/>
           <p:cNvSpPr>
             <a:spLocks noGrp="1"/>
           </p:cNvSpPr>
@@ -1947,7 +3925,12 @@
             <p:ph type="title"/>
           </p:nvPr>
         </p:nvSpPr>
-        <p:spPr/>
+        <p:spPr>
+          <a:xfrm>
+            <a:off x="677334" y="609600"/>
+            <a:ext cx="8596668" cy="1320800"/>
+          </a:xfrm>
+        </p:spPr>
         <p:txBody>
           <a:bodyPr/>
           <a:lstStyle/>
@@ -1956,19 +3939,13 @@
               <a:rPr lang="en-US"/>
               <a:t>Click to edit Master title style</a:t>
             </a:r>
-            <a:endParaRPr lang="en-IN"/>
-          </a:p>
-        </p:txBody>
-      </p:sp>
-      <p:sp>
-        <p:nvSpPr>
-          <p:cNvPr id="3" name="Date Placeholder 2">
-            <a:extLst>
-              <a:ext uri="{FF2B5EF4-FFF2-40B4-BE49-F238E27FC236}">
-                <a16:creationId xmlns:a16="http://schemas.microsoft.com/office/drawing/2014/main" id="{F4E22484-081F-78FD-443F-3EEBAA3117C1}"/>
-              </a:ext>
-            </a:extLst>
-          </p:cNvPr>
+            <a:endParaRPr lang="en-US" dirty="0"/>
+          </a:p>
+        </p:txBody>
+      </p:sp>
+      <p:sp>
+        <p:nvSpPr>
+          <p:cNvPr id="3" name="Date Placeholder 2"/>
           <p:cNvSpPr>
             <a:spLocks noGrp="1"/>
           </p:cNvSpPr>
@@ -1983,7 +3960,7 @@
           <a:p>
             <a:fld id="{57F8BF0D-203D-4113-AFD7-E05C3DB2532E}" type="datetimeFigureOut">
               <a:rPr lang="en-IN" smtClean="0"/>
-              <a:t>10-04-2024</a:t>
+              <a:t>12-04-2024</a:t>
             </a:fld>
             <a:endParaRPr lang="en-IN"/>
           </a:p>
@@ -1991,13 +3968,7 @@
       </p:sp>
       <p:sp>
         <p:nvSpPr>
-          <p:cNvPr id="4" name="Footer Placeholder 3">
-            <a:extLst>
-              <a:ext uri="{FF2B5EF4-FFF2-40B4-BE49-F238E27FC236}">
-                <a16:creationId xmlns:a16="http://schemas.microsoft.com/office/drawing/2014/main" id="{EFBD0A5C-7568-2B59-DE86-70FD8E21E518}"/>
-              </a:ext>
-            </a:extLst>
-          </p:cNvPr>
+          <p:cNvPr id="4" name="Footer Placeholder 3"/>
           <p:cNvSpPr>
             <a:spLocks noGrp="1"/>
           </p:cNvSpPr>
@@ -2016,13 +3987,7 @@
       </p:sp>
       <p:sp>
         <p:nvSpPr>
-          <p:cNvPr id="5" name="Slide Number Placeholder 4">
-            <a:extLst>
-              <a:ext uri="{FF2B5EF4-FFF2-40B4-BE49-F238E27FC236}">
-                <a16:creationId xmlns:a16="http://schemas.microsoft.com/office/drawing/2014/main" id="{998F7945-CC89-763C-E21D-DF7584359FA5}"/>
-              </a:ext>
-            </a:extLst>
-          </p:cNvPr>
+          <p:cNvPr id="5" name="Slide Number Placeholder 4"/>
           <p:cNvSpPr>
             <a:spLocks noGrp="1"/>
           </p:cNvSpPr>
@@ -2046,7 +4011,7 @@
     </p:spTree>
     <p:extLst>
       <p:ext uri="{BB962C8B-B14F-4D97-AF65-F5344CB8AC3E}">
-        <p14:creationId xmlns:p14="http://schemas.microsoft.com/office/powerpoint/2010/main" val="3830723253"/>
+        <p14:creationId xmlns:p14="http://schemas.microsoft.com/office/powerpoint/2010/main" val="3434772614"/>
       </p:ext>
     </p:extLst>
   </p:cSld>
@@ -2075,13 +4040,7 @@
       </p:grpSpPr>
       <p:sp>
         <p:nvSpPr>
-          <p:cNvPr id="2" name="Date Placeholder 1">
-            <a:extLst>
-              <a:ext uri="{FF2B5EF4-FFF2-40B4-BE49-F238E27FC236}">
-                <a16:creationId xmlns:a16="http://schemas.microsoft.com/office/drawing/2014/main" id="{AF470729-B596-F935-DFAC-D006AA5AF043}"/>
-              </a:ext>
-            </a:extLst>
-          </p:cNvPr>
+          <p:cNvPr id="2" name="Date Placeholder 1"/>
           <p:cNvSpPr>
             <a:spLocks noGrp="1"/>
           </p:cNvSpPr>
@@ -2096,7 +4055,7 @@
           <a:p>
             <a:fld id="{57F8BF0D-203D-4113-AFD7-E05C3DB2532E}" type="datetimeFigureOut">
               <a:rPr lang="en-IN" smtClean="0"/>
-              <a:t>10-04-2024</a:t>
+              <a:t>12-04-2024</a:t>
             </a:fld>
             <a:endParaRPr lang="en-IN"/>
           </a:p>
@@ -2104,13 +4063,7 @@
       </p:sp>
       <p:sp>
         <p:nvSpPr>
-          <p:cNvPr id="3" name="Footer Placeholder 2">
-            <a:extLst>
-              <a:ext uri="{FF2B5EF4-FFF2-40B4-BE49-F238E27FC236}">
-                <a16:creationId xmlns:a16="http://schemas.microsoft.com/office/drawing/2014/main" id="{A7913EC4-FCF3-B46A-24B8-A509AF06E918}"/>
-              </a:ext>
-            </a:extLst>
-          </p:cNvPr>
+          <p:cNvPr id="3" name="Footer Placeholder 2"/>
           <p:cNvSpPr>
             <a:spLocks noGrp="1"/>
           </p:cNvSpPr>
@@ -2129,13 +4082,7 @@
       </p:sp>
       <p:sp>
         <p:nvSpPr>
-          <p:cNvPr id="4" name="Slide Number Placeholder 3">
-            <a:extLst>
-              <a:ext uri="{FF2B5EF4-FFF2-40B4-BE49-F238E27FC236}">
-                <a16:creationId xmlns:a16="http://schemas.microsoft.com/office/drawing/2014/main" id="{2E84F417-1920-A69F-FB43-590D4DA4520E}"/>
-              </a:ext>
-            </a:extLst>
-          </p:cNvPr>
+          <p:cNvPr id="4" name="Slide Number Placeholder 3"/>
           <p:cNvSpPr>
             <a:spLocks noGrp="1"/>
           </p:cNvSpPr>
@@ -2159,7 +4106,7 @@
     </p:spTree>
     <p:extLst>
       <p:ext uri="{BB962C8B-B14F-4D97-AF65-F5344CB8AC3E}">
-        <p14:creationId xmlns:p14="http://schemas.microsoft.com/office/powerpoint/2010/main" val="720725951"/>
+        <p14:creationId xmlns:p14="http://schemas.microsoft.com/office/powerpoint/2010/main" val="3739687403"/>
       </p:ext>
     </p:extLst>
   </p:cSld>
@@ -2188,13 +4135,7 @@
       </p:grpSpPr>
       <p:sp>
         <p:nvSpPr>
-          <p:cNvPr id="2" name="Title 1">
-            <a:extLst>
-              <a:ext uri="{FF2B5EF4-FFF2-40B4-BE49-F238E27FC236}">
-                <a16:creationId xmlns:a16="http://schemas.microsoft.com/office/drawing/2014/main" id="{8D5871C2-7432-6B42-A4DB-CA432C6A7A89}"/>
-              </a:ext>
-            </a:extLst>
-          </p:cNvPr>
+          <p:cNvPr id="2" name="Title 1"/>
           <p:cNvSpPr>
             <a:spLocks noGrp="1"/>
           </p:cNvSpPr>
@@ -2204,15 +4145,17 @@
         </p:nvSpPr>
         <p:spPr>
           <a:xfrm>
-            <a:off x="839788" y="457200"/>
-            <a:ext cx="3932237" cy="1600200"/>
+            <a:off x="677334" y="1498604"/>
+            <a:ext cx="3854528" cy="1278466"/>
           </a:xfrm>
         </p:spPr>
         <p:txBody>
-          <a:bodyPr anchor="b"/>
+          <a:bodyPr anchor="b">
+            <a:normAutofit/>
+          </a:bodyPr>
           <a:lstStyle>
             <a:lvl1pPr>
-              <a:defRPr sz="3200"/>
+              <a:defRPr sz="2000"/>
             </a:lvl1pPr>
           </a:lstStyle>
           <a:p>
@@ -2220,19 +4163,13 @@
               <a:rPr lang="en-US"/>
               <a:t>Click to edit Master title style</a:t>
             </a:r>
-            <a:endParaRPr lang="en-IN"/>
-          </a:p>
-        </p:txBody>
-      </p:sp>
-      <p:sp>
-        <p:nvSpPr>
-          <p:cNvPr id="3" name="Content Placeholder 2">
-            <a:extLst>
-              <a:ext uri="{FF2B5EF4-FFF2-40B4-BE49-F238E27FC236}">
-                <a16:creationId xmlns:a16="http://schemas.microsoft.com/office/drawing/2014/main" id="{44BD2763-37A6-4B2C-F83B-F8A18FDC80B1}"/>
-              </a:ext>
-            </a:extLst>
-          </p:cNvPr>
+            <a:endParaRPr lang="en-US" dirty="0"/>
+          </a:p>
+        </p:txBody>
+      </p:sp>
+      <p:sp>
+        <p:nvSpPr>
+          <p:cNvPr id="3" name="Content Placeholder 2"/>
           <p:cNvSpPr>
             <a:spLocks noGrp="1"/>
           </p:cNvSpPr>
@@ -2242,41 +4179,15 @@
         </p:nvSpPr>
         <p:spPr>
           <a:xfrm>
-            <a:off x="5183188" y="987425"/>
-            <a:ext cx="6172200" cy="4873625"/>
+            <a:off x="4760461" y="514924"/>
+            <a:ext cx="4513541" cy="5526437"/>
           </a:xfrm>
         </p:spPr>
         <p:txBody>
-          <a:bodyPr/>
-          <a:lstStyle>
-            <a:lvl1pPr>
-              <a:defRPr sz="3200"/>
-            </a:lvl1pPr>
-            <a:lvl2pPr>
-              <a:defRPr sz="2800"/>
-            </a:lvl2pPr>
-            <a:lvl3pPr>
-              <a:defRPr sz="2400"/>
-            </a:lvl3pPr>
-            <a:lvl4pPr>
-              <a:defRPr sz="2000"/>
-            </a:lvl4pPr>
-            <a:lvl5pPr>
-              <a:defRPr sz="2000"/>
-            </a:lvl5pPr>
-            <a:lvl6pPr>
-              <a:defRPr sz="2000"/>
-            </a:lvl6pPr>
-            <a:lvl7pPr>
-              <a:defRPr sz="2000"/>
-            </a:lvl7pPr>
-            <a:lvl8pPr>
-              <a:defRPr sz="2000"/>
-            </a:lvl8pPr>
-            <a:lvl9pPr>
-              <a:defRPr sz="2000"/>
-            </a:lvl9pPr>
-          </a:lstStyle>
+          <a:bodyPr>
+            <a:normAutofit/>
+          </a:bodyPr>
+          <a:lstStyle/>
           <a:p>
             <a:pPr lvl="0"/>
             <a:r>
@@ -2311,19 +4222,13 @@
               <a:rPr lang="en-US"/>
               <a:t>Fifth level</a:t>
             </a:r>
-            <a:endParaRPr lang="en-IN"/>
-          </a:p>
-        </p:txBody>
-      </p:sp>
-      <p:sp>
-        <p:nvSpPr>
-          <p:cNvPr id="4" name="Text Placeholder 3">
-            <a:extLst>
-              <a:ext uri="{FF2B5EF4-FFF2-40B4-BE49-F238E27FC236}">
-                <a16:creationId xmlns:a16="http://schemas.microsoft.com/office/drawing/2014/main" id="{E05D2615-4ED2-7F2C-CBCC-FBC84431F67F}"/>
-              </a:ext>
-            </a:extLst>
-          </p:cNvPr>
+            <a:endParaRPr lang="en-US" dirty="0"/>
+          </a:p>
+        </p:txBody>
+      </p:sp>
+      <p:sp>
+        <p:nvSpPr>
+          <p:cNvPr id="4" name="Text Placeholder 3"/>
           <p:cNvSpPr>
             <a:spLocks noGrp="1"/>
           </p:cNvSpPr>
@@ -2333,46 +4238,48 @@
         </p:nvSpPr>
         <p:spPr>
           <a:xfrm>
-            <a:off x="839788" y="2057400"/>
-            <a:ext cx="3932237" cy="3811588"/>
+            <a:off x="677334" y="2777069"/>
+            <a:ext cx="3854528" cy="2584449"/>
           </a:xfrm>
         </p:spPr>
         <p:txBody>
-          <a:bodyPr/>
+          <a:bodyPr>
+            <a:normAutofit/>
+          </a:bodyPr>
           <a:lstStyle>
             <a:lvl1pPr marL="0" indent="0">
               <a:buNone/>
-              <a:defRPr sz="1600"/>
+              <a:defRPr sz="1400"/>
             </a:lvl1pPr>
-            <a:lvl2pPr marL="457200" indent="0">
+            <a:lvl2pPr marL="457063" indent="0">
               <a:buNone/>
               <a:defRPr sz="1400"/>
             </a:lvl2pPr>
-            <a:lvl3pPr marL="914400" indent="0">
+            <a:lvl3pPr marL="914126" indent="0">
               <a:buNone/>
               <a:defRPr sz="1200"/>
             </a:lvl3pPr>
-            <a:lvl4pPr marL="1371600" indent="0">
+            <a:lvl4pPr marL="1371189" indent="0">
               <a:buNone/>
               <a:defRPr sz="1000"/>
             </a:lvl4pPr>
-            <a:lvl5pPr marL="1828800" indent="0">
+            <a:lvl5pPr marL="1828251" indent="0">
               <a:buNone/>
               <a:defRPr sz="1000"/>
             </a:lvl5pPr>
-            <a:lvl6pPr marL="2286000" indent="0">
+            <a:lvl6pPr marL="2285314" indent="0">
               <a:buNone/>
               <a:defRPr sz="1000"/>
             </a:lvl6pPr>
-            <a:lvl7pPr marL="2743200" indent="0">
+            <a:lvl7pPr marL="2742377" indent="0">
               <a:buNone/>
               <a:defRPr sz="1000"/>
             </a:lvl7pPr>
-            <a:lvl8pPr marL="3200400" indent="0">
+            <a:lvl8pPr marL="3199440" indent="0">
               <a:buNone/>
               <a:defRPr sz="1000"/>
             </a:lvl8pPr>
-            <a:lvl9pPr marL="3657600" indent="0">
+            <a:lvl9pPr marL="3656503" indent="0">
               <a:buNone/>
               <a:defRPr sz="1000"/>
             </a:lvl9pPr>
@@ -2388,13 +4295,7 @@
       </p:sp>
       <p:sp>
         <p:nvSpPr>
-          <p:cNvPr id="5" name="Date Placeholder 4">
-            <a:extLst>
-              <a:ext uri="{FF2B5EF4-FFF2-40B4-BE49-F238E27FC236}">
-                <a16:creationId xmlns:a16="http://schemas.microsoft.com/office/drawing/2014/main" id="{E09F1467-BFC1-C5BC-3EB9-4A71B28639B1}"/>
-              </a:ext>
-            </a:extLst>
-          </p:cNvPr>
+          <p:cNvPr id="5" name="Date Placeholder 4"/>
           <p:cNvSpPr>
             <a:spLocks noGrp="1"/>
           </p:cNvSpPr>
@@ -2409,7 +4310,7 @@
           <a:p>
             <a:fld id="{57F8BF0D-203D-4113-AFD7-E05C3DB2532E}" type="datetimeFigureOut">
               <a:rPr lang="en-IN" smtClean="0"/>
-              <a:t>10-04-2024</a:t>
+              <a:t>12-04-2024</a:t>
             </a:fld>
             <a:endParaRPr lang="en-IN"/>
           </a:p>
@@ -2417,13 +4318,7 @@
       </p:sp>
       <p:sp>
         <p:nvSpPr>
-          <p:cNvPr id="6" name="Footer Placeholder 5">
-            <a:extLst>
-              <a:ext uri="{FF2B5EF4-FFF2-40B4-BE49-F238E27FC236}">
-                <a16:creationId xmlns:a16="http://schemas.microsoft.com/office/drawing/2014/main" id="{61A82EAD-AAF1-5C2A-123C-0322B8DF44FF}"/>
-              </a:ext>
-            </a:extLst>
-          </p:cNvPr>
+          <p:cNvPr id="6" name="Footer Placeholder 5"/>
           <p:cNvSpPr>
             <a:spLocks noGrp="1"/>
           </p:cNvSpPr>
@@ -2442,13 +4337,7 @@
       </p:sp>
       <p:sp>
         <p:nvSpPr>
-          <p:cNvPr id="7" name="Slide Number Placeholder 6">
-            <a:extLst>
-              <a:ext uri="{FF2B5EF4-FFF2-40B4-BE49-F238E27FC236}">
-                <a16:creationId xmlns:a16="http://schemas.microsoft.com/office/drawing/2014/main" id="{0FBFFA1F-15FD-5173-16AC-FEAC6F7EE122}"/>
-              </a:ext>
-            </a:extLst>
-          </p:cNvPr>
+          <p:cNvPr id="7" name="Slide Number Placeholder 6"/>
           <p:cNvSpPr>
             <a:spLocks noGrp="1"/>
           </p:cNvSpPr>
@@ -2472,7 +4361,7 @@
     </p:spTree>
     <p:extLst>
       <p:ext uri="{BB962C8B-B14F-4D97-AF65-F5344CB8AC3E}">
-        <p14:creationId xmlns:p14="http://schemas.microsoft.com/office/powerpoint/2010/main" val="1504927678"/>
+        <p14:creationId xmlns:p14="http://schemas.microsoft.com/office/powerpoint/2010/main" val="2708729356"/>
       </p:ext>
     </p:extLst>
   </p:cSld>
@@ -2501,13 +4390,7 @@
       </p:grpSpPr>
       <p:sp>
         <p:nvSpPr>
-          <p:cNvPr id="2" name="Title 1">
-            <a:extLst>
-              <a:ext uri="{FF2B5EF4-FFF2-40B4-BE49-F238E27FC236}">
-                <a16:creationId xmlns:a16="http://schemas.microsoft.com/office/drawing/2014/main" id="{B0199A10-FD8A-C130-A5E5-20FD8CC5EE3E}"/>
-              </a:ext>
-            </a:extLst>
-          </p:cNvPr>
+          <p:cNvPr id="2" name="Title 1"/>
           <p:cNvSpPr>
             <a:spLocks noGrp="1"/>
           </p:cNvSpPr>
@@ -2517,15 +4400,17 @@
         </p:nvSpPr>
         <p:spPr>
           <a:xfrm>
-            <a:off x="839788" y="457200"/>
-            <a:ext cx="3932237" cy="1600200"/>
+            <a:off x="677334" y="4800600"/>
+            <a:ext cx="8596667" cy="566738"/>
           </a:xfrm>
         </p:spPr>
         <p:txBody>
-          <a:bodyPr anchor="b"/>
+          <a:bodyPr anchor="b">
+            <a:normAutofit/>
+          </a:bodyPr>
           <a:lstStyle>
-            <a:lvl1pPr>
-              <a:defRPr sz="3200"/>
+            <a:lvl1pPr algn="l">
+              <a:defRPr sz="2400" b="0"/>
             </a:lvl1pPr>
           </a:lstStyle>
           <a:p>
@@ -2533,21 +4418,15 @@
               <a:rPr lang="en-US"/>
               <a:t>Click to edit Master title style</a:t>
             </a:r>
-            <a:endParaRPr lang="en-IN"/>
-          </a:p>
-        </p:txBody>
-      </p:sp>
-      <p:sp>
-        <p:nvSpPr>
-          <p:cNvPr id="3" name="Picture Placeholder 2">
-            <a:extLst>
-              <a:ext uri="{FF2B5EF4-FFF2-40B4-BE49-F238E27FC236}">
-                <a16:creationId xmlns:a16="http://schemas.microsoft.com/office/drawing/2014/main" id="{3C8A29D6-0FEC-1AF8-2D57-E02F2E74DBAF}"/>
-              </a:ext>
-            </a:extLst>
-          </p:cNvPr>
-          <p:cNvSpPr>
-            <a:spLocks noGrp="1"/>
+            <a:endParaRPr lang="en-US" dirty="0"/>
+          </a:p>
+        </p:txBody>
+      </p:sp>
+      <p:sp>
+        <p:nvSpPr>
+          <p:cNvPr id="3" name="Picture Placeholder 2"/>
+          <p:cNvSpPr>
+            <a:spLocks noGrp="1" noChangeAspect="1"/>
           </p:cNvSpPr>
           <p:nvPr>
             <p:ph type="pic" idx="1"/>
@@ -2555,118 +4434,120 @@
         </p:nvSpPr>
         <p:spPr>
           <a:xfrm>
-            <a:off x="5183188" y="987425"/>
-            <a:ext cx="6172200" cy="4873625"/>
+            <a:off x="677334" y="609600"/>
+            <a:ext cx="8596668" cy="3845718"/>
           </a:xfrm>
         </p:spPr>
         <p:txBody>
-          <a:bodyPr/>
+          <a:bodyPr anchor="t">
+            <a:normAutofit/>
+          </a:bodyPr>
           <a:lstStyle>
-            <a:lvl1pPr marL="0" indent="0">
-              <a:buNone/>
-              <a:defRPr sz="3200"/>
-            </a:lvl1pPr>
-            <a:lvl2pPr marL="457200" indent="0">
-              <a:buNone/>
-              <a:defRPr sz="2800"/>
-            </a:lvl2pPr>
-            <a:lvl3pPr marL="914400" indent="0">
-              <a:buNone/>
-              <a:defRPr sz="2400"/>
-            </a:lvl3pPr>
-            <a:lvl4pPr marL="1371600" indent="0">
-              <a:buNone/>
-              <a:defRPr sz="2000"/>
-            </a:lvl4pPr>
-            <a:lvl5pPr marL="1828800" indent="0">
-              <a:buNone/>
-              <a:defRPr sz="2000"/>
-            </a:lvl5pPr>
-            <a:lvl6pPr marL="2286000" indent="0">
-              <a:buNone/>
-              <a:defRPr sz="2000"/>
-            </a:lvl6pPr>
-            <a:lvl7pPr marL="2743200" indent="0">
-              <a:buNone/>
-              <a:defRPr sz="2000"/>
-            </a:lvl7pPr>
-            <a:lvl8pPr marL="3200400" indent="0">
-              <a:buNone/>
-              <a:defRPr sz="2000"/>
-            </a:lvl8pPr>
-            <a:lvl9pPr marL="3657600" indent="0">
-              <a:buNone/>
-              <a:defRPr sz="2000"/>
-            </a:lvl9pPr>
-          </a:lstStyle>
-          <a:p>
-            <a:endParaRPr lang="en-IN"/>
-          </a:p>
-        </p:txBody>
-      </p:sp>
-      <p:sp>
-        <p:nvSpPr>
-          <p:cNvPr id="4" name="Text Placeholder 3">
-            <a:extLst>
-              <a:ext uri="{FF2B5EF4-FFF2-40B4-BE49-F238E27FC236}">
-                <a16:creationId xmlns:a16="http://schemas.microsoft.com/office/drawing/2014/main" id="{A0A1B749-D143-AEB3-1E31-E4F782DC78C5}"/>
-              </a:ext>
-            </a:extLst>
-          </p:cNvPr>
-          <p:cNvSpPr>
-            <a:spLocks noGrp="1"/>
-          </p:cNvSpPr>
-          <p:nvPr>
-            <p:ph type="body" sz="half" idx="2"/>
-          </p:nvPr>
-        </p:nvSpPr>
-        <p:spPr>
-          <a:xfrm>
-            <a:off x="839788" y="2057400"/>
-            <a:ext cx="3932237" cy="3811588"/>
-          </a:xfrm>
-        </p:spPr>
-        <p:txBody>
-          <a:bodyPr/>
-          <a:lstStyle>
-            <a:lvl1pPr marL="0" indent="0">
+            <a:lvl1pPr marL="0" indent="0" algn="ctr">
               <a:buNone/>
               <a:defRPr sz="1600"/>
             </a:lvl1pPr>
             <a:lvl2pPr marL="457200" indent="0">
               <a:buNone/>
-              <a:defRPr sz="1400"/>
+              <a:defRPr sz="1600"/>
             </a:lvl2pPr>
             <a:lvl3pPr marL="914400" indent="0">
               <a:buNone/>
-              <a:defRPr sz="1200"/>
+              <a:defRPr sz="1600"/>
             </a:lvl3pPr>
             <a:lvl4pPr marL="1371600" indent="0">
               <a:buNone/>
-              <a:defRPr sz="1000"/>
+              <a:defRPr sz="1600"/>
             </a:lvl4pPr>
             <a:lvl5pPr marL="1828800" indent="0">
               <a:buNone/>
-              <a:defRPr sz="1000"/>
+              <a:defRPr sz="1600"/>
             </a:lvl5pPr>
             <a:lvl6pPr marL="2286000" indent="0">
               <a:buNone/>
-              <a:defRPr sz="1000"/>
+              <a:defRPr sz="1600"/>
             </a:lvl6pPr>
             <a:lvl7pPr marL="2743200" indent="0">
               <a:buNone/>
-              <a:defRPr sz="1000"/>
+              <a:defRPr sz="1600"/>
             </a:lvl7pPr>
             <a:lvl8pPr marL="3200400" indent="0">
               <a:buNone/>
-              <a:defRPr sz="1000"/>
+              <a:defRPr sz="1600"/>
             </a:lvl8pPr>
             <a:lvl9pPr marL="3657600" indent="0">
               <a:buNone/>
-              <a:defRPr sz="1000"/>
+              <a:defRPr sz="1600"/>
             </a:lvl9pPr>
           </a:lstStyle>
           <a:p>
+            <a:r>
+              <a:rPr lang="en-US"/>
+              <a:t>Click icon to add picture</a:t>
+            </a:r>
+            <a:endParaRPr lang="en-US" dirty="0"/>
+          </a:p>
+        </p:txBody>
+      </p:sp>
+      <p:sp>
+        <p:nvSpPr>
+          <p:cNvPr id="4" name="Text Placeholder 3"/>
+          <p:cNvSpPr>
+            <a:spLocks noGrp="1"/>
+          </p:cNvSpPr>
+          <p:nvPr>
+            <p:ph type="body" sz="half" idx="2"/>
+          </p:nvPr>
+        </p:nvSpPr>
+        <p:spPr>
+          <a:xfrm>
+            <a:off x="677334" y="5367338"/>
+            <a:ext cx="8596667" cy="674024"/>
+          </a:xfrm>
+        </p:spPr>
+        <p:txBody>
+          <a:bodyPr>
+            <a:normAutofit/>
+          </a:bodyPr>
+          <a:lstStyle>
+            <a:lvl1pPr marL="0" indent="0">
+              <a:buNone/>
+              <a:defRPr sz="1200"/>
+            </a:lvl1pPr>
+            <a:lvl2pPr marL="457200" indent="0">
+              <a:buNone/>
+              <a:defRPr sz="1200"/>
+            </a:lvl2pPr>
+            <a:lvl3pPr marL="914400" indent="0">
+              <a:buNone/>
+              <a:defRPr sz="1000"/>
+            </a:lvl3pPr>
+            <a:lvl4pPr marL="1371600" indent="0">
+              <a:buNone/>
+              <a:defRPr sz="900"/>
+            </a:lvl4pPr>
+            <a:lvl5pPr marL="1828800" indent="0">
+              <a:buNone/>
+              <a:defRPr sz="900"/>
+            </a:lvl5pPr>
+            <a:lvl6pPr marL="2286000" indent="0">
+              <a:buNone/>
+              <a:defRPr sz="900"/>
+            </a:lvl6pPr>
+            <a:lvl7pPr marL="2743200" indent="0">
+              <a:buNone/>
+              <a:defRPr sz="900"/>
+            </a:lvl7pPr>
+            <a:lvl8pPr marL="3200400" indent="0">
+              <a:buNone/>
+              <a:defRPr sz="900"/>
+            </a:lvl8pPr>
+            <a:lvl9pPr marL="3657600" indent="0">
+              <a:buNone/>
+              <a:defRPr sz="900"/>
+            </a:lvl9pPr>
+          </a:lstStyle>
+          <a:p>
             <a:pPr lvl="0"/>
             <a:r>
               <a:rPr lang="en-US"/>
@@ -2677,13 +4558,7 @@
       </p:sp>
       <p:sp>
         <p:nvSpPr>
-          <p:cNvPr id="5" name="Date Placeholder 4">
-            <a:extLst>
-              <a:ext uri="{FF2B5EF4-FFF2-40B4-BE49-F238E27FC236}">
-                <a16:creationId xmlns:a16="http://schemas.microsoft.com/office/drawing/2014/main" id="{230B2D35-0856-2437-6FB8-F82B8201FC78}"/>
-              </a:ext>
-            </a:extLst>
-          </p:cNvPr>
+          <p:cNvPr id="5" name="Date Placeholder 4"/>
           <p:cNvSpPr>
             <a:spLocks noGrp="1"/>
           </p:cNvSpPr>
@@ -2698,7 +4573,7 @@
           <a:p>
             <a:fld id="{57F8BF0D-203D-4113-AFD7-E05C3DB2532E}" type="datetimeFigureOut">
               <a:rPr lang="en-IN" smtClean="0"/>
-              <a:t>10-04-2024</a:t>
+              <a:t>12-04-2024</a:t>
             </a:fld>
             <a:endParaRPr lang="en-IN"/>
           </a:p>
@@ -2706,13 +4581,7 @@
       </p:sp>
       <p:sp>
         <p:nvSpPr>
-          <p:cNvPr id="6" name="Footer Placeholder 5">
-            <a:extLst>
-              <a:ext uri="{FF2B5EF4-FFF2-40B4-BE49-F238E27FC236}">
-                <a16:creationId xmlns:a16="http://schemas.microsoft.com/office/drawing/2014/main" id="{0DD8898D-556E-8E19-4823-06C391D395F8}"/>
-              </a:ext>
-            </a:extLst>
-          </p:cNvPr>
+          <p:cNvPr id="6" name="Footer Placeholder 5"/>
           <p:cNvSpPr>
             <a:spLocks noGrp="1"/>
           </p:cNvSpPr>
@@ -2731,13 +4600,7 @@
       </p:sp>
       <p:sp>
         <p:nvSpPr>
-          <p:cNvPr id="7" name="Slide Number Placeholder 6">
-            <a:extLst>
-              <a:ext uri="{FF2B5EF4-FFF2-40B4-BE49-F238E27FC236}">
-                <a16:creationId xmlns:a16="http://schemas.microsoft.com/office/drawing/2014/main" id="{04A0043B-535B-4E1C-454E-6BD660E72E63}"/>
-              </a:ext>
-            </a:extLst>
-          </p:cNvPr>
+          <p:cNvPr id="7" name="Slide Number Placeholder 6"/>
           <p:cNvSpPr>
             <a:spLocks noGrp="1"/>
           </p:cNvSpPr>
@@ -2761,7 +4624,7 @@
     </p:spTree>
     <p:extLst>
       <p:ext uri="{BB962C8B-B14F-4D97-AF65-F5344CB8AC3E}">
-        <p14:creationId xmlns:p14="http://schemas.microsoft.com/office/powerpoint/2010/main" val="1488355458"/>
+        <p14:creationId xmlns:p14="http://schemas.microsoft.com/office/powerpoint/2010/main" val="2722148060"/>
       </p:ext>
     </p:extLst>
   </p:cSld>
@@ -2793,15 +4656,539 @@
           <a:chExt cx="0" cy="0"/>
         </a:xfrm>
       </p:grpSpPr>
-      <p:sp>
-        <p:nvSpPr>
-          <p:cNvPr id="2" name="Title Placeholder 1">
-            <a:extLst>
-              <a:ext uri="{FF2B5EF4-FFF2-40B4-BE49-F238E27FC236}">
-                <a16:creationId xmlns:a16="http://schemas.microsoft.com/office/drawing/2014/main" id="{61E4C4C3-0673-8C39-8AD8-61D5E74848BD}"/>
-              </a:ext>
-            </a:extLst>
-          </p:cNvPr>
+      <p:grpSp>
+        <p:nvGrpSpPr>
+          <p:cNvPr id="7" name="Group 6"/>
+          <p:cNvGrpSpPr/>
+          <p:nvPr/>
+        </p:nvGrpSpPr>
+        <p:grpSpPr>
+          <a:xfrm>
+            <a:off x="0" y="-8467"/>
+            <a:ext cx="12192000" cy="6866467"/>
+            <a:chOff x="0" y="-8467"/>
+            <a:chExt cx="12192000" cy="6866467"/>
+          </a:xfrm>
+        </p:grpSpPr>
+        <p:cxnSp>
+          <p:nvCxnSpPr>
+            <p:cNvPr id="20" name="Straight Connector 19"/>
+            <p:cNvCxnSpPr/>
+            <p:nvPr/>
+          </p:nvCxnSpPr>
+          <p:spPr>
+            <a:xfrm>
+              <a:off x="9371012" y="0"/>
+              <a:ext cx="1219200" cy="6858000"/>
+            </a:xfrm>
+            <a:prstGeom prst="line">
+              <a:avLst/>
+            </a:prstGeom>
+            <a:ln w="9525">
+              <a:solidFill>
+                <a:schemeClr val="bg1">
+                  <a:lumMod val="75000"/>
+                </a:schemeClr>
+              </a:solidFill>
+            </a:ln>
+          </p:spPr>
+          <p:style>
+            <a:lnRef idx="2">
+              <a:schemeClr val="accent1"/>
+            </a:lnRef>
+            <a:fillRef idx="0">
+              <a:schemeClr val="accent1"/>
+            </a:fillRef>
+            <a:effectRef idx="1">
+              <a:schemeClr val="accent1"/>
+            </a:effectRef>
+            <a:fontRef idx="minor">
+              <a:schemeClr val="tx1"/>
+            </a:fontRef>
+          </p:style>
+        </p:cxnSp>
+        <p:cxnSp>
+          <p:nvCxnSpPr>
+            <p:cNvPr id="21" name="Straight Connector 20"/>
+            <p:cNvCxnSpPr/>
+            <p:nvPr/>
+          </p:nvCxnSpPr>
+          <p:spPr>
+            <a:xfrm flipH="1">
+              <a:off x="7425267" y="3681413"/>
+              <a:ext cx="4763558" cy="3176587"/>
+            </a:xfrm>
+            <a:prstGeom prst="line">
+              <a:avLst/>
+            </a:prstGeom>
+            <a:ln w="9525">
+              <a:solidFill>
+                <a:schemeClr val="bg1">
+                  <a:lumMod val="85000"/>
+                </a:schemeClr>
+              </a:solidFill>
+            </a:ln>
+          </p:spPr>
+          <p:style>
+            <a:lnRef idx="2">
+              <a:schemeClr val="accent1"/>
+            </a:lnRef>
+            <a:fillRef idx="0">
+              <a:schemeClr val="accent1"/>
+            </a:fillRef>
+            <a:effectRef idx="1">
+              <a:schemeClr val="accent1"/>
+            </a:effectRef>
+            <a:fontRef idx="minor">
+              <a:schemeClr val="tx1"/>
+            </a:fontRef>
+          </p:style>
+        </p:cxnSp>
+        <p:sp>
+          <p:nvSpPr>
+            <p:cNvPr id="22" name="Rectangle 23"/>
+            <p:cNvSpPr/>
+            <p:nvPr/>
+          </p:nvSpPr>
+          <p:spPr>
+            <a:xfrm>
+              <a:off x="9181476" y="-8467"/>
+              <a:ext cx="3007349" cy="6866467"/>
+            </a:xfrm>
+            <a:custGeom>
+              <a:avLst/>
+              <a:gdLst/>
+              <a:ahLst/>
+              <a:cxnLst/>
+              <a:rect l="l" t="t" r="r" b="b"/>
+              <a:pathLst>
+                <a:path w="3007349" h="6866467">
+                  <a:moveTo>
+                    <a:pt x="2045532" y="0"/>
+                  </a:moveTo>
+                  <a:lnTo>
+                    <a:pt x="3007349" y="0"/>
+                  </a:lnTo>
+                  <a:lnTo>
+                    <a:pt x="3007349" y="6866467"/>
+                  </a:lnTo>
+                  <a:lnTo>
+                    <a:pt x="0" y="6866467"/>
+                  </a:lnTo>
+                  <a:lnTo>
+                    <a:pt x="2045532" y="0"/>
+                  </a:lnTo>
+                  <a:close/>
+                </a:path>
+              </a:pathLst>
+            </a:custGeom>
+            <a:solidFill>
+              <a:schemeClr val="accent1">
+                <a:alpha val="30000"/>
+              </a:schemeClr>
+            </a:solidFill>
+            <a:ln>
+              <a:noFill/>
+            </a:ln>
+            <a:effectLst/>
+          </p:spPr>
+          <p:style>
+            <a:lnRef idx="1">
+              <a:schemeClr val="accent1"/>
+            </a:lnRef>
+            <a:fillRef idx="3">
+              <a:schemeClr val="accent1"/>
+            </a:fillRef>
+            <a:effectRef idx="2">
+              <a:schemeClr val="accent1"/>
+            </a:effectRef>
+            <a:fontRef idx="minor">
+              <a:schemeClr val="lt1"/>
+            </a:fontRef>
+          </p:style>
+        </p:sp>
+        <p:sp>
+          <p:nvSpPr>
+            <p:cNvPr id="23" name="Rectangle 25"/>
+            <p:cNvSpPr/>
+            <p:nvPr/>
+          </p:nvSpPr>
+          <p:spPr>
+            <a:xfrm>
+              <a:off x="9603442" y="-8467"/>
+              <a:ext cx="2588558" cy="6866467"/>
+            </a:xfrm>
+            <a:custGeom>
+              <a:avLst/>
+              <a:gdLst/>
+              <a:ahLst/>
+              <a:cxnLst/>
+              <a:rect l="l" t="t" r="r" b="b"/>
+              <a:pathLst>
+                <a:path w="2573311" h="6866467">
+                  <a:moveTo>
+                    <a:pt x="0" y="0"/>
+                  </a:moveTo>
+                  <a:lnTo>
+                    <a:pt x="2573311" y="0"/>
+                  </a:lnTo>
+                  <a:lnTo>
+                    <a:pt x="2573311" y="6866467"/>
+                  </a:lnTo>
+                  <a:lnTo>
+                    <a:pt x="1202336" y="6866467"/>
+                  </a:lnTo>
+                  <a:lnTo>
+                    <a:pt x="0" y="0"/>
+                  </a:lnTo>
+                  <a:close/>
+                </a:path>
+              </a:pathLst>
+            </a:custGeom>
+            <a:solidFill>
+              <a:schemeClr val="accent1">
+                <a:alpha val="20000"/>
+              </a:schemeClr>
+            </a:solidFill>
+            <a:ln>
+              <a:noFill/>
+            </a:ln>
+            <a:effectLst/>
+          </p:spPr>
+          <p:style>
+            <a:lnRef idx="1">
+              <a:schemeClr val="accent1"/>
+            </a:lnRef>
+            <a:fillRef idx="3">
+              <a:schemeClr val="accent1"/>
+            </a:fillRef>
+            <a:effectRef idx="2">
+              <a:schemeClr val="accent1"/>
+            </a:effectRef>
+            <a:fontRef idx="minor">
+              <a:schemeClr val="lt1"/>
+            </a:fontRef>
+          </p:style>
+        </p:sp>
+        <p:sp>
+          <p:nvSpPr>
+            <p:cNvPr id="24" name="Isosceles Triangle 23"/>
+            <p:cNvSpPr/>
+            <p:nvPr/>
+          </p:nvSpPr>
+          <p:spPr>
+            <a:xfrm>
+              <a:off x="8932333" y="3048000"/>
+              <a:ext cx="3259667" cy="3810000"/>
+            </a:xfrm>
+            <a:prstGeom prst="triangle">
+              <a:avLst>
+                <a:gd name="adj" fmla="val 100000"/>
+              </a:avLst>
+            </a:prstGeom>
+            <a:solidFill>
+              <a:schemeClr val="accent2">
+                <a:alpha val="72000"/>
+              </a:schemeClr>
+            </a:solidFill>
+            <a:ln>
+              <a:noFill/>
+            </a:ln>
+            <a:effectLst/>
+          </p:spPr>
+          <p:style>
+            <a:lnRef idx="1">
+              <a:schemeClr val="accent1"/>
+            </a:lnRef>
+            <a:fillRef idx="3">
+              <a:schemeClr val="accent1"/>
+            </a:fillRef>
+            <a:effectRef idx="2">
+              <a:schemeClr val="accent1"/>
+            </a:effectRef>
+            <a:fontRef idx="minor">
+              <a:schemeClr val="lt1"/>
+            </a:fontRef>
+          </p:style>
+        </p:sp>
+        <p:sp>
+          <p:nvSpPr>
+            <p:cNvPr id="25" name="Rectangle 27"/>
+            <p:cNvSpPr/>
+            <p:nvPr/>
+          </p:nvSpPr>
+          <p:spPr>
+            <a:xfrm>
+              <a:off x="9334500" y="-8467"/>
+              <a:ext cx="2854326" cy="6866467"/>
+            </a:xfrm>
+            <a:custGeom>
+              <a:avLst/>
+              <a:gdLst/>
+              <a:ahLst/>
+              <a:cxnLst/>
+              <a:rect l="l" t="t" r="r" b="b"/>
+              <a:pathLst>
+                <a:path w="2858013" h="6866467">
+                  <a:moveTo>
+                    <a:pt x="0" y="0"/>
+                  </a:moveTo>
+                  <a:lnTo>
+                    <a:pt x="2858013" y="0"/>
+                  </a:lnTo>
+                  <a:lnTo>
+                    <a:pt x="2858013" y="6866467"/>
+                  </a:lnTo>
+                  <a:lnTo>
+                    <a:pt x="2473942" y="6866467"/>
+                  </a:lnTo>
+                  <a:lnTo>
+                    <a:pt x="0" y="0"/>
+                  </a:lnTo>
+                  <a:close/>
+                </a:path>
+              </a:pathLst>
+            </a:custGeom>
+            <a:solidFill>
+              <a:schemeClr val="accent2">
+                <a:lumMod val="75000"/>
+                <a:alpha val="70000"/>
+              </a:schemeClr>
+            </a:solidFill>
+            <a:ln>
+              <a:noFill/>
+            </a:ln>
+            <a:effectLst/>
+          </p:spPr>
+          <p:style>
+            <a:lnRef idx="1">
+              <a:schemeClr val="accent1"/>
+            </a:lnRef>
+            <a:fillRef idx="3">
+              <a:schemeClr val="accent1"/>
+            </a:fillRef>
+            <a:effectRef idx="2">
+              <a:schemeClr val="accent1"/>
+            </a:effectRef>
+            <a:fontRef idx="minor">
+              <a:schemeClr val="lt1"/>
+            </a:fontRef>
+          </p:style>
+        </p:sp>
+        <p:sp>
+          <p:nvSpPr>
+            <p:cNvPr id="26" name="Rectangle 28"/>
+            <p:cNvSpPr/>
+            <p:nvPr/>
+          </p:nvSpPr>
+          <p:spPr>
+            <a:xfrm>
+              <a:off x="10898730" y="-8467"/>
+              <a:ext cx="1290094" cy="6866467"/>
+            </a:xfrm>
+            <a:custGeom>
+              <a:avLst/>
+              <a:gdLst/>
+              <a:ahLst/>
+              <a:cxnLst/>
+              <a:rect l="l" t="t" r="r" b="b"/>
+              <a:pathLst>
+                <a:path w="1290094" h="6858000">
+                  <a:moveTo>
+                    <a:pt x="1019735" y="0"/>
+                  </a:moveTo>
+                  <a:lnTo>
+                    <a:pt x="1290094" y="0"/>
+                  </a:lnTo>
+                  <a:lnTo>
+                    <a:pt x="1290094" y="6858000"/>
+                  </a:lnTo>
+                  <a:lnTo>
+                    <a:pt x="0" y="6858000"/>
+                  </a:lnTo>
+                  <a:lnTo>
+                    <a:pt x="1019735" y="0"/>
+                  </a:lnTo>
+                  <a:close/>
+                </a:path>
+              </a:pathLst>
+            </a:custGeom>
+            <a:solidFill>
+              <a:schemeClr val="accent1">
+                <a:lumMod val="60000"/>
+                <a:lumOff val="40000"/>
+                <a:alpha val="70000"/>
+              </a:schemeClr>
+            </a:solidFill>
+            <a:ln>
+              <a:noFill/>
+            </a:ln>
+            <a:effectLst/>
+          </p:spPr>
+          <p:style>
+            <a:lnRef idx="1">
+              <a:schemeClr val="accent1"/>
+            </a:lnRef>
+            <a:fillRef idx="3">
+              <a:schemeClr val="accent1"/>
+            </a:fillRef>
+            <a:effectRef idx="2">
+              <a:schemeClr val="accent1"/>
+            </a:effectRef>
+            <a:fontRef idx="minor">
+              <a:schemeClr val="lt1"/>
+            </a:fontRef>
+          </p:style>
+        </p:sp>
+        <p:sp>
+          <p:nvSpPr>
+            <p:cNvPr id="27" name="Rectangle 29"/>
+            <p:cNvSpPr/>
+            <p:nvPr/>
+          </p:nvSpPr>
+          <p:spPr>
+            <a:xfrm>
+              <a:off x="10938999" y="-8467"/>
+              <a:ext cx="1249825" cy="6866467"/>
+            </a:xfrm>
+            <a:custGeom>
+              <a:avLst/>
+              <a:gdLst/>
+              <a:ahLst/>
+              <a:cxnLst/>
+              <a:rect l="l" t="t" r="r" b="b"/>
+              <a:pathLst>
+                <a:path w="1249825" h="6858000">
+                  <a:moveTo>
+                    <a:pt x="0" y="0"/>
+                  </a:moveTo>
+                  <a:lnTo>
+                    <a:pt x="1249825" y="0"/>
+                  </a:lnTo>
+                  <a:lnTo>
+                    <a:pt x="1249825" y="6858000"/>
+                  </a:lnTo>
+                  <a:lnTo>
+                    <a:pt x="1109382" y="6858000"/>
+                  </a:lnTo>
+                  <a:lnTo>
+                    <a:pt x="0" y="0"/>
+                  </a:lnTo>
+                  <a:close/>
+                </a:path>
+              </a:pathLst>
+            </a:custGeom>
+            <a:solidFill>
+              <a:schemeClr val="accent1">
+                <a:alpha val="65000"/>
+              </a:schemeClr>
+            </a:solidFill>
+            <a:ln>
+              <a:noFill/>
+            </a:ln>
+            <a:effectLst/>
+          </p:spPr>
+          <p:style>
+            <a:lnRef idx="1">
+              <a:schemeClr val="accent1"/>
+            </a:lnRef>
+            <a:fillRef idx="3">
+              <a:schemeClr val="accent1"/>
+            </a:fillRef>
+            <a:effectRef idx="2">
+              <a:schemeClr val="accent1"/>
+            </a:effectRef>
+            <a:fontRef idx="minor">
+              <a:schemeClr val="lt1"/>
+            </a:fontRef>
+          </p:style>
+        </p:sp>
+        <p:sp>
+          <p:nvSpPr>
+            <p:cNvPr id="28" name="Isosceles Triangle 27"/>
+            <p:cNvSpPr/>
+            <p:nvPr/>
+          </p:nvSpPr>
+          <p:spPr>
+            <a:xfrm>
+              <a:off x="10371666" y="3589867"/>
+              <a:ext cx="1817159" cy="3268133"/>
+            </a:xfrm>
+            <a:prstGeom prst="triangle">
+              <a:avLst>
+                <a:gd name="adj" fmla="val 100000"/>
+              </a:avLst>
+            </a:prstGeom>
+            <a:solidFill>
+              <a:schemeClr val="accent1">
+                <a:alpha val="80000"/>
+              </a:schemeClr>
+            </a:solidFill>
+            <a:ln>
+              <a:noFill/>
+            </a:ln>
+            <a:effectLst/>
+          </p:spPr>
+          <p:style>
+            <a:lnRef idx="1">
+              <a:schemeClr val="accent1"/>
+            </a:lnRef>
+            <a:fillRef idx="3">
+              <a:schemeClr val="accent1"/>
+            </a:fillRef>
+            <a:effectRef idx="2">
+              <a:schemeClr val="accent1"/>
+            </a:effectRef>
+            <a:fontRef idx="minor">
+              <a:schemeClr val="lt1"/>
+            </a:fontRef>
+          </p:style>
+        </p:sp>
+        <p:sp>
+          <p:nvSpPr>
+            <p:cNvPr id="29" name="Isosceles Triangle 28"/>
+            <p:cNvSpPr/>
+            <p:nvPr/>
+          </p:nvSpPr>
+          <p:spPr>
+            <a:xfrm>
+              <a:off x="0" y="4013200"/>
+              <a:ext cx="448733" cy="2844800"/>
+            </a:xfrm>
+            <a:prstGeom prst="triangle">
+              <a:avLst>
+                <a:gd name="adj" fmla="val 0"/>
+              </a:avLst>
+            </a:prstGeom>
+            <a:solidFill>
+              <a:schemeClr val="accent1">
+                <a:alpha val="85000"/>
+              </a:schemeClr>
+            </a:solidFill>
+            <a:ln>
+              <a:noFill/>
+            </a:ln>
+            <a:effectLst/>
+          </p:spPr>
+          <p:style>
+            <a:lnRef idx="1">
+              <a:schemeClr val="accent1"/>
+            </a:lnRef>
+            <a:fillRef idx="3">
+              <a:schemeClr val="accent1"/>
+            </a:fillRef>
+            <a:effectRef idx="2">
+              <a:schemeClr val="accent1"/>
+            </a:effectRef>
+            <a:fontRef idx="minor">
+              <a:schemeClr val="lt1"/>
+            </a:fontRef>
+          </p:style>
+        </p:sp>
+      </p:grpSp>
+      <p:sp>
+        <p:nvSpPr>
+          <p:cNvPr id="2" name="Title Placeholder 1"/>
           <p:cNvSpPr>
             <a:spLocks noGrp="1"/>
           </p:cNvSpPr>
@@ -2811,15 +5198,15 @@
         </p:nvSpPr>
         <p:spPr>
           <a:xfrm>
-            <a:off x="838200" y="365125"/>
-            <a:ext cx="10515600" cy="1325563"/>
+            <a:off x="677334" y="609600"/>
+            <a:ext cx="8596668" cy="1320800"/>
           </a:xfrm>
           <a:prstGeom prst="rect">
             <a:avLst/>
           </a:prstGeom>
         </p:spPr>
         <p:txBody>
-          <a:bodyPr vert="horz" lIns="91440" tIns="45720" rIns="91440" bIns="45720" rtlCol="0" anchor="ctr">
+          <a:bodyPr vert="horz" lIns="91440" tIns="45720" rIns="91440" bIns="45720" rtlCol="0" anchor="t">
             <a:normAutofit/>
           </a:bodyPr>
           <a:lstStyle/>
@@ -2828,19 +5215,13 @@
               <a:rPr lang="en-US"/>
               <a:t>Click to edit Master title style</a:t>
             </a:r>
-            <a:endParaRPr lang="en-IN"/>
-          </a:p>
-        </p:txBody>
-      </p:sp>
-      <p:sp>
-        <p:nvSpPr>
-          <p:cNvPr id="3" name="Text Placeholder 2">
-            <a:extLst>
-              <a:ext uri="{FF2B5EF4-FFF2-40B4-BE49-F238E27FC236}">
-                <a16:creationId xmlns:a16="http://schemas.microsoft.com/office/drawing/2014/main" id="{8C16309C-6CF5-88B7-850D-6B755301CFE5}"/>
-              </a:ext>
-            </a:extLst>
-          </p:cNvPr>
+            <a:endParaRPr lang="en-US" dirty="0"/>
+          </a:p>
+        </p:txBody>
+      </p:sp>
+      <p:sp>
+        <p:nvSpPr>
+          <p:cNvPr id="3" name="Text Placeholder 2"/>
           <p:cNvSpPr>
             <a:spLocks noGrp="1"/>
           </p:cNvSpPr>
@@ -2850,8 +5231,8 @@
         </p:nvSpPr>
         <p:spPr>
           <a:xfrm>
-            <a:off x="838200" y="1825625"/>
-            <a:ext cx="10515600" cy="4351338"/>
+            <a:off x="677334" y="2160589"/>
+            <a:ext cx="8596668" cy="3880773"/>
           </a:xfrm>
           <a:prstGeom prst="rect">
             <a:avLst/>
@@ -2896,19 +5277,13 @@
               <a:rPr lang="en-US"/>
               <a:t>Fifth level</a:t>
             </a:r>
-            <a:endParaRPr lang="en-IN"/>
-          </a:p>
-        </p:txBody>
-      </p:sp>
-      <p:sp>
-        <p:nvSpPr>
-          <p:cNvPr id="4" name="Date Placeholder 3">
-            <a:extLst>
-              <a:ext uri="{FF2B5EF4-FFF2-40B4-BE49-F238E27FC236}">
-                <a16:creationId xmlns:a16="http://schemas.microsoft.com/office/drawing/2014/main" id="{4B267307-A3AE-B737-5115-EF91C6F79468}"/>
-              </a:ext>
-            </a:extLst>
-          </p:cNvPr>
+            <a:endParaRPr lang="en-US" dirty="0"/>
+          </a:p>
+        </p:txBody>
+      </p:sp>
+      <p:sp>
+        <p:nvSpPr>
+          <p:cNvPr id="4" name="Date Placeholder 3"/>
           <p:cNvSpPr>
             <a:spLocks noGrp="1"/>
           </p:cNvSpPr>
@@ -2918,8 +5293,8 @@
         </p:nvSpPr>
         <p:spPr>
           <a:xfrm>
-            <a:off x="838200" y="6356350"/>
-            <a:ext cx="2743200" cy="365125"/>
+            <a:off x="7205133" y="6041362"/>
+            <a:ext cx="911939" cy="365125"/>
           </a:xfrm>
           <a:prstGeom prst="rect">
             <a:avLst/>
@@ -2928,8 +5303,8 @@
         <p:txBody>
           <a:bodyPr vert="horz" lIns="91440" tIns="45720" rIns="91440" bIns="45720" rtlCol="0" anchor="ctr"/>
           <a:lstStyle>
-            <a:lvl1pPr algn="l">
-              <a:defRPr sz="1200">
+            <a:lvl1pPr algn="r">
+              <a:defRPr sz="900">
                 <a:solidFill>
                   <a:schemeClr val="tx1">
                     <a:tint val="75000"/>
@@ -2941,7 +5316,7 @@
           <a:p>
             <a:fld id="{57F8BF0D-203D-4113-AFD7-E05C3DB2532E}" type="datetimeFigureOut">
               <a:rPr lang="en-IN" smtClean="0"/>
-              <a:t>10-04-2024</a:t>
+              <a:t>12-04-2024</a:t>
             </a:fld>
             <a:endParaRPr lang="en-IN"/>
           </a:p>
@@ -2949,13 +5324,7 @@
       </p:sp>
       <p:sp>
         <p:nvSpPr>
-          <p:cNvPr id="5" name="Footer Placeholder 4">
-            <a:extLst>
-              <a:ext uri="{FF2B5EF4-FFF2-40B4-BE49-F238E27FC236}">
-                <a16:creationId xmlns:a16="http://schemas.microsoft.com/office/drawing/2014/main" id="{D810E660-5641-5770-E9A4-FD9D8304B363}"/>
-              </a:ext>
-            </a:extLst>
-          </p:cNvPr>
+          <p:cNvPr id="5" name="Footer Placeholder 4"/>
           <p:cNvSpPr>
             <a:spLocks noGrp="1"/>
           </p:cNvSpPr>
@@ -2965,8 +5334,8 @@
         </p:nvSpPr>
         <p:spPr>
           <a:xfrm>
-            <a:off x="4038600" y="6356350"/>
-            <a:ext cx="4114800" cy="365125"/>
+            <a:off x="677334" y="6041362"/>
+            <a:ext cx="6297612" cy="365125"/>
           </a:xfrm>
           <a:prstGeom prst="rect">
             <a:avLst/>
@@ -2975,8 +5344,8 @@
         <p:txBody>
           <a:bodyPr vert="horz" lIns="91440" tIns="45720" rIns="91440" bIns="45720" rtlCol="0" anchor="ctr"/>
           <a:lstStyle>
-            <a:lvl1pPr algn="ctr">
-              <a:defRPr sz="1200">
+            <a:lvl1pPr algn="l">
+              <a:defRPr sz="900">
                 <a:solidFill>
                   <a:schemeClr val="tx1">
                     <a:tint val="75000"/>
@@ -2992,13 +5361,7 @@
       </p:sp>
       <p:sp>
         <p:nvSpPr>
-          <p:cNvPr id="6" name="Slide Number Placeholder 5">
-            <a:extLst>
-              <a:ext uri="{FF2B5EF4-FFF2-40B4-BE49-F238E27FC236}">
-                <a16:creationId xmlns:a16="http://schemas.microsoft.com/office/drawing/2014/main" id="{1C7C622E-E6CE-DB60-7453-26922A6DECB5}"/>
-              </a:ext>
-            </a:extLst>
-          </p:cNvPr>
+          <p:cNvPr id="6" name="Slide Number Placeholder 5"/>
           <p:cNvSpPr>
             <a:spLocks noGrp="1"/>
           </p:cNvSpPr>
@@ -3008,8 +5371,8 @@
         </p:nvSpPr>
         <p:spPr>
           <a:xfrm>
-            <a:off x="8610600" y="6356350"/>
-            <a:ext cx="2743200" cy="365125"/>
+            <a:off x="8590663" y="6041362"/>
+            <a:ext cx="683339" cy="365125"/>
           </a:xfrm>
           <a:prstGeom prst="rect">
             <a:avLst/>
@@ -3019,11 +5382,9 @@
           <a:bodyPr vert="horz" lIns="91440" tIns="45720" rIns="91440" bIns="45720" rtlCol="0" anchor="ctr"/>
           <a:lstStyle>
             <a:lvl1pPr algn="r">
-              <a:defRPr sz="1200">
-                <a:solidFill>
-                  <a:schemeClr val="tx1">
-                    <a:tint val="75000"/>
-                  </a:schemeClr>
+              <a:defRPr sz="900">
+                <a:solidFill>
+                  <a:schemeClr val="accent1"/>
                 </a:solidFill>
               </a:defRPr>
             </a:lvl1pPr>
@@ -3040,201 +5401,322 @@
     </p:spTree>
     <p:extLst>
       <p:ext uri="{BB962C8B-B14F-4D97-AF65-F5344CB8AC3E}">
-        <p14:creationId xmlns:p14="http://schemas.microsoft.com/office/powerpoint/2010/main" val="126758185"/>
+        <p14:creationId xmlns:p14="http://schemas.microsoft.com/office/powerpoint/2010/main" val="1021912436"/>
       </p:ext>
     </p:extLst>
   </p:cSld>
   <p:clrMap bg1="lt1" tx1="dk1" bg2="lt2" tx2="dk2" accent1="accent1" accent2="accent2" accent3="accent3" accent4="accent4" accent5="accent5" accent6="accent6" hlink="hlink" folHlink="folHlink"/>
   <p:sldLayoutIdLst>
-    <p:sldLayoutId id="2147483649" r:id="rId1"/>
-    <p:sldLayoutId id="2147483650" r:id="rId2"/>
-    <p:sldLayoutId id="2147483651" r:id="rId3"/>
-    <p:sldLayoutId id="2147483652" r:id="rId4"/>
-    <p:sldLayoutId id="2147483653" r:id="rId5"/>
-    <p:sldLayoutId id="2147483654" r:id="rId6"/>
-    <p:sldLayoutId id="2147483655" r:id="rId7"/>
-    <p:sldLayoutId id="2147483656" r:id="rId8"/>
-    <p:sldLayoutId id="2147483657" r:id="rId9"/>
-    <p:sldLayoutId id="2147483658" r:id="rId10"/>
-    <p:sldLayoutId id="2147483659" r:id="rId11"/>
+    <p:sldLayoutId id="2147483661" r:id="rId1"/>
+    <p:sldLayoutId id="2147483662" r:id="rId2"/>
+    <p:sldLayoutId id="2147483663" r:id="rId3"/>
+    <p:sldLayoutId id="2147483664" r:id="rId4"/>
+    <p:sldLayoutId id="2147483665" r:id="rId5"/>
+    <p:sldLayoutId id="2147483666" r:id="rId6"/>
+    <p:sldLayoutId id="2147483667" r:id="rId7"/>
+    <p:sldLayoutId id="2147483668" r:id="rId8"/>
+    <p:sldLayoutId id="2147483669" r:id="rId9"/>
+    <p:sldLayoutId id="2147483670" r:id="rId10"/>
+    <p:sldLayoutId id="2147483671" r:id="rId11"/>
+    <p:sldLayoutId id="2147483672" r:id="rId12"/>
+    <p:sldLayoutId id="2147483673" r:id="rId13"/>
+    <p:sldLayoutId id="2147483674" r:id="rId14"/>
+    <p:sldLayoutId id="2147483675" r:id="rId15"/>
+    <p:sldLayoutId id="2147483676" r:id="rId16"/>
   </p:sldLayoutIdLst>
   <p:txStyles>
     <p:titleStyle>
-      <a:lvl1pPr algn="l" defTabSz="914400" rtl="0" eaLnBrk="1" latinLnBrk="0" hangingPunct="1">
-        <a:lnSpc>
-          <a:spcPct val="90000"/>
-        </a:lnSpc>
+      <a:lvl1pPr algn="l" defTabSz="457200" rtl="0" eaLnBrk="1" latinLnBrk="0" hangingPunct="1">
         <a:spcBef>
           <a:spcPct val="0"/>
         </a:spcBef>
         <a:buNone/>
-        <a:defRPr sz="4400" kern="1200">
+        <a:defRPr sz="3600" kern="1200">
           <a:solidFill>
-            <a:schemeClr val="tx1"/>
+            <a:schemeClr val="accent1"/>
           </a:solidFill>
           <a:latin typeface="+mj-lt"/>
           <a:ea typeface="+mj-ea"/>
           <a:cs typeface="+mj-cs"/>
         </a:defRPr>
       </a:lvl1pPr>
+      <a:lvl2pPr eaLnBrk="1" hangingPunct="1">
+        <a:defRPr>
+          <a:solidFill>
+            <a:schemeClr val="tx2"/>
+          </a:solidFill>
+        </a:defRPr>
+      </a:lvl2pPr>
+      <a:lvl3pPr eaLnBrk="1" hangingPunct="1">
+        <a:defRPr>
+          <a:solidFill>
+            <a:schemeClr val="tx2"/>
+          </a:solidFill>
+        </a:defRPr>
+      </a:lvl3pPr>
+      <a:lvl4pPr eaLnBrk="1" hangingPunct="1">
+        <a:defRPr>
+          <a:solidFill>
+            <a:schemeClr val="tx2"/>
+          </a:solidFill>
+        </a:defRPr>
+      </a:lvl4pPr>
+      <a:lvl5pPr eaLnBrk="1" hangingPunct="1">
+        <a:defRPr>
+          <a:solidFill>
+            <a:schemeClr val="tx2"/>
+          </a:solidFill>
+        </a:defRPr>
+      </a:lvl5pPr>
+      <a:lvl6pPr eaLnBrk="1" hangingPunct="1">
+        <a:defRPr>
+          <a:solidFill>
+            <a:schemeClr val="tx2"/>
+          </a:solidFill>
+        </a:defRPr>
+      </a:lvl6pPr>
+      <a:lvl7pPr eaLnBrk="1" hangingPunct="1">
+        <a:defRPr>
+          <a:solidFill>
+            <a:schemeClr val="tx2"/>
+          </a:solidFill>
+        </a:defRPr>
+      </a:lvl7pPr>
+      <a:lvl8pPr eaLnBrk="1" hangingPunct="1">
+        <a:defRPr>
+          <a:solidFill>
+            <a:schemeClr val="tx2"/>
+          </a:solidFill>
+        </a:defRPr>
+      </a:lvl8pPr>
+      <a:lvl9pPr eaLnBrk="1" hangingPunct="1">
+        <a:defRPr>
+          <a:solidFill>
+            <a:schemeClr val="tx2"/>
+          </a:solidFill>
+        </a:defRPr>
+      </a:lvl9pPr>
     </p:titleStyle>
     <p:bodyStyle>
-      <a:lvl1pPr marL="228600" indent="-228600" algn="l" defTabSz="914400" rtl="0" eaLnBrk="1" latinLnBrk="0" hangingPunct="1">
-        <a:lnSpc>
-          <a:spcPct val="90000"/>
-        </a:lnSpc>
+      <a:lvl1pPr marL="342900" indent="-342900" algn="l" defTabSz="457200" rtl="0" eaLnBrk="1" latinLnBrk="0" hangingPunct="1">
         <a:spcBef>
           <a:spcPts val="1000"/>
         </a:spcBef>
-        <a:buFont typeface="Arial" panose="020B0604020202020204" pitchFamily="34" charset="0"/>
-        <a:buChar char="•"/>
-        <a:defRPr sz="2800" kern="1200">
+        <a:spcAft>
+          <a:spcPts val="0"/>
+        </a:spcAft>
+        <a:buClr>
+          <a:schemeClr val="accent1"/>
+        </a:buClr>
+        <a:buSzPct val="80000"/>
+        <a:buFont typeface="Wingdings 3" charset="2"/>
+        <a:buChar char=""/>
+        <a:defRPr sz="1800" kern="1200">
           <a:solidFill>
-            <a:schemeClr val="tx1"/>
+            <a:schemeClr val="tx1">
+              <a:lumMod val="75000"/>
+              <a:lumOff val="25000"/>
+            </a:schemeClr>
           </a:solidFill>
           <a:latin typeface="+mn-lt"/>
           <a:ea typeface="+mn-ea"/>
           <a:cs typeface="+mn-cs"/>
         </a:defRPr>
       </a:lvl1pPr>
-      <a:lvl2pPr marL="685800" indent="-228600" algn="l" defTabSz="914400" rtl="0" eaLnBrk="1" latinLnBrk="0" hangingPunct="1">
-        <a:lnSpc>
-          <a:spcPct val="90000"/>
-        </a:lnSpc>
+      <a:lvl2pPr marL="742950" indent="-285750" algn="l" defTabSz="457200" rtl="0" eaLnBrk="1" latinLnBrk="0" hangingPunct="1">
         <a:spcBef>
-          <a:spcPts val="500"/>
+          <a:spcPts val="1000"/>
         </a:spcBef>
-        <a:buFont typeface="Arial" panose="020B0604020202020204" pitchFamily="34" charset="0"/>
-        <a:buChar char="•"/>
-        <a:defRPr sz="2400" kern="1200">
+        <a:spcAft>
+          <a:spcPts val="0"/>
+        </a:spcAft>
+        <a:buClr>
+          <a:schemeClr val="accent1"/>
+        </a:buClr>
+        <a:buSzPct val="80000"/>
+        <a:buFont typeface="Wingdings 3" charset="2"/>
+        <a:buChar char=""/>
+        <a:defRPr sz="1600" kern="1200">
           <a:solidFill>
-            <a:schemeClr val="tx1"/>
+            <a:schemeClr val="tx1">
+              <a:lumMod val="75000"/>
+              <a:lumOff val="25000"/>
+            </a:schemeClr>
           </a:solidFill>
           <a:latin typeface="+mn-lt"/>
           <a:ea typeface="+mn-ea"/>
           <a:cs typeface="+mn-cs"/>
         </a:defRPr>
       </a:lvl2pPr>
-      <a:lvl3pPr marL="1143000" indent="-228600" algn="l" defTabSz="914400" rtl="0" eaLnBrk="1" latinLnBrk="0" hangingPunct="1">
-        <a:lnSpc>
-          <a:spcPct val="90000"/>
-        </a:lnSpc>
+      <a:lvl3pPr marL="1143000" indent="-228600" algn="l" defTabSz="457200" rtl="0" eaLnBrk="1" latinLnBrk="0" hangingPunct="1">
         <a:spcBef>
-          <a:spcPts val="500"/>
+          <a:spcPts val="1000"/>
         </a:spcBef>
-        <a:buFont typeface="Arial" panose="020B0604020202020204" pitchFamily="34" charset="0"/>
-        <a:buChar char="•"/>
-        <a:defRPr sz="2000" kern="1200">
+        <a:spcAft>
+          <a:spcPts val="0"/>
+        </a:spcAft>
+        <a:buClr>
+          <a:schemeClr val="accent1"/>
+        </a:buClr>
+        <a:buSzPct val="80000"/>
+        <a:buFont typeface="Wingdings 3" charset="2"/>
+        <a:buChar char=""/>
+        <a:defRPr sz="1400" kern="1200">
           <a:solidFill>
-            <a:schemeClr val="tx1"/>
+            <a:schemeClr val="tx1">
+              <a:lumMod val="75000"/>
+              <a:lumOff val="25000"/>
+            </a:schemeClr>
           </a:solidFill>
           <a:latin typeface="+mn-lt"/>
           <a:ea typeface="+mn-ea"/>
           <a:cs typeface="+mn-cs"/>
         </a:defRPr>
       </a:lvl3pPr>
-      <a:lvl4pPr marL="1600200" indent="-228600" algn="l" defTabSz="914400" rtl="0" eaLnBrk="1" latinLnBrk="0" hangingPunct="1">
-        <a:lnSpc>
-          <a:spcPct val="90000"/>
-        </a:lnSpc>
+      <a:lvl4pPr marL="1600200" indent="-228600" algn="l" defTabSz="457200" rtl="0" eaLnBrk="1" latinLnBrk="0" hangingPunct="1">
         <a:spcBef>
-          <a:spcPts val="500"/>
+          <a:spcPts val="1000"/>
         </a:spcBef>
-        <a:buFont typeface="Arial" panose="020B0604020202020204" pitchFamily="34" charset="0"/>
-        <a:buChar char="•"/>
-        <a:defRPr sz="1800" kern="1200">
+        <a:spcAft>
+          <a:spcPts val="0"/>
+        </a:spcAft>
+        <a:buClr>
+          <a:schemeClr val="accent1"/>
+        </a:buClr>
+        <a:buSzPct val="80000"/>
+        <a:buFont typeface="Wingdings 3" charset="2"/>
+        <a:buChar char=""/>
+        <a:defRPr sz="1200" kern="1200">
           <a:solidFill>
-            <a:schemeClr val="tx1"/>
+            <a:schemeClr val="tx1">
+              <a:lumMod val="75000"/>
+              <a:lumOff val="25000"/>
+            </a:schemeClr>
           </a:solidFill>
           <a:latin typeface="+mn-lt"/>
           <a:ea typeface="+mn-ea"/>
           <a:cs typeface="+mn-cs"/>
         </a:defRPr>
       </a:lvl4pPr>
-      <a:lvl5pPr marL="2057400" indent="-228600" algn="l" defTabSz="914400" rtl="0" eaLnBrk="1" latinLnBrk="0" hangingPunct="1">
-        <a:lnSpc>
-          <a:spcPct val="90000"/>
-        </a:lnSpc>
+      <a:lvl5pPr marL="2057400" indent="-228600" algn="l" defTabSz="457200" rtl="0" eaLnBrk="1" latinLnBrk="0" hangingPunct="1">
         <a:spcBef>
-          <a:spcPts val="500"/>
+          <a:spcPts val="1000"/>
         </a:spcBef>
-        <a:buFont typeface="Arial" panose="020B0604020202020204" pitchFamily="34" charset="0"/>
-        <a:buChar char="•"/>
-        <a:defRPr sz="1800" kern="1200">
+        <a:spcAft>
+          <a:spcPts val="0"/>
+        </a:spcAft>
+        <a:buClr>
+          <a:schemeClr val="accent1"/>
+        </a:buClr>
+        <a:buSzPct val="80000"/>
+        <a:buFont typeface="Wingdings 3" charset="2"/>
+        <a:buChar char=""/>
+        <a:defRPr sz="1200" kern="1200">
           <a:solidFill>
-            <a:schemeClr val="tx1"/>
+            <a:schemeClr val="tx1">
+              <a:lumMod val="75000"/>
+              <a:lumOff val="25000"/>
+            </a:schemeClr>
           </a:solidFill>
           <a:latin typeface="+mn-lt"/>
           <a:ea typeface="+mn-ea"/>
           <a:cs typeface="+mn-cs"/>
         </a:defRPr>
       </a:lvl5pPr>
-      <a:lvl6pPr marL="2514600" indent="-228600" algn="l" defTabSz="914400" rtl="0" eaLnBrk="1" latinLnBrk="0" hangingPunct="1">
-        <a:lnSpc>
-          <a:spcPct val="90000"/>
-        </a:lnSpc>
+      <a:lvl6pPr marL="2514600" indent="-228600" algn="l" defTabSz="457200" rtl="0" eaLnBrk="1" latinLnBrk="0" hangingPunct="1">
         <a:spcBef>
-          <a:spcPts val="500"/>
+          <a:spcPts val="1000"/>
         </a:spcBef>
-        <a:buFont typeface="Arial" panose="020B0604020202020204" pitchFamily="34" charset="0"/>
-        <a:buChar char="•"/>
-        <a:defRPr sz="1800" kern="1200">
+        <a:spcAft>
+          <a:spcPts val="0"/>
+        </a:spcAft>
+        <a:buClr>
+          <a:schemeClr val="accent1"/>
+        </a:buClr>
+        <a:buSzPct val="80000"/>
+        <a:buFont typeface="Wingdings 3" charset="2"/>
+        <a:buChar char=""/>
+        <a:defRPr sz="1200" kern="1200">
           <a:solidFill>
-            <a:schemeClr val="tx1"/>
+            <a:schemeClr val="tx1">
+              <a:lumMod val="75000"/>
+              <a:lumOff val="25000"/>
+            </a:schemeClr>
           </a:solidFill>
           <a:latin typeface="+mn-lt"/>
           <a:ea typeface="+mn-ea"/>
           <a:cs typeface="+mn-cs"/>
         </a:defRPr>
       </a:lvl6pPr>
-      <a:lvl7pPr marL="2971800" indent="-228600" algn="l" defTabSz="914400" rtl="0" eaLnBrk="1" latinLnBrk="0" hangingPunct="1">
-        <a:lnSpc>
-          <a:spcPct val="90000"/>
-        </a:lnSpc>
+      <a:lvl7pPr marL="2971800" indent="-228600" algn="l" defTabSz="457200" rtl="0" eaLnBrk="1" latinLnBrk="0" hangingPunct="1">
         <a:spcBef>
-          <a:spcPts val="500"/>
+          <a:spcPts val="1000"/>
         </a:spcBef>
-        <a:buFont typeface="Arial" panose="020B0604020202020204" pitchFamily="34" charset="0"/>
-        <a:buChar char="•"/>
-        <a:defRPr sz="1800" kern="1200">
+        <a:spcAft>
+          <a:spcPts val="0"/>
+        </a:spcAft>
+        <a:buClr>
+          <a:schemeClr val="accent1"/>
+        </a:buClr>
+        <a:buSzPct val="80000"/>
+        <a:buFont typeface="Wingdings 3" charset="2"/>
+        <a:buChar char=""/>
+        <a:defRPr sz="1200" kern="1200">
           <a:solidFill>
-            <a:schemeClr val="tx1"/>
+            <a:schemeClr val="tx1">
+              <a:lumMod val="75000"/>
+              <a:lumOff val="25000"/>
+            </a:schemeClr>
           </a:solidFill>
           <a:latin typeface="+mn-lt"/>
           <a:ea typeface="+mn-ea"/>
           <a:cs typeface="+mn-cs"/>
         </a:defRPr>
       </a:lvl7pPr>
-      <a:lvl8pPr marL="3429000" indent="-228600" algn="l" defTabSz="914400" rtl="0" eaLnBrk="1" latinLnBrk="0" hangingPunct="1">
-        <a:lnSpc>
-          <a:spcPct val="90000"/>
-        </a:lnSpc>
+      <a:lvl8pPr marL="3429000" indent="-228600" algn="l" defTabSz="457200" rtl="0" eaLnBrk="1" latinLnBrk="0" hangingPunct="1">
         <a:spcBef>
-          <a:spcPts val="500"/>
+          <a:spcPts val="1000"/>
         </a:spcBef>
-        <a:buFont typeface="Arial" panose="020B0604020202020204" pitchFamily="34" charset="0"/>
-        <a:buChar char="•"/>
-        <a:defRPr sz="1800" kern="1200">
+        <a:spcAft>
+          <a:spcPts val="0"/>
+        </a:spcAft>
+        <a:buClr>
+          <a:schemeClr val="accent1"/>
+        </a:buClr>
+        <a:buSzPct val="80000"/>
+        <a:buFont typeface="Wingdings 3" charset="2"/>
+        <a:buChar char=""/>
+        <a:defRPr sz="1200" kern="1200">
           <a:solidFill>
-            <a:schemeClr val="tx1"/>
+            <a:schemeClr val="tx1">
+              <a:lumMod val="75000"/>
+              <a:lumOff val="25000"/>
+            </a:schemeClr>
           </a:solidFill>
           <a:latin typeface="+mn-lt"/>
           <a:ea typeface="+mn-ea"/>
           <a:cs typeface="+mn-cs"/>
         </a:defRPr>
       </a:lvl8pPr>
-      <a:lvl9pPr marL="3886200" indent="-228600" algn="l" defTabSz="914400" rtl="0" eaLnBrk="1" latinLnBrk="0" hangingPunct="1">
-        <a:lnSpc>
-          <a:spcPct val="90000"/>
-        </a:lnSpc>
+      <a:lvl9pPr marL="3886200" indent="-228600" algn="l" defTabSz="457200" rtl="0" eaLnBrk="1" latinLnBrk="0" hangingPunct="1">
         <a:spcBef>
-          <a:spcPts val="500"/>
+          <a:spcPts val="1000"/>
         </a:spcBef>
-        <a:buFont typeface="Arial" panose="020B0604020202020204" pitchFamily="34" charset="0"/>
-        <a:buChar char="•"/>
-        <a:defRPr sz="1800" kern="1200">
+        <a:spcAft>
+          <a:spcPts val="0"/>
+        </a:spcAft>
+        <a:buClr>
+          <a:schemeClr val="accent1"/>
+        </a:buClr>
+        <a:buSzPct val="80000"/>
+        <a:buFont typeface="Wingdings 3" charset="2"/>
+        <a:buChar char=""/>
+        <a:defRPr sz="1200" kern="1200">
           <a:solidFill>
-            <a:schemeClr val="tx1"/>
+            <a:schemeClr val="tx1">
+              <a:lumMod val="75000"/>
+              <a:lumOff val="25000"/>
+            </a:schemeClr>
           </a:solidFill>
           <a:latin typeface="+mn-lt"/>
           <a:ea typeface="+mn-ea"/>
@@ -3246,7 +5728,7 @@
       <a:defPPr>
         <a:defRPr lang="en-US"/>
       </a:defPPr>
-      <a:lvl1pPr marL="0" algn="l" defTabSz="914400" rtl="0" eaLnBrk="1" latinLnBrk="0" hangingPunct="1">
+      <a:lvl1pPr marL="0" algn="l" defTabSz="457200" rtl="0" eaLnBrk="1" latinLnBrk="0" hangingPunct="1">
         <a:defRPr sz="1800" kern="1200">
           <a:solidFill>
             <a:schemeClr val="tx1"/>
@@ -3256,7 +5738,7 @@
           <a:cs typeface="+mn-cs"/>
         </a:defRPr>
       </a:lvl1pPr>
-      <a:lvl2pPr marL="457200" algn="l" defTabSz="914400" rtl="0" eaLnBrk="1" latinLnBrk="0" hangingPunct="1">
+      <a:lvl2pPr marL="457200" algn="l" defTabSz="457200" rtl="0" eaLnBrk="1" latinLnBrk="0" hangingPunct="1">
         <a:defRPr sz="1800" kern="1200">
           <a:solidFill>
             <a:schemeClr val="tx1"/>
@@ -3266,7 +5748,7 @@
           <a:cs typeface="+mn-cs"/>
         </a:defRPr>
       </a:lvl2pPr>
-      <a:lvl3pPr marL="914400" algn="l" defTabSz="914400" rtl="0" eaLnBrk="1" latinLnBrk="0" hangingPunct="1">
+      <a:lvl3pPr marL="914400" algn="l" defTabSz="457200" rtl="0" eaLnBrk="1" latinLnBrk="0" hangingPunct="1">
         <a:defRPr sz="1800" kern="1200">
           <a:solidFill>
             <a:schemeClr val="tx1"/>
@@ -3276,7 +5758,7 @@
           <a:cs typeface="+mn-cs"/>
         </a:defRPr>
       </a:lvl3pPr>
-      <a:lvl4pPr marL="1371600" algn="l" defTabSz="914400" rtl="0" eaLnBrk="1" latinLnBrk="0" hangingPunct="1">
+      <a:lvl4pPr marL="1371600" algn="l" defTabSz="457200" rtl="0" eaLnBrk="1" latinLnBrk="0" hangingPunct="1">
         <a:defRPr sz="1800" kern="1200">
           <a:solidFill>
             <a:schemeClr val="tx1"/>
@@ -3286,7 +5768,7 @@
           <a:cs typeface="+mn-cs"/>
         </a:defRPr>
       </a:lvl4pPr>
-      <a:lvl5pPr marL="1828800" algn="l" defTabSz="914400" rtl="0" eaLnBrk="1" latinLnBrk="0" hangingPunct="1">
+      <a:lvl5pPr marL="1828800" algn="l" defTabSz="457200" rtl="0" eaLnBrk="1" latinLnBrk="0" hangingPunct="1">
         <a:defRPr sz="1800" kern="1200">
           <a:solidFill>
             <a:schemeClr val="tx1"/>
@@ -3296,7 +5778,7 @@
           <a:cs typeface="+mn-cs"/>
         </a:defRPr>
       </a:lvl5pPr>
-      <a:lvl6pPr marL="2286000" algn="l" defTabSz="914400" rtl="0" eaLnBrk="1" latinLnBrk="0" hangingPunct="1">
+      <a:lvl6pPr marL="2286000" algn="l" defTabSz="457200" rtl="0" eaLnBrk="1" latinLnBrk="0" hangingPunct="1">
         <a:defRPr sz="1800" kern="1200">
           <a:solidFill>
             <a:schemeClr val="tx1"/>
@@ -3306,7 +5788,7 @@
           <a:cs typeface="+mn-cs"/>
         </a:defRPr>
       </a:lvl6pPr>
-      <a:lvl7pPr marL="2743200" algn="l" defTabSz="914400" rtl="0" eaLnBrk="1" latinLnBrk="0" hangingPunct="1">
+      <a:lvl7pPr marL="2743200" algn="l" defTabSz="457200" rtl="0" eaLnBrk="1" latinLnBrk="0" hangingPunct="1">
         <a:defRPr sz="1800" kern="1200">
           <a:solidFill>
             <a:schemeClr val="tx1"/>
@@ -3316,7 +5798,7 @@
           <a:cs typeface="+mn-cs"/>
         </a:defRPr>
       </a:lvl7pPr>
-      <a:lvl8pPr marL="3200400" algn="l" defTabSz="914400" rtl="0" eaLnBrk="1" latinLnBrk="0" hangingPunct="1">
+      <a:lvl8pPr marL="3200400" algn="l" defTabSz="457200" rtl="0" eaLnBrk="1" latinLnBrk="0" hangingPunct="1">
         <a:defRPr sz="1800" kern="1200">
           <a:solidFill>
             <a:schemeClr val="tx1"/>
@@ -3326,7 +5808,7 @@
           <a:cs typeface="+mn-cs"/>
         </a:defRPr>
       </a:lvl8pPr>
-      <a:lvl9pPr marL="3657600" algn="l" defTabSz="914400" rtl="0" eaLnBrk="1" latinLnBrk="0" hangingPunct="1">
+      <a:lvl9pPr marL="3657600" algn="l" defTabSz="457200" rtl="0" eaLnBrk="1" latinLnBrk="0" hangingPunct="1">
         <a:defRPr sz="1800" kern="1200">
           <a:solidFill>
             <a:schemeClr val="tx1"/>
@@ -4527,9 +7009,9 @@
 </file>
 
 <file path=ppt/theme/theme1.xml><?xml version="1.0" encoding="utf-8"?>
-<a:theme xmlns:a="http://schemas.openxmlformats.org/drawingml/2006/main" name="Office Theme">
+<a:theme xmlns:a="http://schemas.openxmlformats.org/drawingml/2006/main" name="Facet">
   <a:themeElements>
-    <a:clrScheme name="Office">
+    <a:clrScheme name="Facet">
       <a:dk1>
         <a:sysClr val="windowText" lastClr="000000"/>
       </a:dk1>
@@ -4537,52 +7019,52 @@
         <a:sysClr val="window" lastClr="FFFFFF"/>
       </a:lt1>
       <a:dk2>
-        <a:srgbClr val="44546A"/>
+        <a:srgbClr val="2C3C43"/>
       </a:dk2>
       <a:lt2>
-        <a:srgbClr val="E7E6E6"/>
+        <a:srgbClr val="EBEBEB"/>
       </a:lt2>
       <a:accent1>
-        <a:srgbClr val="4472C4"/>
+        <a:srgbClr val="90C226"/>
       </a:accent1>
       <a:accent2>
-        <a:srgbClr val="ED7D31"/>
+        <a:srgbClr val="54A021"/>
       </a:accent2>
       <a:accent3>
-        <a:srgbClr val="A5A5A5"/>
+        <a:srgbClr val="E6B91E"/>
       </a:accent3>
       <a:accent4>
-        <a:srgbClr val="FFC000"/>
+        <a:srgbClr val="E76618"/>
       </a:accent4>
       <a:accent5>
-        <a:srgbClr val="5B9BD5"/>
+        <a:srgbClr val="C42F1A"/>
       </a:accent5>
       <a:accent6>
-        <a:srgbClr val="70AD47"/>
+        <a:srgbClr val="918655"/>
       </a:accent6>
       <a:hlink>
-        <a:srgbClr val="0563C1"/>
+        <a:srgbClr val="99CA3C"/>
       </a:hlink>
       <a:folHlink>
-        <a:srgbClr val="954F72"/>
+        <a:srgbClr val="B9D181"/>
       </a:folHlink>
     </a:clrScheme>
-    <a:fontScheme name="Office">
+    <a:fontScheme name="Facet">
       <a:majorFont>
-        <a:latin typeface="Calibri Light" panose="020F0302020204030204"/>
+        <a:latin typeface="Trebuchet MS" panose="020B0603020202020204"/>
         <a:ea typeface=""/>
         <a:cs typeface=""/>
-        <a:font script="Jpan" typeface="游ゴシック Light"/>
+        <a:font script="Jpan" typeface="メイリオ"/>
         <a:font script="Hang" typeface="맑은 고딕"/>
-        <a:font script="Hans" typeface="等线 Light"/>
-        <a:font script="Hant" typeface="新細明體"/>
-        <a:font script="Arab" typeface="Times New Roman"/>
-        <a:font script="Hebr" typeface="Times New Roman"/>
-        <a:font script="Thai" typeface="Angsana New"/>
+        <a:font script="Hans" typeface="方正姚体"/>
+        <a:font script="Hant" typeface="微軟正黑體"/>
+        <a:font script="Arab" typeface="Tahoma"/>
+        <a:font script="Hebr" typeface="Arial"/>
+        <a:font script="Thai" typeface="Cordia New"/>
         <a:font script="Ethi" typeface="Nyala"/>
         <a:font script="Beng" typeface="Vrinda"/>
         <a:font script="Gujr" typeface="Shruti"/>
-        <a:font script="Khmr" typeface="MoolBoran"/>
+        <a:font script="Khmr" typeface="DaunPenh"/>
         <a:font script="Knda" typeface="Tunga"/>
         <a:font script="Guru" typeface="Raavi"/>
         <a:font script="Cans" typeface="Euphemia"/>
@@ -4599,38 +7081,21 @@
         <a:font script="Laoo" typeface="DokChampa"/>
         <a:font script="Sinh" typeface="Iskoola Pota"/>
         <a:font script="Mong" typeface="Mongolian Baiti"/>
-        <a:font script="Viet" typeface="Times New Roman"/>
+        <a:font script="Viet" typeface="Tahoma"/>
         <a:font script="Uigh" typeface="Microsoft Uighur"/>
         <a:font script="Geor" typeface="Sylfaen"/>
-        <a:font script="Armn" typeface="Arial"/>
-        <a:font script="Bugi" typeface="Leelawadee UI"/>
-        <a:font script="Bopo" typeface="Microsoft JhengHei"/>
-        <a:font script="Java" typeface="Javanese Text"/>
-        <a:font script="Lisu" typeface="Segoe UI"/>
-        <a:font script="Mymr" typeface="Myanmar Text"/>
-        <a:font script="Nkoo" typeface="Ebrima"/>
-        <a:font script="Olck" typeface="Nirmala UI"/>
-        <a:font script="Osma" typeface="Ebrima"/>
-        <a:font script="Phag" typeface="Phagspa"/>
-        <a:font script="Syrn" typeface="Estrangelo Edessa"/>
-        <a:font script="Syrj" typeface="Estrangelo Edessa"/>
-        <a:font script="Syre" typeface="Estrangelo Edessa"/>
-        <a:font script="Sora" typeface="Nirmala UI"/>
-        <a:font script="Tale" typeface="Microsoft Tai Le"/>
-        <a:font script="Talu" typeface="Microsoft New Tai Lue"/>
-        <a:font script="Tfng" typeface="Ebrima"/>
       </a:majorFont>
       <a:minorFont>
-        <a:latin typeface="Calibri" panose="020F0502020204030204"/>
+        <a:latin typeface="Trebuchet MS" panose="020B0603020202020204"/>
         <a:ea typeface=""/>
         <a:cs typeface=""/>
-        <a:font script="Jpan" typeface="游ゴシック"/>
-        <a:font script="Hang" typeface="맑은 고딕"/>
-        <a:font script="Hans" typeface="等线"/>
-        <a:font script="Hant" typeface="新細明體"/>
-        <a:font script="Arab" typeface="Arial"/>
-        <a:font script="Hebr" typeface="Arial"/>
-        <a:font script="Thai" typeface="Cordia New"/>
+        <a:font script="Jpan" typeface="メイリオ"/>
+        <a:font script="Hang" typeface="HY그래픽M"/>
+        <a:font script="Hans" typeface="华文新魏"/>
+        <a:font script="Hant" typeface="微軟正黑體"/>
+        <a:font script="Arab" typeface="Tahoma"/>
+        <a:font script="Hebr" typeface="Gisha"/>
+        <a:font script="Thai" typeface="IrisUPC"/>
         <a:font script="Ethi" typeface="Nyala"/>
         <a:font script="Beng" typeface="Vrinda"/>
         <a:font script="Gujr" typeface="Shruti"/>
@@ -4654,26 +7119,9 @@
         <a:font script="Viet" typeface="Arial"/>
         <a:font script="Uigh" typeface="Microsoft Uighur"/>
         <a:font script="Geor" typeface="Sylfaen"/>
-        <a:font script="Armn" typeface="Arial"/>
-        <a:font script="Bugi" typeface="Leelawadee UI"/>
-        <a:font script="Bopo" typeface="Microsoft JhengHei"/>
-        <a:font script="Java" typeface="Javanese Text"/>
-        <a:font script="Lisu" typeface="Segoe UI"/>
-        <a:font script="Mymr" typeface="Myanmar Text"/>
-        <a:font script="Nkoo" typeface="Ebrima"/>
-        <a:font script="Olck" typeface="Nirmala UI"/>
-        <a:font script="Osma" typeface="Ebrima"/>
-        <a:font script="Phag" typeface="Phagspa"/>
-        <a:font script="Syrn" typeface="Estrangelo Edessa"/>
-        <a:font script="Syrj" typeface="Estrangelo Edessa"/>
-        <a:font script="Syre" typeface="Estrangelo Edessa"/>
-        <a:font script="Sora" typeface="Nirmala UI"/>
-        <a:font script="Tale" typeface="Microsoft Tai Le"/>
-        <a:font script="Talu" typeface="Microsoft New Tai Lue"/>
-        <a:font script="Tfng" typeface="Ebrima"/>
       </a:minorFont>
     </a:fontScheme>
-    <a:fmtScheme name="Office">
+    <a:fmtScheme name="Facet">
       <a:fillStyleLst>
         <a:solidFill>
           <a:schemeClr val="phClr"/>
@@ -4682,23 +7130,13 @@
           <a:gsLst>
             <a:gs pos="0">
               <a:schemeClr val="phClr">
+                <a:tint val="65000"/>
                 <a:lumMod val="110000"/>
-                <a:satMod val="105000"/>
-                <a:tint val="67000"/>
               </a:schemeClr>
             </a:gs>
-            <a:gs pos="50000">
+            <a:gs pos="88000">
               <a:schemeClr val="phClr">
-                <a:lumMod val="105000"/>
-                <a:satMod val="103000"/>
-                <a:tint val="73000"/>
-              </a:schemeClr>
-            </a:gs>
-            <a:gs pos="100000">
-              <a:schemeClr val="phClr">
-                <a:lumMod val="105000"/>
-                <a:satMod val="109000"/>
-                <a:tint val="81000"/>
+                <a:tint val="90000"/>
               </a:schemeClr>
             </a:gs>
           </a:gsLst>
@@ -4708,23 +7146,14 @@
           <a:gsLst>
             <a:gs pos="0">
               <a:schemeClr val="phClr">
-                <a:satMod val="103000"/>
-                <a:lumMod val="102000"/>
-                <a:tint val="94000"/>
+                <a:tint val="96000"/>
+                <a:lumMod val="100000"/>
               </a:schemeClr>
             </a:gs>
-            <a:gs pos="50000">
+            <a:gs pos="78000">
               <a:schemeClr val="phClr">
-                <a:satMod val="110000"/>
-                <a:lumMod val="100000"/>
-                <a:shade val="100000"/>
-              </a:schemeClr>
-            </a:gs>
-            <a:gs pos="100000">
-              <a:schemeClr val="phClr">
-                <a:lumMod val="99000"/>
-                <a:satMod val="120000"/>
-                <a:shade val="78000"/>
+                <a:shade val="94000"/>
+                <a:lumMod val="94000"/>
               </a:schemeClr>
             </a:gs>
           </a:gsLst>
@@ -4732,26 +7161,23 @@
         </a:gradFill>
       </a:fillStyleLst>
       <a:lnStyleLst>
-        <a:ln w="6350" cap="flat" cmpd="sng" algn="ctr">
+        <a:ln w="12700" cap="rnd" cmpd="sng" algn="ctr">
           <a:solidFill>
             <a:schemeClr val="phClr"/>
           </a:solidFill>
           <a:prstDash val="solid"/>
-          <a:miter lim="800000"/>
         </a:ln>
-        <a:ln w="12700" cap="flat" cmpd="sng" algn="ctr">
+        <a:ln w="19050" cap="rnd" cmpd="sng" algn="ctr">
           <a:solidFill>
             <a:schemeClr val="phClr"/>
           </a:solidFill>
           <a:prstDash val="solid"/>
-          <a:miter lim="800000"/>
         </a:ln>
-        <a:ln w="19050" cap="flat" cmpd="sng" algn="ctr">
+        <a:ln w="25400" cap="rnd" cmpd="sng" algn="ctr">
           <a:solidFill>
             <a:schemeClr val="phClr"/>
           </a:solidFill>
           <a:prstDash val="solid"/>
-          <a:miter lim="800000"/>
         </a:ln>
       </a:lnStyleLst>
       <a:effectStyleLst>
@@ -4759,54 +7185,72 @@
           <a:effectLst/>
         </a:effectStyle>
         <a:effectStyle>
-          <a:effectLst/>
+          <a:effectLst>
+            <a:outerShdw blurRad="38100" dist="25400" dir="5400000" rotWithShape="0">
+              <a:srgbClr val="000000">
+                <a:alpha val="35000"/>
+              </a:srgbClr>
+            </a:outerShdw>
+          </a:effectLst>
         </a:effectStyle>
         <a:effectStyle>
           <a:effectLst>
-            <a:outerShdw blurRad="57150" dist="19050" dir="5400000" algn="ctr" rotWithShape="0">
+            <a:outerShdw blurRad="50800" dist="38100" dir="5400000" rotWithShape="0">
               <a:srgbClr val="000000">
-                <a:alpha val="63000"/>
+                <a:alpha val="35000"/>
               </a:srgbClr>
             </a:outerShdw>
           </a:effectLst>
+          <a:scene3d>
+            <a:camera prst="orthographicFront">
+              <a:rot lat="0" lon="0" rev="0"/>
+            </a:camera>
+            <a:lightRig rig="threePt" dir="tl"/>
+          </a:scene3d>
+          <a:sp3d prstMaterial="plastic">
+            <a:bevelT w="0" h="0"/>
+          </a:sp3d>
         </a:effectStyle>
       </a:effectStyleLst>
       <a:bgFillStyleLst>
         <a:solidFill>
           <a:schemeClr val="phClr"/>
         </a:solidFill>
-        <a:solidFill>
-          <a:schemeClr val="phClr">
-            <a:tint val="95000"/>
-            <a:satMod val="170000"/>
-          </a:schemeClr>
-        </a:solidFill>
         <a:gradFill rotWithShape="1">
           <a:gsLst>
             <a:gs pos="0">
               <a:schemeClr val="phClr">
-                <a:tint val="93000"/>
-                <a:satMod val="150000"/>
-                <a:shade val="98000"/>
-                <a:lumMod val="102000"/>
+                <a:tint val="90000"/>
+                <a:lumMod val="104000"/>
               </a:schemeClr>
             </a:gs>
-            <a:gs pos="50000">
+            <a:gs pos="94000">
               <a:schemeClr val="phClr">
-                <a:tint val="98000"/>
-                <a:satMod val="130000"/>
-                <a:shade val="90000"/>
-                <a:lumMod val="103000"/>
+                <a:shade val="96000"/>
+                <a:lumMod val="82000"/>
+              </a:schemeClr>
+            </a:gs>
+          </a:gsLst>
+          <a:lin ang="5400000" scaled="0"/>
+        </a:gradFill>
+        <a:gradFill rotWithShape="1">
+          <a:gsLst>
+            <a:gs pos="0">
+              <a:schemeClr val="phClr">
+                <a:tint val="90000"/>
+                <a:lumMod val="110000"/>
               </a:schemeClr>
             </a:gs>
             <a:gs pos="100000">
               <a:schemeClr val="phClr">
-                <a:shade val="63000"/>
-                <a:satMod val="120000"/>
+                <a:shade val="94000"/>
+                <a:lumMod val="96000"/>
               </a:schemeClr>
             </a:gs>
           </a:gsLst>
-          <a:lin ang="5400000" scaled="0"/>
+          <a:path path="circle">
+            <a:fillToRect l="50000" t="50000" r="100000" b="100000"/>
+          </a:path>
         </a:gradFill>
       </a:bgFillStyleLst>
     </a:fmtScheme>
@@ -4815,7 +7259,7 @@
   <a:extraClrSchemeLst/>
   <a:extLst>
     <a:ext uri="{05A4C25C-085E-4340-85A3-A5531E510DB2}">
-      <thm15:themeFamily xmlns:thm15="http://schemas.microsoft.com/office/thememl/2012/main" name="Office Theme" id="{62F939B6-93AF-4DB8-9C6B-D6C7DFDC589F}" vid="{4A3C46E8-61CC-4603-A589-7422A47A8E4A}"/>
+      <thm15:themeFamily xmlns:thm15="http://schemas.microsoft.com/office/thememl/2012/main" name="Facet" id="{C0C680CD-088A-49FC-A102-D699147F32B2}" vid="{CFBC31BA-B70F-4F30-BCAA-4F3011E16C4D}"/>
     </a:ext>
   </a:extLst>
 </a:theme>
